--- a/RC1/VG101Jigang RC1.pptx
+++ b/RC1/VG101Jigang RC1.pptx
@@ -3596,6 +3596,283 @@
   <p:clrMapOvr>
     <a:masterClrMapping/>
   </p:clrMapOvr>
+  <p:timing>
+    <p:tnLst>
+      <p:par>
+        <p:cTn id="1" dur="indefinite" restart="never" nodeType="tmRoot">
+          <p:childTnLst>
+            <p:seq concurrent="1" nextAc="seek">
+              <p:cTn id="2" dur="indefinite" nodeType="mainSeq">
+                <p:childTnLst>
+                  <p:par>
+                    <p:cTn id="3" fill="hold">
+                      <p:stCondLst>
+                        <p:cond delay="indefinite"/>
+                      </p:stCondLst>
+                      <p:childTnLst>
+                        <p:par>
+                          <p:cTn id="4" fill="hold">
+                            <p:stCondLst>
+                              <p:cond delay="0"/>
+                            </p:stCondLst>
+                            <p:childTnLst>
+                              <p:par>
+                                <p:cTn id="5" presetID="10" presetClass="entr" presetSubtype="0" fill="hold" grpId="0" nodeType="clickEffect">
+                                  <p:stCondLst>
+                                    <p:cond delay="0"/>
+                                  </p:stCondLst>
+                                  <p:childTnLst>
+                                    <p:set>
+                                      <p:cBhvr>
+                                        <p:cTn id="6" dur="1" fill="hold">
+                                          <p:stCondLst>
+                                            <p:cond delay="0"/>
+                                          </p:stCondLst>
+                                        </p:cTn>
+                                        <p:tgtEl>
+                                          <p:spTgt spid="3">
+                                            <p:txEl>
+                                              <p:pRg st="0" end="0"/>
+                                            </p:txEl>
+                                          </p:spTgt>
+                                        </p:tgtEl>
+                                        <p:attrNameLst>
+                                          <p:attrName>style.visibility</p:attrName>
+                                        </p:attrNameLst>
+                                      </p:cBhvr>
+                                      <p:to>
+                                        <p:strVal val="visible"/>
+                                      </p:to>
+                                    </p:set>
+                                    <p:animEffect transition="in" filter="fade">
+                                      <p:cBhvr>
+                                        <p:cTn id="7" dur="500"/>
+                                        <p:tgtEl>
+                                          <p:spTgt spid="3">
+                                            <p:txEl>
+                                              <p:pRg st="0" end="0"/>
+                                            </p:txEl>
+                                          </p:spTgt>
+                                        </p:tgtEl>
+                                      </p:cBhvr>
+                                    </p:animEffect>
+                                  </p:childTnLst>
+                                </p:cTn>
+                              </p:par>
+                            </p:childTnLst>
+                          </p:cTn>
+                        </p:par>
+                      </p:childTnLst>
+                    </p:cTn>
+                  </p:par>
+                  <p:par>
+                    <p:cTn id="8" fill="hold">
+                      <p:stCondLst>
+                        <p:cond delay="indefinite"/>
+                      </p:stCondLst>
+                      <p:childTnLst>
+                        <p:par>
+                          <p:cTn id="9" fill="hold">
+                            <p:stCondLst>
+                              <p:cond delay="0"/>
+                            </p:stCondLst>
+                            <p:childTnLst>
+                              <p:par>
+                                <p:cTn id="10" presetID="10" presetClass="entr" presetSubtype="0" fill="hold" grpId="0" nodeType="clickEffect">
+                                  <p:stCondLst>
+                                    <p:cond delay="0"/>
+                                  </p:stCondLst>
+                                  <p:childTnLst>
+                                    <p:set>
+                                      <p:cBhvr>
+                                        <p:cTn id="11" dur="1" fill="hold">
+                                          <p:stCondLst>
+                                            <p:cond delay="0"/>
+                                          </p:stCondLst>
+                                        </p:cTn>
+                                        <p:tgtEl>
+                                          <p:spTgt spid="3">
+                                            <p:txEl>
+                                              <p:pRg st="1" end="1"/>
+                                            </p:txEl>
+                                          </p:spTgt>
+                                        </p:tgtEl>
+                                        <p:attrNameLst>
+                                          <p:attrName>style.visibility</p:attrName>
+                                        </p:attrNameLst>
+                                      </p:cBhvr>
+                                      <p:to>
+                                        <p:strVal val="visible"/>
+                                      </p:to>
+                                    </p:set>
+                                    <p:animEffect transition="in" filter="fade">
+                                      <p:cBhvr>
+                                        <p:cTn id="12" dur="500"/>
+                                        <p:tgtEl>
+                                          <p:spTgt spid="3">
+                                            <p:txEl>
+                                              <p:pRg st="1" end="1"/>
+                                            </p:txEl>
+                                          </p:spTgt>
+                                        </p:tgtEl>
+                                      </p:cBhvr>
+                                    </p:animEffect>
+                                  </p:childTnLst>
+                                </p:cTn>
+                              </p:par>
+                            </p:childTnLst>
+                          </p:cTn>
+                        </p:par>
+                      </p:childTnLst>
+                    </p:cTn>
+                  </p:par>
+                  <p:par>
+                    <p:cTn id="13" fill="hold">
+                      <p:stCondLst>
+                        <p:cond delay="indefinite"/>
+                      </p:stCondLst>
+                      <p:childTnLst>
+                        <p:par>
+                          <p:cTn id="14" fill="hold">
+                            <p:stCondLst>
+                              <p:cond delay="0"/>
+                            </p:stCondLst>
+                            <p:childTnLst>
+                              <p:par>
+                                <p:cTn id="15" presetID="10" presetClass="entr" presetSubtype="0" fill="hold" grpId="0" nodeType="clickEffect">
+                                  <p:stCondLst>
+                                    <p:cond delay="0"/>
+                                  </p:stCondLst>
+                                  <p:childTnLst>
+                                    <p:set>
+                                      <p:cBhvr>
+                                        <p:cTn id="16" dur="1" fill="hold">
+                                          <p:stCondLst>
+                                            <p:cond delay="0"/>
+                                          </p:stCondLst>
+                                        </p:cTn>
+                                        <p:tgtEl>
+                                          <p:spTgt spid="3">
+                                            <p:txEl>
+                                              <p:pRg st="2" end="2"/>
+                                            </p:txEl>
+                                          </p:spTgt>
+                                        </p:tgtEl>
+                                        <p:attrNameLst>
+                                          <p:attrName>style.visibility</p:attrName>
+                                        </p:attrNameLst>
+                                      </p:cBhvr>
+                                      <p:to>
+                                        <p:strVal val="visible"/>
+                                      </p:to>
+                                    </p:set>
+                                    <p:animEffect transition="in" filter="fade">
+                                      <p:cBhvr>
+                                        <p:cTn id="17" dur="500"/>
+                                        <p:tgtEl>
+                                          <p:spTgt spid="3">
+                                            <p:txEl>
+                                              <p:pRg st="2" end="2"/>
+                                            </p:txEl>
+                                          </p:spTgt>
+                                        </p:tgtEl>
+                                      </p:cBhvr>
+                                    </p:animEffect>
+                                  </p:childTnLst>
+                                </p:cTn>
+                              </p:par>
+                            </p:childTnLst>
+                          </p:cTn>
+                        </p:par>
+                      </p:childTnLst>
+                    </p:cTn>
+                  </p:par>
+                  <p:par>
+                    <p:cTn id="18" fill="hold">
+                      <p:stCondLst>
+                        <p:cond delay="indefinite"/>
+                      </p:stCondLst>
+                      <p:childTnLst>
+                        <p:par>
+                          <p:cTn id="19" fill="hold">
+                            <p:stCondLst>
+                              <p:cond delay="0"/>
+                            </p:stCondLst>
+                            <p:childTnLst>
+                              <p:par>
+                                <p:cTn id="20" presetID="10" presetClass="entr" presetSubtype="0" fill="hold" grpId="0" nodeType="clickEffect">
+                                  <p:stCondLst>
+                                    <p:cond delay="0"/>
+                                  </p:stCondLst>
+                                  <p:childTnLst>
+                                    <p:set>
+                                      <p:cBhvr>
+                                        <p:cTn id="21" dur="1" fill="hold">
+                                          <p:stCondLst>
+                                            <p:cond delay="0"/>
+                                          </p:stCondLst>
+                                        </p:cTn>
+                                        <p:tgtEl>
+                                          <p:spTgt spid="3">
+                                            <p:txEl>
+                                              <p:pRg st="3" end="3"/>
+                                            </p:txEl>
+                                          </p:spTgt>
+                                        </p:tgtEl>
+                                        <p:attrNameLst>
+                                          <p:attrName>style.visibility</p:attrName>
+                                        </p:attrNameLst>
+                                      </p:cBhvr>
+                                      <p:to>
+                                        <p:strVal val="visible"/>
+                                      </p:to>
+                                    </p:set>
+                                    <p:animEffect transition="in" filter="fade">
+                                      <p:cBhvr>
+                                        <p:cTn id="22" dur="500"/>
+                                        <p:tgtEl>
+                                          <p:spTgt spid="3">
+                                            <p:txEl>
+                                              <p:pRg st="3" end="3"/>
+                                            </p:txEl>
+                                          </p:spTgt>
+                                        </p:tgtEl>
+                                      </p:cBhvr>
+                                    </p:animEffect>
+                                  </p:childTnLst>
+                                </p:cTn>
+                              </p:par>
+                            </p:childTnLst>
+                          </p:cTn>
+                        </p:par>
+                      </p:childTnLst>
+                    </p:cTn>
+                  </p:par>
+                </p:childTnLst>
+              </p:cTn>
+              <p:prevCondLst>
+                <p:cond evt="onPrev" delay="0">
+                  <p:tgtEl>
+                    <p:sldTgt/>
+                  </p:tgtEl>
+                </p:cond>
+              </p:prevCondLst>
+              <p:nextCondLst>
+                <p:cond evt="onNext" delay="0">
+                  <p:tgtEl>
+                    <p:sldTgt/>
+                  </p:tgtEl>
+                </p:cond>
+              </p:nextCondLst>
+            </p:seq>
+          </p:childTnLst>
+        </p:cTn>
+      </p:par>
+    </p:tnLst>
+    <p:bldLst>
+      <p:bldP spid="3" grpId="0" build="p"/>
+    </p:bldLst>
+  </p:timing>
 </p:sld>
 </file>
 
@@ -3844,6 +4121,616 @@
   <p:clrMapOvr>
     <a:masterClrMapping/>
   </p:clrMapOvr>
+  <p:timing>
+    <p:tnLst>
+      <p:par>
+        <p:cTn id="1" dur="indefinite" restart="never" nodeType="tmRoot">
+          <p:childTnLst>
+            <p:seq concurrent="1" nextAc="seek">
+              <p:cTn id="2" dur="indefinite" nodeType="mainSeq">
+                <p:childTnLst>
+                  <p:par>
+                    <p:cTn id="3" fill="hold">
+                      <p:stCondLst>
+                        <p:cond delay="indefinite"/>
+                      </p:stCondLst>
+                      <p:childTnLst>
+                        <p:par>
+                          <p:cTn id="4" fill="hold">
+                            <p:stCondLst>
+                              <p:cond delay="0"/>
+                            </p:stCondLst>
+                            <p:childTnLst>
+                              <p:par>
+                                <p:cTn id="5" presetID="10" presetClass="entr" presetSubtype="0" fill="hold" grpId="0" nodeType="clickEffect">
+                                  <p:stCondLst>
+                                    <p:cond delay="0"/>
+                                  </p:stCondLst>
+                                  <p:childTnLst>
+                                    <p:set>
+                                      <p:cBhvr>
+                                        <p:cTn id="6" dur="1" fill="hold">
+                                          <p:stCondLst>
+                                            <p:cond delay="0"/>
+                                          </p:stCondLst>
+                                        </p:cTn>
+                                        <p:tgtEl>
+                                          <p:spTgt spid="3">
+                                            <p:txEl>
+                                              <p:pRg st="0" end="0"/>
+                                            </p:txEl>
+                                          </p:spTgt>
+                                        </p:tgtEl>
+                                        <p:attrNameLst>
+                                          <p:attrName>style.visibility</p:attrName>
+                                        </p:attrNameLst>
+                                      </p:cBhvr>
+                                      <p:to>
+                                        <p:strVal val="visible"/>
+                                      </p:to>
+                                    </p:set>
+                                    <p:animEffect transition="in" filter="fade">
+                                      <p:cBhvr>
+                                        <p:cTn id="7" dur="500"/>
+                                        <p:tgtEl>
+                                          <p:spTgt spid="3">
+                                            <p:txEl>
+                                              <p:pRg st="0" end="0"/>
+                                            </p:txEl>
+                                          </p:spTgt>
+                                        </p:tgtEl>
+                                      </p:cBhvr>
+                                    </p:animEffect>
+                                  </p:childTnLst>
+                                </p:cTn>
+                              </p:par>
+                            </p:childTnLst>
+                          </p:cTn>
+                        </p:par>
+                      </p:childTnLst>
+                    </p:cTn>
+                  </p:par>
+                  <p:par>
+                    <p:cTn id="8" fill="hold">
+                      <p:stCondLst>
+                        <p:cond delay="indefinite"/>
+                      </p:stCondLst>
+                      <p:childTnLst>
+                        <p:par>
+                          <p:cTn id="9" fill="hold">
+                            <p:stCondLst>
+                              <p:cond delay="0"/>
+                            </p:stCondLst>
+                            <p:childTnLst>
+                              <p:par>
+                                <p:cTn id="10" presetID="10" presetClass="entr" presetSubtype="0" fill="hold" grpId="0" nodeType="clickEffect">
+                                  <p:stCondLst>
+                                    <p:cond delay="0"/>
+                                  </p:stCondLst>
+                                  <p:childTnLst>
+                                    <p:set>
+                                      <p:cBhvr>
+                                        <p:cTn id="11" dur="1" fill="hold">
+                                          <p:stCondLst>
+                                            <p:cond delay="0"/>
+                                          </p:stCondLst>
+                                        </p:cTn>
+                                        <p:tgtEl>
+                                          <p:spTgt spid="3">
+                                            <p:txEl>
+                                              <p:pRg st="1" end="1"/>
+                                            </p:txEl>
+                                          </p:spTgt>
+                                        </p:tgtEl>
+                                        <p:attrNameLst>
+                                          <p:attrName>style.visibility</p:attrName>
+                                        </p:attrNameLst>
+                                      </p:cBhvr>
+                                      <p:to>
+                                        <p:strVal val="visible"/>
+                                      </p:to>
+                                    </p:set>
+                                    <p:animEffect transition="in" filter="fade">
+                                      <p:cBhvr>
+                                        <p:cTn id="12" dur="500"/>
+                                        <p:tgtEl>
+                                          <p:spTgt spid="3">
+                                            <p:txEl>
+                                              <p:pRg st="1" end="1"/>
+                                            </p:txEl>
+                                          </p:spTgt>
+                                        </p:tgtEl>
+                                      </p:cBhvr>
+                                    </p:animEffect>
+                                  </p:childTnLst>
+                                </p:cTn>
+                              </p:par>
+                            </p:childTnLst>
+                          </p:cTn>
+                        </p:par>
+                      </p:childTnLst>
+                    </p:cTn>
+                  </p:par>
+                  <p:par>
+                    <p:cTn id="13" fill="hold">
+                      <p:stCondLst>
+                        <p:cond delay="indefinite"/>
+                      </p:stCondLst>
+                      <p:childTnLst>
+                        <p:par>
+                          <p:cTn id="14" fill="hold">
+                            <p:stCondLst>
+                              <p:cond delay="0"/>
+                            </p:stCondLst>
+                            <p:childTnLst>
+                              <p:par>
+                                <p:cTn id="15" presetID="10" presetClass="entr" presetSubtype="0" fill="hold" grpId="0" nodeType="clickEffect">
+                                  <p:stCondLst>
+                                    <p:cond delay="0"/>
+                                  </p:stCondLst>
+                                  <p:childTnLst>
+                                    <p:set>
+                                      <p:cBhvr>
+                                        <p:cTn id="16" dur="1" fill="hold">
+                                          <p:stCondLst>
+                                            <p:cond delay="0"/>
+                                          </p:stCondLst>
+                                        </p:cTn>
+                                        <p:tgtEl>
+                                          <p:spTgt spid="3">
+                                            <p:txEl>
+                                              <p:pRg st="2" end="2"/>
+                                            </p:txEl>
+                                          </p:spTgt>
+                                        </p:tgtEl>
+                                        <p:attrNameLst>
+                                          <p:attrName>style.visibility</p:attrName>
+                                        </p:attrNameLst>
+                                      </p:cBhvr>
+                                      <p:to>
+                                        <p:strVal val="visible"/>
+                                      </p:to>
+                                    </p:set>
+                                    <p:animEffect transition="in" filter="fade">
+                                      <p:cBhvr>
+                                        <p:cTn id="17" dur="500"/>
+                                        <p:tgtEl>
+                                          <p:spTgt spid="3">
+                                            <p:txEl>
+                                              <p:pRg st="2" end="2"/>
+                                            </p:txEl>
+                                          </p:spTgt>
+                                        </p:tgtEl>
+                                      </p:cBhvr>
+                                    </p:animEffect>
+                                  </p:childTnLst>
+                                </p:cTn>
+                              </p:par>
+                            </p:childTnLst>
+                          </p:cTn>
+                        </p:par>
+                      </p:childTnLst>
+                    </p:cTn>
+                  </p:par>
+                  <p:par>
+                    <p:cTn id="18" fill="hold">
+                      <p:stCondLst>
+                        <p:cond delay="indefinite"/>
+                      </p:stCondLst>
+                      <p:childTnLst>
+                        <p:par>
+                          <p:cTn id="19" fill="hold">
+                            <p:stCondLst>
+                              <p:cond delay="0"/>
+                            </p:stCondLst>
+                            <p:childTnLst>
+                              <p:par>
+                                <p:cTn id="20" presetID="10" presetClass="entr" presetSubtype="0" fill="hold" grpId="0" nodeType="clickEffect">
+                                  <p:stCondLst>
+                                    <p:cond delay="0"/>
+                                  </p:stCondLst>
+                                  <p:childTnLst>
+                                    <p:set>
+                                      <p:cBhvr>
+                                        <p:cTn id="21" dur="1" fill="hold">
+                                          <p:stCondLst>
+                                            <p:cond delay="0"/>
+                                          </p:stCondLst>
+                                        </p:cTn>
+                                        <p:tgtEl>
+                                          <p:spTgt spid="3">
+                                            <p:txEl>
+                                              <p:pRg st="3" end="3"/>
+                                            </p:txEl>
+                                          </p:spTgt>
+                                        </p:tgtEl>
+                                        <p:attrNameLst>
+                                          <p:attrName>style.visibility</p:attrName>
+                                        </p:attrNameLst>
+                                      </p:cBhvr>
+                                      <p:to>
+                                        <p:strVal val="visible"/>
+                                      </p:to>
+                                    </p:set>
+                                    <p:animEffect transition="in" filter="fade">
+                                      <p:cBhvr>
+                                        <p:cTn id="22" dur="500"/>
+                                        <p:tgtEl>
+                                          <p:spTgt spid="3">
+                                            <p:txEl>
+                                              <p:pRg st="3" end="3"/>
+                                            </p:txEl>
+                                          </p:spTgt>
+                                        </p:tgtEl>
+                                      </p:cBhvr>
+                                    </p:animEffect>
+                                  </p:childTnLst>
+                                </p:cTn>
+                              </p:par>
+                            </p:childTnLst>
+                          </p:cTn>
+                        </p:par>
+                      </p:childTnLst>
+                    </p:cTn>
+                  </p:par>
+                  <p:par>
+                    <p:cTn id="23" fill="hold">
+                      <p:stCondLst>
+                        <p:cond delay="indefinite"/>
+                      </p:stCondLst>
+                      <p:childTnLst>
+                        <p:par>
+                          <p:cTn id="24" fill="hold">
+                            <p:stCondLst>
+                              <p:cond delay="0"/>
+                            </p:stCondLst>
+                            <p:childTnLst>
+                              <p:par>
+                                <p:cTn id="25" presetID="10" presetClass="entr" presetSubtype="0" fill="hold" grpId="0" nodeType="clickEffect">
+                                  <p:stCondLst>
+                                    <p:cond delay="0"/>
+                                  </p:stCondLst>
+                                  <p:childTnLst>
+                                    <p:set>
+                                      <p:cBhvr>
+                                        <p:cTn id="26" dur="1" fill="hold">
+                                          <p:stCondLst>
+                                            <p:cond delay="0"/>
+                                          </p:stCondLst>
+                                        </p:cTn>
+                                        <p:tgtEl>
+                                          <p:spTgt spid="3">
+                                            <p:txEl>
+                                              <p:pRg st="4" end="4"/>
+                                            </p:txEl>
+                                          </p:spTgt>
+                                        </p:tgtEl>
+                                        <p:attrNameLst>
+                                          <p:attrName>style.visibility</p:attrName>
+                                        </p:attrNameLst>
+                                      </p:cBhvr>
+                                      <p:to>
+                                        <p:strVal val="visible"/>
+                                      </p:to>
+                                    </p:set>
+                                    <p:animEffect transition="in" filter="fade">
+                                      <p:cBhvr>
+                                        <p:cTn id="27" dur="500"/>
+                                        <p:tgtEl>
+                                          <p:spTgt spid="3">
+                                            <p:txEl>
+                                              <p:pRg st="4" end="4"/>
+                                            </p:txEl>
+                                          </p:spTgt>
+                                        </p:tgtEl>
+                                      </p:cBhvr>
+                                    </p:animEffect>
+                                  </p:childTnLst>
+                                </p:cTn>
+                              </p:par>
+                            </p:childTnLst>
+                          </p:cTn>
+                        </p:par>
+                      </p:childTnLst>
+                    </p:cTn>
+                  </p:par>
+                  <p:par>
+                    <p:cTn id="28" fill="hold">
+                      <p:stCondLst>
+                        <p:cond delay="indefinite"/>
+                      </p:stCondLst>
+                      <p:childTnLst>
+                        <p:par>
+                          <p:cTn id="29" fill="hold">
+                            <p:stCondLst>
+                              <p:cond delay="0"/>
+                            </p:stCondLst>
+                            <p:childTnLst>
+                              <p:par>
+                                <p:cTn id="30" presetID="10" presetClass="entr" presetSubtype="0" fill="hold" nodeType="clickEffect">
+                                  <p:stCondLst>
+                                    <p:cond delay="0"/>
+                                  </p:stCondLst>
+                                  <p:childTnLst>
+                                    <p:set>
+                                      <p:cBhvr>
+                                        <p:cTn id="31" dur="1" fill="hold">
+                                          <p:stCondLst>
+                                            <p:cond delay="0"/>
+                                          </p:stCondLst>
+                                        </p:cTn>
+                                        <p:tgtEl>
+                                          <p:spTgt spid="5"/>
+                                        </p:tgtEl>
+                                        <p:attrNameLst>
+                                          <p:attrName>style.visibility</p:attrName>
+                                        </p:attrNameLst>
+                                      </p:cBhvr>
+                                      <p:to>
+                                        <p:strVal val="visible"/>
+                                      </p:to>
+                                    </p:set>
+                                    <p:animEffect transition="in" filter="fade">
+                                      <p:cBhvr>
+                                        <p:cTn id="32" dur="500"/>
+                                        <p:tgtEl>
+                                          <p:spTgt spid="5"/>
+                                        </p:tgtEl>
+                                      </p:cBhvr>
+                                    </p:animEffect>
+                                  </p:childTnLst>
+                                </p:cTn>
+                              </p:par>
+                              <p:par>
+                                <p:cTn id="33" presetID="10" presetClass="entr" presetSubtype="0" fill="hold" grpId="0" nodeType="withEffect">
+                                  <p:stCondLst>
+                                    <p:cond delay="0"/>
+                                  </p:stCondLst>
+                                  <p:childTnLst>
+                                    <p:set>
+                                      <p:cBhvr>
+                                        <p:cTn id="34" dur="1" fill="hold">
+                                          <p:stCondLst>
+                                            <p:cond delay="0"/>
+                                          </p:stCondLst>
+                                        </p:cTn>
+                                        <p:tgtEl>
+                                          <p:spTgt spid="6"/>
+                                        </p:tgtEl>
+                                        <p:attrNameLst>
+                                          <p:attrName>style.visibility</p:attrName>
+                                        </p:attrNameLst>
+                                      </p:cBhvr>
+                                      <p:to>
+                                        <p:strVal val="visible"/>
+                                      </p:to>
+                                    </p:set>
+                                    <p:animEffect transition="in" filter="fade">
+                                      <p:cBhvr>
+                                        <p:cTn id="35" dur="500"/>
+                                        <p:tgtEl>
+                                          <p:spTgt spid="6"/>
+                                        </p:tgtEl>
+                                      </p:cBhvr>
+                                    </p:animEffect>
+                                  </p:childTnLst>
+                                </p:cTn>
+                              </p:par>
+                            </p:childTnLst>
+                          </p:cTn>
+                        </p:par>
+                      </p:childTnLst>
+                    </p:cTn>
+                  </p:par>
+                  <p:par>
+                    <p:cTn id="36" fill="hold">
+                      <p:stCondLst>
+                        <p:cond delay="indefinite"/>
+                      </p:stCondLst>
+                      <p:childTnLst>
+                        <p:par>
+                          <p:cTn id="37" fill="hold">
+                            <p:stCondLst>
+                              <p:cond delay="0"/>
+                            </p:stCondLst>
+                            <p:childTnLst>
+                              <p:par>
+                                <p:cTn id="38" presetID="10" presetClass="entr" presetSubtype="0" fill="hold" grpId="0" nodeType="clickEffect">
+                                  <p:stCondLst>
+                                    <p:cond delay="0"/>
+                                  </p:stCondLst>
+                                  <p:childTnLst>
+                                    <p:set>
+                                      <p:cBhvr>
+                                        <p:cTn id="39" dur="1" fill="hold">
+                                          <p:stCondLst>
+                                            <p:cond delay="0"/>
+                                          </p:stCondLst>
+                                        </p:cTn>
+                                        <p:tgtEl>
+                                          <p:spTgt spid="3">
+                                            <p:txEl>
+                                              <p:pRg st="5" end="5"/>
+                                            </p:txEl>
+                                          </p:spTgt>
+                                        </p:tgtEl>
+                                        <p:attrNameLst>
+                                          <p:attrName>style.visibility</p:attrName>
+                                        </p:attrNameLst>
+                                      </p:cBhvr>
+                                      <p:to>
+                                        <p:strVal val="visible"/>
+                                      </p:to>
+                                    </p:set>
+                                    <p:animEffect transition="in" filter="fade">
+                                      <p:cBhvr>
+                                        <p:cTn id="40" dur="500"/>
+                                        <p:tgtEl>
+                                          <p:spTgt spid="3">
+                                            <p:txEl>
+                                              <p:pRg st="5" end="5"/>
+                                            </p:txEl>
+                                          </p:spTgt>
+                                        </p:tgtEl>
+                                      </p:cBhvr>
+                                    </p:animEffect>
+                                  </p:childTnLst>
+                                </p:cTn>
+                              </p:par>
+                            </p:childTnLst>
+                          </p:cTn>
+                        </p:par>
+                      </p:childTnLst>
+                    </p:cTn>
+                  </p:par>
+                  <p:par>
+                    <p:cTn id="41" fill="hold">
+                      <p:stCondLst>
+                        <p:cond delay="indefinite"/>
+                      </p:stCondLst>
+                      <p:childTnLst>
+                        <p:par>
+                          <p:cTn id="42" fill="hold">
+                            <p:stCondLst>
+                              <p:cond delay="0"/>
+                            </p:stCondLst>
+                            <p:childTnLst>
+                              <p:par>
+                                <p:cTn id="43" presetID="10" presetClass="entr" presetSubtype="0" fill="hold" grpId="0" nodeType="clickEffect">
+                                  <p:stCondLst>
+                                    <p:cond delay="0"/>
+                                  </p:stCondLst>
+                                  <p:childTnLst>
+                                    <p:set>
+                                      <p:cBhvr>
+                                        <p:cTn id="44" dur="1" fill="hold">
+                                          <p:stCondLst>
+                                            <p:cond delay="0"/>
+                                          </p:stCondLst>
+                                        </p:cTn>
+                                        <p:tgtEl>
+                                          <p:spTgt spid="3">
+                                            <p:txEl>
+                                              <p:pRg st="7" end="7"/>
+                                            </p:txEl>
+                                          </p:spTgt>
+                                        </p:tgtEl>
+                                        <p:attrNameLst>
+                                          <p:attrName>style.visibility</p:attrName>
+                                        </p:attrNameLst>
+                                      </p:cBhvr>
+                                      <p:to>
+                                        <p:strVal val="visible"/>
+                                      </p:to>
+                                    </p:set>
+                                    <p:animEffect transition="in" filter="fade">
+                                      <p:cBhvr>
+                                        <p:cTn id="45" dur="500"/>
+                                        <p:tgtEl>
+                                          <p:spTgt spid="3">
+                                            <p:txEl>
+                                              <p:pRg st="7" end="7"/>
+                                            </p:txEl>
+                                          </p:spTgt>
+                                        </p:tgtEl>
+                                      </p:cBhvr>
+                                    </p:animEffect>
+                                  </p:childTnLst>
+                                </p:cTn>
+                              </p:par>
+                            </p:childTnLst>
+                          </p:cTn>
+                        </p:par>
+                      </p:childTnLst>
+                    </p:cTn>
+                  </p:par>
+                  <p:par>
+                    <p:cTn id="46" fill="hold">
+                      <p:stCondLst>
+                        <p:cond delay="indefinite"/>
+                      </p:stCondLst>
+                      <p:childTnLst>
+                        <p:par>
+                          <p:cTn id="47" fill="hold">
+                            <p:stCondLst>
+                              <p:cond delay="0"/>
+                            </p:stCondLst>
+                            <p:childTnLst>
+                              <p:par>
+                                <p:cTn id="48" presetID="10" presetClass="entr" presetSubtype="0" fill="hold" grpId="0" nodeType="clickEffect">
+                                  <p:stCondLst>
+                                    <p:cond delay="0"/>
+                                  </p:stCondLst>
+                                  <p:childTnLst>
+                                    <p:set>
+                                      <p:cBhvr>
+                                        <p:cTn id="49" dur="1" fill="hold">
+                                          <p:stCondLst>
+                                            <p:cond delay="0"/>
+                                          </p:stCondLst>
+                                        </p:cTn>
+                                        <p:tgtEl>
+                                          <p:spTgt spid="3">
+                                            <p:txEl>
+                                              <p:pRg st="8" end="8"/>
+                                            </p:txEl>
+                                          </p:spTgt>
+                                        </p:tgtEl>
+                                        <p:attrNameLst>
+                                          <p:attrName>style.visibility</p:attrName>
+                                        </p:attrNameLst>
+                                      </p:cBhvr>
+                                      <p:to>
+                                        <p:strVal val="visible"/>
+                                      </p:to>
+                                    </p:set>
+                                    <p:animEffect transition="in" filter="fade">
+                                      <p:cBhvr>
+                                        <p:cTn id="50" dur="500"/>
+                                        <p:tgtEl>
+                                          <p:spTgt spid="3">
+                                            <p:txEl>
+                                              <p:pRg st="8" end="8"/>
+                                            </p:txEl>
+                                          </p:spTgt>
+                                        </p:tgtEl>
+                                      </p:cBhvr>
+                                    </p:animEffect>
+                                  </p:childTnLst>
+                                </p:cTn>
+                              </p:par>
+                            </p:childTnLst>
+                          </p:cTn>
+                        </p:par>
+                      </p:childTnLst>
+                    </p:cTn>
+                  </p:par>
+                </p:childTnLst>
+              </p:cTn>
+              <p:prevCondLst>
+                <p:cond evt="onPrev" delay="0">
+                  <p:tgtEl>
+                    <p:sldTgt/>
+                  </p:tgtEl>
+                </p:cond>
+              </p:prevCondLst>
+              <p:nextCondLst>
+                <p:cond evt="onNext" delay="0">
+                  <p:tgtEl>
+                    <p:sldTgt/>
+                  </p:tgtEl>
+                </p:cond>
+              </p:nextCondLst>
+            </p:seq>
+          </p:childTnLst>
+        </p:cTn>
+      </p:par>
+    </p:tnLst>
+    <p:bldLst>
+      <p:bldP spid="3" grpId="0" uiExpand="1" build="p"/>
+      <p:bldP spid="6" grpId="0"/>
+    </p:bldLst>
+  </p:timing>
 </p:sld>
 </file>
 
@@ -3993,6 +4880,405 @@
   <p:clrMapOvr>
     <a:masterClrMapping/>
   </p:clrMapOvr>
+  <p:timing>
+    <p:tnLst>
+      <p:par>
+        <p:cTn id="1" dur="indefinite" restart="never" nodeType="tmRoot">
+          <p:childTnLst>
+            <p:seq concurrent="1" nextAc="seek">
+              <p:cTn id="2" dur="indefinite" nodeType="mainSeq">
+                <p:childTnLst>
+                  <p:par>
+                    <p:cTn id="3" fill="hold">
+                      <p:stCondLst>
+                        <p:cond delay="indefinite"/>
+                      </p:stCondLst>
+                      <p:childTnLst>
+                        <p:par>
+                          <p:cTn id="4" fill="hold">
+                            <p:stCondLst>
+                              <p:cond delay="0"/>
+                            </p:stCondLst>
+                            <p:childTnLst>
+                              <p:par>
+                                <p:cTn id="5" presetID="10" presetClass="entr" presetSubtype="0" fill="hold" grpId="0" nodeType="clickEffect">
+                                  <p:stCondLst>
+                                    <p:cond delay="0"/>
+                                  </p:stCondLst>
+                                  <p:childTnLst>
+                                    <p:set>
+                                      <p:cBhvr>
+                                        <p:cTn id="6" dur="1" fill="hold">
+                                          <p:stCondLst>
+                                            <p:cond delay="0"/>
+                                          </p:stCondLst>
+                                        </p:cTn>
+                                        <p:tgtEl>
+                                          <p:spTgt spid="3">
+                                            <p:txEl>
+                                              <p:pRg st="0" end="0"/>
+                                            </p:txEl>
+                                          </p:spTgt>
+                                        </p:tgtEl>
+                                        <p:attrNameLst>
+                                          <p:attrName>style.visibility</p:attrName>
+                                        </p:attrNameLst>
+                                      </p:cBhvr>
+                                      <p:to>
+                                        <p:strVal val="visible"/>
+                                      </p:to>
+                                    </p:set>
+                                    <p:animEffect transition="in" filter="fade">
+                                      <p:cBhvr>
+                                        <p:cTn id="7" dur="500"/>
+                                        <p:tgtEl>
+                                          <p:spTgt spid="3">
+                                            <p:txEl>
+                                              <p:pRg st="0" end="0"/>
+                                            </p:txEl>
+                                          </p:spTgt>
+                                        </p:tgtEl>
+                                      </p:cBhvr>
+                                    </p:animEffect>
+                                  </p:childTnLst>
+                                </p:cTn>
+                              </p:par>
+                            </p:childTnLst>
+                          </p:cTn>
+                        </p:par>
+                      </p:childTnLst>
+                    </p:cTn>
+                  </p:par>
+                  <p:par>
+                    <p:cTn id="8" fill="hold">
+                      <p:stCondLst>
+                        <p:cond delay="indefinite"/>
+                      </p:stCondLst>
+                      <p:childTnLst>
+                        <p:par>
+                          <p:cTn id="9" fill="hold">
+                            <p:stCondLst>
+                              <p:cond delay="0"/>
+                            </p:stCondLst>
+                            <p:childTnLst>
+                              <p:par>
+                                <p:cTn id="10" presetID="10" presetClass="entr" presetSubtype="0" fill="hold" grpId="0" nodeType="clickEffect">
+                                  <p:stCondLst>
+                                    <p:cond delay="0"/>
+                                  </p:stCondLst>
+                                  <p:childTnLst>
+                                    <p:set>
+                                      <p:cBhvr>
+                                        <p:cTn id="11" dur="1" fill="hold">
+                                          <p:stCondLst>
+                                            <p:cond delay="0"/>
+                                          </p:stCondLst>
+                                        </p:cTn>
+                                        <p:tgtEl>
+                                          <p:spTgt spid="3">
+                                            <p:txEl>
+                                              <p:pRg st="1" end="1"/>
+                                            </p:txEl>
+                                          </p:spTgt>
+                                        </p:tgtEl>
+                                        <p:attrNameLst>
+                                          <p:attrName>style.visibility</p:attrName>
+                                        </p:attrNameLst>
+                                      </p:cBhvr>
+                                      <p:to>
+                                        <p:strVal val="visible"/>
+                                      </p:to>
+                                    </p:set>
+                                    <p:animEffect transition="in" filter="fade">
+                                      <p:cBhvr>
+                                        <p:cTn id="12" dur="500"/>
+                                        <p:tgtEl>
+                                          <p:spTgt spid="3">
+                                            <p:txEl>
+                                              <p:pRg st="1" end="1"/>
+                                            </p:txEl>
+                                          </p:spTgt>
+                                        </p:tgtEl>
+                                      </p:cBhvr>
+                                    </p:animEffect>
+                                  </p:childTnLst>
+                                </p:cTn>
+                              </p:par>
+                            </p:childTnLst>
+                          </p:cTn>
+                        </p:par>
+                      </p:childTnLst>
+                    </p:cTn>
+                  </p:par>
+                  <p:par>
+                    <p:cTn id="13" fill="hold">
+                      <p:stCondLst>
+                        <p:cond delay="indefinite"/>
+                      </p:stCondLst>
+                      <p:childTnLst>
+                        <p:par>
+                          <p:cTn id="14" fill="hold">
+                            <p:stCondLst>
+                              <p:cond delay="0"/>
+                            </p:stCondLst>
+                            <p:childTnLst>
+                              <p:par>
+                                <p:cTn id="15" presetID="10" presetClass="entr" presetSubtype="0" fill="hold" grpId="0" nodeType="clickEffect">
+                                  <p:stCondLst>
+                                    <p:cond delay="0"/>
+                                  </p:stCondLst>
+                                  <p:childTnLst>
+                                    <p:set>
+                                      <p:cBhvr>
+                                        <p:cTn id="16" dur="1" fill="hold">
+                                          <p:stCondLst>
+                                            <p:cond delay="0"/>
+                                          </p:stCondLst>
+                                        </p:cTn>
+                                        <p:tgtEl>
+                                          <p:spTgt spid="3">
+                                            <p:txEl>
+                                              <p:pRg st="2" end="2"/>
+                                            </p:txEl>
+                                          </p:spTgt>
+                                        </p:tgtEl>
+                                        <p:attrNameLst>
+                                          <p:attrName>style.visibility</p:attrName>
+                                        </p:attrNameLst>
+                                      </p:cBhvr>
+                                      <p:to>
+                                        <p:strVal val="visible"/>
+                                      </p:to>
+                                    </p:set>
+                                    <p:animEffect transition="in" filter="fade">
+                                      <p:cBhvr>
+                                        <p:cTn id="17" dur="500"/>
+                                        <p:tgtEl>
+                                          <p:spTgt spid="3">
+                                            <p:txEl>
+                                              <p:pRg st="2" end="2"/>
+                                            </p:txEl>
+                                          </p:spTgt>
+                                        </p:tgtEl>
+                                      </p:cBhvr>
+                                    </p:animEffect>
+                                  </p:childTnLst>
+                                </p:cTn>
+                              </p:par>
+                            </p:childTnLst>
+                          </p:cTn>
+                        </p:par>
+                      </p:childTnLst>
+                    </p:cTn>
+                  </p:par>
+                  <p:par>
+                    <p:cTn id="18" fill="hold">
+                      <p:stCondLst>
+                        <p:cond delay="indefinite"/>
+                      </p:stCondLst>
+                      <p:childTnLst>
+                        <p:par>
+                          <p:cTn id="19" fill="hold">
+                            <p:stCondLst>
+                              <p:cond delay="0"/>
+                            </p:stCondLst>
+                            <p:childTnLst>
+                              <p:par>
+                                <p:cTn id="20" presetID="10" presetClass="entr" presetSubtype="0" fill="hold" grpId="0" nodeType="clickEffect">
+                                  <p:stCondLst>
+                                    <p:cond delay="0"/>
+                                  </p:stCondLst>
+                                  <p:childTnLst>
+                                    <p:set>
+                                      <p:cBhvr>
+                                        <p:cTn id="21" dur="1" fill="hold">
+                                          <p:stCondLst>
+                                            <p:cond delay="0"/>
+                                          </p:stCondLst>
+                                        </p:cTn>
+                                        <p:tgtEl>
+                                          <p:spTgt spid="3">
+                                            <p:txEl>
+                                              <p:pRg st="4" end="4"/>
+                                            </p:txEl>
+                                          </p:spTgt>
+                                        </p:tgtEl>
+                                        <p:attrNameLst>
+                                          <p:attrName>style.visibility</p:attrName>
+                                        </p:attrNameLst>
+                                      </p:cBhvr>
+                                      <p:to>
+                                        <p:strVal val="visible"/>
+                                      </p:to>
+                                    </p:set>
+                                    <p:animEffect transition="in" filter="fade">
+                                      <p:cBhvr>
+                                        <p:cTn id="22" dur="500"/>
+                                        <p:tgtEl>
+                                          <p:spTgt spid="3">
+                                            <p:txEl>
+                                              <p:pRg st="4" end="4"/>
+                                            </p:txEl>
+                                          </p:spTgt>
+                                        </p:tgtEl>
+                                      </p:cBhvr>
+                                    </p:animEffect>
+                                  </p:childTnLst>
+                                </p:cTn>
+                              </p:par>
+                            </p:childTnLst>
+                          </p:cTn>
+                        </p:par>
+                      </p:childTnLst>
+                    </p:cTn>
+                  </p:par>
+                  <p:par>
+                    <p:cTn id="23" fill="hold">
+                      <p:stCondLst>
+                        <p:cond delay="indefinite"/>
+                      </p:stCondLst>
+                      <p:childTnLst>
+                        <p:par>
+                          <p:cTn id="24" fill="hold">
+                            <p:stCondLst>
+                              <p:cond delay="0"/>
+                            </p:stCondLst>
+                            <p:childTnLst>
+                              <p:par>
+                                <p:cTn id="25" presetID="10" presetClass="entr" presetSubtype="0" fill="hold" grpId="0" nodeType="clickEffect">
+                                  <p:stCondLst>
+                                    <p:cond delay="0"/>
+                                  </p:stCondLst>
+                                  <p:childTnLst>
+                                    <p:set>
+                                      <p:cBhvr>
+                                        <p:cTn id="26" dur="1" fill="hold">
+                                          <p:stCondLst>
+                                            <p:cond delay="0"/>
+                                          </p:stCondLst>
+                                        </p:cTn>
+                                        <p:tgtEl>
+                                          <p:spTgt spid="3">
+                                            <p:txEl>
+                                              <p:pRg st="6" end="6"/>
+                                            </p:txEl>
+                                          </p:spTgt>
+                                        </p:tgtEl>
+                                        <p:attrNameLst>
+                                          <p:attrName>style.visibility</p:attrName>
+                                        </p:attrNameLst>
+                                      </p:cBhvr>
+                                      <p:to>
+                                        <p:strVal val="visible"/>
+                                      </p:to>
+                                    </p:set>
+                                    <p:animEffect transition="in" filter="fade">
+                                      <p:cBhvr>
+                                        <p:cTn id="27" dur="500"/>
+                                        <p:tgtEl>
+                                          <p:spTgt spid="3">
+                                            <p:txEl>
+                                              <p:pRg st="6" end="6"/>
+                                            </p:txEl>
+                                          </p:spTgt>
+                                        </p:tgtEl>
+                                      </p:cBhvr>
+                                    </p:animEffect>
+                                  </p:childTnLst>
+                                </p:cTn>
+                              </p:par>
+                            </p:childTnLst>
+                          </p:cTn>
+                        </p:par>
+                      </p:childTnLst>
+                    </p:cTn>
+                  </p:par>
+                  <p:par>
+                    <p:cTn id="28" fill="hold">
+                      <p:stCondLst>
+                        <p:cond delay="indefinite"/>
+                      </p:stCondLst>
+                      <p:childTnLst>
+                        <p:par>
+                          <p:cTn id="29" fill="hold">
+                            <p:stCondLst>
+                              <p:cond delay="0"/>
+                            </p:stCondLst>
+                            <p:childTnLst>
+                              <p:par>
+                                <p:cTn id="30" presetID="10" presetClass="entr" presetSubtype="0" fill="hold" grpId="0" nodeType="clickEffect">
+                                  <p:stCondLst>
+                                    <p:cond delay="0"/>
+                                  </p:stCondLst>
+                                  <p:childTnLst>
+                                    <p:set>
+                                      <p:cBhvr>
+                                        <p:cTn id="31" dur="1" fill="hold">
+                                          <p:stCondLst>
+                                            <p:cond delay="0"/>
+                                          </p:stCondLst>
+                                        </p:cTn>
+                                        <p:tgtEl>
+                                          <p:spTgt spid="3">
+                                            <p:txEl>
+                                              <p:pRg st="7" end="7"/>
+                                            </p:txEl>
+                                          </p:spTgt>
+                                        </p:tgtEl>
+                                        <p:attrNameLst>
+                                          <p:attrName>style.visibility</p:attrName>
+                                        </p:attrNameLst>
+                                      </p:cBhvr>
+                                      <p:to>
+                                        <p:strVal val="visible"/>
+                                      </p:to>
+                                    </p:set>
+                                    <p:animEffect transition="in" filter="fade">
+                                      <p:cBhvr>
+                                        <p:cTn id="32" dur="500"/>
+                                        <p:tgtEl>
+                                          <p:spTgt spid="3">
+                                            <p:txEl>
+                                              <p:pRg st="7" end="7"/>
+                                            </p:txEl>
+                                          </p:spTgt>
+                                        </p:tgtEl>
+                                      </p:cBhvr>
+                                    </p:animEffect>
+                                  </p:childTnLst>
+                                </p:cTn>
+                              </p:par>
+                            </p:childTnLst>
+                          </p:cTn>
+                        </p:par>
+                      </p:childTnLst>
+                    </p:cTn>
+                  </p:par>
+                </p:childTnLst>
+              </p:cTn>
+              <p:prevCondLst>
+                <p:cond evt="onPrev" delay="0">
+                  <p:tgtEl>
+                    <p:sldTgt/>
+                  </p:tgtEl>
+                </p:cond>
+              </p:prevCondLst>
+              <p:nextCondLst>
+                <p:cond evt="onNext" delay="0">
+                  <p:tgtEl>
+                    <p:sldTgt/>
+                  </p:tgtEl>
+                </p:cond>
+              </p:nextCondLst>
+            </p:seq>
+          </p:childTnLst>
+        </p:cTn>
+      </p:par>
+    </p:tnLst>
+    <p:bldLst>
+      <p:bldP spid="3" grpId="0" build="p"/>
+    </p:bldLst>
+  </p:timing>
 </p:sld>
 </file>
 
@@ -4167,6 +5453,527 @@
   <p:clrMapOvr>
     <a:masterClrMapping/>
   </p:clrMapOvr>
+  <p:timing>
+    <p:tnLst>
+      <p:par>
+        <p:cTn id="1" dur="indefinite" restart="never" nodeType="tmRoot">
+          <p:childTnLst>
+            <p:seq concurrent="1" nextAc="seek">
+              <p:cTn id="2" dur="indefinite" nodeType="mainSeq">
+                <p:childTnLst>
+                  <p:par>
+                    <p:cTn id="3" fill="hold">
+                      <p:stCondLst>
+                        <p:cond delay="indefinite"/>
+                      </p:stCondLst>
+                      <p:childTnLst>
+                        <p:par>
+                          <p:cTn id="4" fill="hold">
+                            <p:stCondLst>
+                              <p:cond delay="0"/>
+                            </p:stCondLst>
+                            <p:childTnLst>
+                              <p:par>
+                                <p:cTn id="5" presetID="10" presetClass="entr" presetSubtype="0" fill="hold" grpId="0" nodeType="clickEffect">
+                                  <p:stCondLst>
+                                    <p:cond delay="0"/>
+                                  </p:stCondLst>
+                                  <p:childTnLst>
+                                    <p:set>
+                                      <p:cBhvr>
+                                        <p:cTn id="6" dur="1" fill="hold">
+                                          <p:stCondLst>
+                                            <p:cond delay="0"/>
+                                          </p:stCondLst>
+                                        </p:cTn>
+                                        <p:tgtEl>
+                                          <p:spTgt spid="3">
+                                            <p:txEl>
+                                              <p:pRg st="0" end="0"/>
+                                            </p:txEl>
+                                          </p:spTgt>
+                                        </p:tgtEl>
+                                        <p:attrNameLst>
+                                          <p:attrName>style.visibility</p:attrName>
+                                        </p:attrNameLst>
+                                      </p:cBhvr>
+                                      <p:to>
+                                        <p:strVal val="visible"/>
+                                      </p:to>
+                                    </p:set>
+                                    <p:animEffect transition="in" filter="fade">
+                                      <p:cBhvr>
+                                        <p:cTn id="7" dur="500"/>
+                                        <p:tgtEl>
+                                          <p:spTgt spid="3">
+                                            <p:txEl>
+                                              <p:pRg st="0" end="0"/>
+                                            </p:txEl>
+                                          </p:spTgt>
+                                        </p:tgtEl>
+                                      </p:cBhvr>
+                                    </p:animEffect>
+                                  </p:childTnLst>
+                                </p:cTn>
+                              </p:par>
+                            </p:childTnLst>
+                          </p:cTn>
+                        </p:par>
+                      </p:childTnLst>
+                    </p:cTn>
+                  </p:par>
+                  <p:par>
+                    <p:cTn id="8" fill="hold">
+                      <p:stCondLst>
+                        <p:cond delay="indefinite"/>
+                      </p:stCondLst>
+                      <p:childTnLst>
+                        <p:par>
+                          <p:cTn id="9" fill="hold">
+                            <p:stCondLst>
+                              <p:cond delay="0"/>
+                            </p:stCondLst>
+                            <p:childTnLst>
+                              <p:par>
+                                <p:cTn id="10" presetID="10" presetClass="entr" presetSubtype="0" fill="hold" grpId="0" nodeType="clickEffect">
+                                  <p:stCondLst>
+                                    <p:cond delay="0"/>
+                                  </p:stCondLst>
+                                  <p:childTnLst>
+                                    <p:set>
+                                      <p:cBhvr>
+                                        <p:cTn id="11" dur="1" fill="hold">
+                                          <p:stCondLst>
+                                            <p:cond delay="0"/>
+                                          </p:stCondLst>
+                                        </p:cTn>
+                                        <p:tgtEl>
+                                          <p:spTgt spid="3">
+                                            <p:txEl>
+                                              <p:pRg st="1" end="1"/>
+                                            </p:txEl>
+                                          </p:spTgt>
+                                        </p:tgtEl>
+                                        <p:attrNameLst>
+                                          <p:attrName>style.visibility</p:attrName>
+                                        </p:attrNameLst>
+                                      </p:cBhvr>
+                                      <p:to>
+                                        <p:strVal val="visible"/>
+                                      </p:to>
+                                    </p:set>
+                                    <p:animEffect transition="in" filter="fade">
+                                      <p:cBhvr>
+                                        <p:cTn id="12" dur="500"/>
+                                        <p:tgtEl>
+                                          <p:spTgt spid="3">
+                                            <p:txEl>
+                                              <p:pRg st="1" end="1"/>
+                                            </p:txEl>
+                                          </p:spTgt>
+                                        </p:tgtEl>
+                                      </p:cBhvr>
+                                    </p:animEffect>
+                                  </p:childTnLst>
+                                </p:cTn>
+                              </p:par>
+                            </p:childTnLst>
+                          </p:cTn>
+                        </p:par>
+                      </p:childTnLst>
+                    </p:cTn>
+                  </p:par>
+                  <p:par>
+                    <p:cTn id="13" fill="hold">
+                      <p:stCondLst>
+                        <p:cond delay="indefinite"/>
+                      </p:stCondLst>
+                      <p:childTnLst>
+                        <p:par>
+                          <p:cTn id="14" fill="hold">
+                            <p:stCondLst>
+                              <p:cond delay="0"/>
+                            </p:stCondLst>
+                            <p:childTnLst>
+                              <p:par>
+                                <p:cTn id="15" presetID="10" presetClass="entr" presetSubtype="0" fill="hold" grpId="0" nodeType="clickEffect">
+                                  <p:stCondLst>
+                                    <p:cond delay="0"/>
+                                  </p:stCondLst>
+                                  <p:childTnLst>
+                                    <p:set>
+                                      <p:cBhvr>
+                                        <p:cTn id="16" dur="1" fill="hold">
+                                          <p:stCondLst>
+                                            <p:cond delay="0"/>
+                                          </p:stCondLst>
+                                        </p:cTn>
+                                        <p:tgtEl>
+                                          <p:spTgt spid="3">
+                                            <p:txEl>
+                                              <p:pRg st="2" end="2"/>
+                                            </p:txEl>
+                                          </p:spTgt>
+                                        </p:tgtEl>
+                                        <p:attrNameLst>
+                                          <p:attrName>style.visibility</p:attrName>
+                                        </p:attrNameLst>
+                                      </p:cBhvr>
+                                      <p:to>
+                                        <p:strVal val="visible"/>
+                                      </p:to>
+                                    </p:set>
+                                    <p:animEffect transition="in" filter="fade">
+                                      <p:cBhvr>
+                                        <p:cTn id="17" dur="500"/>
+                                        <p:tgtEl>
+                                          <p:spTgt spid="3">
+                                            <p:txEl>
+                                              <p:pRg st="2" end="2"/>
+                                            </p:txEl>
+                                          </p:spTgt>
+                                        </p:tgtEl>
+                                      </p:cBhvr>
+                                    </p:animEffect>
+                                  </p:childTnLst>
+                                </p:cTn>
+                              </p:par>
+                            </p:childTnLst>
+                          </p:cTn>
+                        </p:par>
+                      </p:childTnLst>
+                    </p:cTn>
+                  </p:par>
+                  <p:par>
+                    <p:cTn id="18" fill="hold">
+                      <p:stCondLst>
+                        <p:cond delay="indefinite"/>
+                      </p:stCondLst>
+                      <p:childTnLst>
+                        <p:par>
+                          <p:cTn id="19" fill="hold">
+                            <p:stCondLst>
+                              <p:cond delay="0"/>
+                            </p:stCondLst>
+                            <p:childTnLst>
+                              <p:par>
+                                <p:cTn id="20" presetID="10" presetClass="entr" presetSubtype="0" fill="hold" grpId="0" nodeType="clickEffect">
+                                  <p:stCondLst>
+                                    <p:cond delay="0"/>
+                                  </p:stCondLst>
+                                  <p:childTnLst>
+                                    <p:set>
+                                      <p:cBhvr>
+                                        <p:cTn id="21" dur="1" fill="hold">
+                                          <p:stCondLst>
+                                            <p:cond delay="0"/>
+                                          </p:stCondLst>
+                                        </p:cTn>
+                                        <p:tgtEl>
+                                          <p:spTgt spid="3">
+                                            <p:txEl>
+                                              <p:pRg st="3" end="3"/>
+                                            </p:txEl>
+                                          </p:spTgt>
+                                        </p:tgtEl>
+                                        <p:attrNameLst>
+                                          <p:attrName>style.visibility</p:attrName>
+                                        </p:attrNameLst>
+                                      </p:cBhvr>
+                                      <p:to>
+                                        <p:strVal val="visible"/>
+                                      </p:to>
+                                    </p:set>
+                                    <p:animEffect transition="in" filter="fade">
+                                      <p:cBhvr>
+                                        <p:cTn id="22" dur="500"/>
+                                        <p:tgtEl>
+                                          <p:spTgt spid="3">
+                                            <p:txEl>
+                                              <p:pRg st="3" end="3"/>
+                                            </p:txEl>
+                                          </p:spTgt>
+                                        </p:tgtEl>
+                                      </p:cBhvr>
+                                    </p:animEffect>
+                                  </p:childTnLst>
+                                </p:cTn>
+                              </p:par>
+                            </p:childTnLst>
+                          </p:cTn>
+                        </p:par>
+                      </p:childTnLst>
+                    </p:cTn>
+                  </p:par>
+                  <p:par>
+                    <p:cTn id="23" fill="hold">
+                      <p:stCondLst>
+                        <p:cond delay="indefinite"/>
+                      </p:stCondLst>
+                      <p:childTnLst>
+                        <p:par>
+                          <p:cTn id="24" fill="hold">
+                            <p:stCondLst>
+                              <p:cond delay="0"/>
+                            </p:stCondLst>
+                            <p:childTnLst>
+                              <p:par>
+                                <p:cTn id="25" presetID="10" presetClass="entr" presetSubtype="0" fill="hold" grpId="0" nodeType="clickEffect">
+                                  <p:stCondLst>
+                                    <p:cond delay="0"/>
+                                  </p:stCondLst>
+                                  <p:childTnLst>
+                                    <p:set>
+                                      <p:cBhvr>
+                                        <p:cTn id="26" dur="1" fill="hold">
+                                          <p:stCondLst>
+                                            <p:cond delay="0"/>
+                                          </p:stCondLst>
+                                        </p:cTn>
+                                        <p:tgtEl>
+                                          <p:spTgt spid="3">
+                                            <p:txEl>
+                                              <p:pRg st="4" end="4"/>
+                                            </p:txEl>
+                                          </p:spTgt>
+                                        </p:tgtEl>
+                                        <p:attrNameLst>
+                                          <p:attrName>style.visibility</p:attrName>
+                                        </p:attrNameLst>
+                                      </p:cBhvr>
+                                      <p:to>
+                                        <p:strVal val="visible"/>
+                                      </p:to>
+                                    </p:set>
+                                    <p:animEffect transition="in" filter="fade">
+                                      <p:cBhvr>
+                                        <p:cTn id="27" dur="500"/>
+                                        <p:tgtEl>
+                                          <p:spTgt spid="3">
+                                            <p:txEl>
+                                              <p:pRg st="4" end="4"/>
+                                            </p:txEl>
+                                          </p:spTgt>
+                                        </p:tgtEl>
+                                      </p:cBhvr>
+                                    </p:animEffect>
+                                  </p:childTnLst>
+                                </p:cTn>
+                              </p:par>
+                            </p:childTnLst>
+                          </p:cTn>
+                        </p:par>
+                      </p:childTnLst>
+                    </p:cTn>
+                  </p:par>
+                  <p:par>
+                    <p:cTn id="28" fill="hold">
+                      <p:stCondLst>
+                        <p:cond delay="indefinite"/>
+                      </p:stCondLst>
+                      <p:childTnLst>
+                        <p:par>
+                          <p:cTn id="29" fill="hold">
+                            <p:stCondLst>
+                              <p:cond delay="0"/>
+                            </p:stCondLst>
+                            <p:childTnLst>
+                              <p:par>
+                                <p:cTn id="30" presetID="10" presetClass="entr" presetSubtype="0" fill="hold" grpId="0" nodeType="clickEffect">
+                                  <p:stCondLst>
+                                    <p:cond delay="0"/>
+                                  </p:stCondLst>
+                                  <p:childTnLst>
+                                    <p:set>
+                                      <p:cBhvr>
+                                        <p:cTn id="31" dur="1" fill="hold">
+                                          <p:stCondLst>
+                                            <p:cond delay="0"/>
+                                          </p:stCondLst>
+                                        </p:cTn>
+                                        <p:tgtEl>
+                                          <p:spTgt spid="3">
+                                            <p:txEl>
+                                              <p:pRg st="5" end="5"/>
+                                            </p:txEl>
+                                          </p:spTgt>
+                                        </p:tgtEl>
+                                        <p:attrNameLst>
+                                          <p:attrName>style.visibility</p:attrName>
+                                        </p:attrNameLst>
+                                      </p:cBhvr>
+                                      <p:to>
+                                        <p:strVal val="visible"/>
+                                      </p:to>
+                                    </p:set>
+                                    <p:animEffect transition="in" filter="fade">
+                                      <p:cBhvr>
+                                        <p:cTn id="32" dur="500"/>
+                                        <p:tgtEl>
+                                          <p:spTgt spid="3">
+                                            <p:txEl>
+                                              <p:pRg st="5" end="5"/>
+                                            </p:txEl>
+                                          </p:spTgt>
+                                        </p:tgtEl>
+                                      </p:cBhvr>
+                                    </p:animEffect>
+                                  </p:childTnLst>
+                                </p:cTn>
+                              </p:par>
+                            </p:childTnLst>
+                          </p:cTn>
+                        </p:par>
+                      </p:childTnLst>
+                    </p:cTn>
+                  </p:par>
+                  <p:par>
+                    <p:cTn id="33" fill="hold">
+                      <p:stCondLst>
+                        <p:cond delay="indefinite"/>
+                      </p:stCondLst>
+                      <p:childTnLst>
+                        <p:par>
+                          <p:cTn id="34" fill="hold">
+                            <p:stCondLst>
+                              <p:cond delay="0"/>
+                            </p:stCondLst>
+                            <p:childTnLst>
+                              <p:par>
+                                <p:cTn id="35" presetID="10" presetClass="entr" presetSubtype="0" fill="hold" grpId="0" nodeType="clickEffect">
+                                  <p:stCondLst>
+                                    <p:cond delay="0"/>
+                                  </p:stCondLst>
+                                  <p:childTnLst>
+                                    <p:set>
+                                      <p:cBhvr>
+                                        <p:cTn id="36" dur="1" fill="hold">
+                                          <p:stCondLst>
+                                            <p:cond delay="0"/>
+                                          </p:stCondLst>
+                                        </p:cTn>
+                                        <p:tgtEl>
+                                          <p:spTgt spid="3">
+                                            <p:txEl>
+                                              <p:pRg st="6" end="6"/>
+                                            </p:txEl>
+                                          </p:spTgt>
+                                        </p:tgtEl>
+                                        <p:attrNameLst>
+                                          <p:attrName>style.visibility</p:attrName>
+                                        </p:attrNameLst>
+                                      </p:cBhvr>
+                                      <p:to>
+                                        <p:strVal val="visible"/>
+                                      </p:to>
+                                    </p:set>
+                                    <p:animEffect transition="in" filter="fade">
+                                      <p:cBhvr>
+                                        <p:cTn id="37" dur="500"/>
+                                        <p:tgtEl>
+                                          <p:spTgt spid="3">
+                                            <p:txEl>
+                                              <p:pRg st="6" end="6"/>
+                                            </p:txEl>
+                                          </p:spTgt>
+                                        </p:tgtEl>
+                                      </p:cBhvr>
+                                    </p:animEffect>
+                                  </p:childTnLst>
+                                </p:cTn>
+                              </p:par>
+                            </p:childTnLst>
+                          </p:cTn>
+                        </p:par>
+                      </p:childTnLst>
+                    </p:cTn>
+                  </p:par>
+                  <p:par>
+                    <p:cTn id="38" fill="hold">
+                      <p:stCondLst>
+                        <p:cond delay="indefinite"/>
+                      </p:stCondLst>
+                      <p:childTnLst>
+                        <p:par>
+                          <p:cTn id="39" fill="hold">
+                            <p:stCondLst>
+                              <p:cond delay="0"/>
+                            </p:stCondLst>
+                            <p:childTnLst>
+                              <p:par>
+                                <p:cTn id="40" presetID="10" presetClass="entr" presetSubtype="0" fill="hold" grpId="0" nodeType="clickEffect">
+                                  <p:stCondLst>
+                                    <p:cond delay="0"/>
+                                  </p:stCondLst>
+                                  <p:childTnLst>
+                                    <p:set>
+                                      <p:cBhvr>
+                                        <p:cTn id="41" dur="1" fill="hold">
+                                          <p:stCondLst>
+                                            <p:cond delay="0"/>
+                                          </p:stCondLst>
+                                        </p:cTn>
+                                        <p:tgtEl>
+                                          <p:spTgt spid="3">
+                                            <p:txEl>
+                                              <p:pRg st="7" end="7"/>
+                                            </p:txEl>
+                                          </p:spTgt>
+                                        </p:tgtEl>
+                                        <p:attrNameLst>
+                                          <p:attrName>style.visibility</p:attrName>
+                                        </p:attrNameLst>
+                                      </p:cBhvr>
+                                      <p:to>
+                                        <p:strVal val="visible"/>
+                                      </p:to>
+                                    </p:set>
+                                    <p:animEffect transition="in" filter="fade">
+                                      <p:cBhvr>
+                                        <p:cTn id="42" dur="500"/>
+                                        <p:tgtEl>
+                                          <p:spTgt spid="3">
+                                            <p:txEl>
+                                              <p:pRg st="7" end="7"/>
+                                            </p:txEl>
+                                          </p:spTgt>
+                                        </p:tgtEl>
+                                      </p:cBhvr>
+                                    </p:animEffect>
+                                  </p:childTnLst>
+                                </p:cTn>
+                              </p:par>
+                            </p:childTnLst>
+                          </p:cTn>
+                        </p:par>
+                      </p:childTnLst>
+                    </p:cTn>
+                  </p:par>
+                </p:childTnLst>
+              </p:cTn>
+              <p:prevCondLst>
+                <p:cond evt="onPrev" delay="0">
+                  <p:tgtEl>
+                    <p:sldTgt/>
+                  </p:tgtEl>
+                </p:cond>
+              </p:prevCondLst>
+              <p:nextCondLst>
+                <p:cond evt="onNext" delay="0">
+                  <p:tgtEl>
+                    <p:sldTgt/>
+                  </p:tgtEl>
+                </p:cond>
+              </p:nextCondLst>
+            </p:seq>
+          </p:childTnLst>
+        </p:cTn>
+      </p:par>
+    </p:tnLst>
+    <p:bldLst>
+      <p:bldP spid="3" grpId="0" build="p"/>
+    </p:bldLst>
+  </p:timing>
 </p:sld>
 </file>
 
@@ -4425,6 +6232,466 @@
   <p:clrMapOvr>
     <a:masterClrMapping/>
   </p:clrMapOvr>
+  <p:timing>
+    <p:tnLst>
+      <p:par>
+        <p:cTn id="1" dur="indefinite" restart="never" nodeType="tmRoot">
+          <p:childTnLst>
+            <p:seq concurrent="1" nextAc="seek">
+              <p:cTn id="2" dur="indefinite" nodeType="mainSeq">
+                <p:childTnLst>
+                  <p:par>
+                    <p:cTn id="3" fill="hold">
+                      <p:stCondLst>
+                        <p:cond delay="indefinite"/>
+                      </p:stCondLst>
+                      <p:childTnLst>
+                        <p:par>
+                          <p:cTn id="4" fill="hold">
+                            <p:stCondLst>
+                              <p:cond delay="0"/>
+                            </p:stCondLst>
+                            <p:childTnLst>
+                              <p:par>
+                                <p:cTn id="5" presetID="10" presetClass="entr" presetSubtype="0" fill="hold" grpId="0" nodeType="clickEffect">
+                                  <p:stCondLst>
+                                    <p:cond delay="0"/>
+                                  </p:stCondLst>
+                                  <p:childTnLst>
+                                    <p:set>
+                                      <p:cBhvr>
+                                        <p:cTn id="6" dur="1" fill="hold">
+                                          <p:stCondLst>
+                                            <p:cond delay="0"/>
+                                          </p:stCondLst>
+                                        </p:cTn>
+                                        <p:tgtEl>
+                                          <p:spTgt spid="3">
+                                            <p:txEl>
+                                              <p:pRg st="0" end="0"/>
+                                            </p:txEl>
+                                          </p:spTgt>
+                                        </p:tgtEl>
+                                        <p:attrNameLst>
+                                          <p:attrName>style.visibility</p:attrName>
+                                        </p:attrNameLst>
+                                      </p:cBhvr>
+                                      <p:to>
+                                        <p:strVal val="visible"/>
+                                      </p:to>
+                                    </p:set>
+                                    <p:animEffect transition="in" filter="fade">
+                                      <p:cBhvr>
+                                        <p:cTn id="7" dur="500"/>
+                                        <p:tgtEl>
+                                          <p:spTgt spid="3">
+                                            <p:txEl>
+                                              <p:pRg st="0" end="0"/>
+                                            </p:txEl>
+                                          </p:spTgt>
+                                        </p:tgtEl>
+                                      </p:cBhvr>
+                                    </p:animEffect>
+                                  </p:childTnLst>
+                                </p:cTn>
+                              </p:par>
+                            </p:childTnLst>
+                          </p:cTn>
+                        </p:par>
+                      </p:childTnLst>
+                    </p:cTn>
+                  </p:par>
+                  <p:par>
+                    <p:cTn id="8" fill="hold">
+                      <p:stCondLst>
+                        <p:cond delay="indefinite"/>
+                      </p:stCondLst>
+                      <p:childTnLst>
+                        <p:par>
+                          <p:cTn id="9" fill="hold">
+                            <p:stCondLst>
+                              <p:cond delay="0"/>
+                            </p:stCondLst>
+                            <p:childTnLst>
+                              <p:par>
+                                <p:cTn id="10" presetID="10" presetClass="entr" presetSubtype="0" fill="hold" grpId="0" nodeType="clickEffect">
+                                  <p:stCondLst>
+                                    <p:cond delay="0"/>
+                                  </p:stCondLst>
+                                  <p:childTnLst>
+                                    <p:set>
+                                      <p:cBhvr>
+                                        <p:cTn id="11" dur="1" fill="hold">
+                                          <p:stCondLst>
+                                            <p:cond delay="0"/>
+                                          </p:stCondLst>
+                                        </p:cTn>
+                                        <p:tgtEl>
+                                          <p:spTgt spid="3">
+                                            <p:txEl>
+                                              <p:pRg st="1" end="1"/>
+                                            </p:txEl>
+                                          </p:spTgt>
+                                        </p:tgtEl>
+                                        <p:attrNameLst>
+                                          <p:attrName>style.visibility</p:attrName>
+                                        </p:attrNameLst>
+                                      </p:cBhvr>
+                                      <p:to>
+                                        <p:strVal val="visible"/>
+                                      </p:to>
+                                    </p:set>
+                                    <p:animEffect transition="in" filter="fade">
+                                      <p:cBhvr>
+                                        <p:cTn id="12" dur="500"/>
+                                        <p:tgtEl>
+                                          <p:spTgt spid="3">
+                                            <p:txEl>
+                                              <p:pRg st="1" end="1"/>
+                                            </p:txEl>
+                                          </p:spTgt>
+                                        </p:tgtEl>
+                                      </p:cBhvr>
+                                    </p:animEffect>
+                                  </p:childTnLst>
+                                </p:cTn>
+                              </p:par>
+                            </p:childTnLst>
+                          </p:cTn>
+                        </p:par>
+                      </p:childTnLst>
+                    </p:cTn>
+                  </p:par>
+                  <p:par>
+                    <p:cTn id="13" fill="hold">
+                      <p:stCondLst>
+                        <p:cond delay="indefinite"/>
+                      </p:stCondLst>
+                      <p:childTnLst>
+                        <p:par>
+                          <p:cTn id="14" fill="hold">
+                            <p:stCondLst>
+                              <p:cond delay="0"/>
+                            </p:stCondLst>
+                            <p:childTnLst>
+                              <p:par>
+                                <p:cTn id="15" presetID="10" presetClass="entr" presetSubtype="0" fill="hold" grpId="0" nodeType="clickEffect">
+                                  <p:stCondLst>
+                                    <p:cond delay="0"/>
+                                  </p:stCondLst>
+                                  <p:childTnLst>
+                                    <p:set>
+                                      <p:cBhvr>
+                                        <p:cTn id="16" dur="1" fill="hold">
+                                          <p:stCondLst>
+                                            <p:cond delay="0"/>
+                                          </p:stCondLst>
+                                        </p:cTn>
+                                        <p:tgtEl>
+                                          <p:spTgt spid="3">
+                                            <p:txEl>
+                                              <p:pRg st="2" end="2"/>
+                                            </p:txEl>
+                                          </p:spTgt>
+                                        </p:tgtEl>
+                                        <p:attrNameLst>
+                                          <p:attrName>style.visibility</p:attrName>
+                                        </p:attrNameLst>
+                                      </p:cBhvr>
+                                      <p:to>
+                                        <p:strVal val="visible"/>
+                                      </p:to>
+                                    </p:set>
+                                    <p:animEffect transition="in" filter="fade">
+                                      <p:cBhvr>
+                                        <p:cTn id="17" dur="500"/>
+                                        <p:tgtEl>
+                                          <p:spTgt spid="3">
+                                            <p:txEl>
+                                              <p:pRg st="2" end="2"/>
+                                            </p:txEl>
+                                          </p:spTgt>
+                                        </p:tgtEl>
+                                      </p:cBhvr>
+                                    </p:animEffect>
+                                  </p:childTnLst>
+                                </p:cTn>
+                              </p:par>
+                            </p:childTnLst>
+                          </p:cTn>
+                        </p:par>
+                      </p:childTnLst>
+                    </p:cTn>
+                  </p:par>
+                  <p:par>
+                    <p:cTn id="18" fill="hold">
+                      <p:stCondLst>
+                        <p:cond delay="indefinite"/>
+                      </p:stCondLst>
+                      <p:childTnLst>
+                        <p:par>
+                          <p:cTn id="19" fill="hold">
+                            <p:stCondLst>
+                              <p:cond delay="0"/>
+                            </p:stCondLst>
+                            <p:childTnLst>
+                              <p:par>
+                                <p:cTn id="20" presetID="10" presetClass="entr" presetSubtype="0" fill="hold" grpId="0" nodeType="clickEffect">
+                                  <p:stCondLst>
+                                    <p:cond delay="0"/>
+                                  </p:stCondLst>
+                                  <p:childTnLst>
+                                    <p:set>
+                                      <p:cBhvr>
+                                        <p:cTn id="21" dur="1" fill="hold">
+                                          <p:stCondLst>
+                                            <p:cond delay="0"/>
+                                          </p:stCondLst>
+                                        </p:cTn>
+                                        <p:tgtEl>
+                                          <p:spTgt spid="3">
+                                            <p:txEl>
+                                              <p:pRg st="3" end="3"/>
+                                            </p:txEl>
+                                          </p:spTgt>
+                                        </p:tgtEl>
+                                        <p:attrNameLst>
+                                          <p:attrName>style.visibility</p:attrName>
+                                        </p:attrNameLst>
+                                      </p:cBhvr>
+                                      <p:to>
+                                        <p:strVal val="visible"/>
+                                      </p:to>
+                                    </p:set>
+                                    <p:animEffect transition="in" filter="fade">
+                                      <p:cBhvr>
+                                        <p:cTn id="22" dur="500"/>
+                                        <p:tgtEl>
+                                          <p:spTgt spid="3">
+                                            <p:txEl>
+                                              <p:pRg st="3" end="3"/>
+                                            </p:txEl>
+                                          </p:spTgt>
+                                        </p:tgtEl>
+                                      </p:cBhvr>
+                                    </p:animEffect>
+                                  </p:childTnLst>
+                                </p:cTn>
+                              </p:par>
+                            </p:childTnLst>
+                          </p:cTn>
+                        </p:par>
+                      </p:childTnLst>
+                    </p:cTn>
+                  </p:par>
+                  <p:par>
+                    <p:cTn id="23" fill="hold">
+                      <p:stCondLst>
+                        <p:cond delay="indefinite"/>
+                      </p:stCondLst>
+                      <p:childTnLst>
+                        <p:par>
+                          <p:cTn id="24" fill="hold">
+                            <p:stCondLst>
+                              <p:cond delay="0"/>
+                            </p:stCondLst>
+                            <p:childTnLst>
+                              <p:par>
+                                <p:cTn id="25" presetID="10" presetClass="entr" presetSubtype="0" fill="hold" grpId="0" nodeType="clickEffect">
+                                  <p:stCondLst>
+                                    <p:cond delay="0"/>
+                                  </p:stCondLst>
+                                  <p:childTnLst>
+                                    <p:set>
+                                      <p:cBhvr>
+                                        <p:cTn id="26" dur="1" fill="hold">
+                                          <p:stCondLst>
+                                            <p:cond delay="0"/>
+                                          </p:stCondLst>
+                                        </p:cTn>
+                                        <p:tgtEl>
+                                          <p:spTgt spid="3">
+                                            <p:txEl>
+                                              <p:pRg st="4" end="4"/>
+                                            </p:txEl>
+                                          </p:spTgt>
+                                        </p:tgtEl>
+                                        <p:attrNameLst>
+                                          <p:attrName>style.visibility</p:attrName>
+                                        </p:attrNameLst>
+                                      </p:cBhvr>
+                                      <p:to>
+                                        <p:strVal val="visible"/>
+                                      </p:to>
+                                    </p:set>
+                                    <p:animEffect transition="in" filter="fade">
+                                      <p:cBhvr>
+                                        <p:cTn id="27" dur="500"/>
+                                        <p:tgtEl>
+                                          <p:spTgt spid="3">
+                                            <p:txEl>
+                                              <p:pRg st="4" end="4"/>
+                                            </p:txEl>
+                                          </p:spTgt>
+                                        </p:tgtEl>
+                                      </p:cBhvr>
+                                    </p:animEffect>
+                                  </p:childTnLst>
+                                </p:cTn>
+                              </p:par>
+                            </p:childTnLst>
+                          </p:cTn>
+                        </p:par>
+                      </p:childTnLst>
+                    </p:cTn>
+                  </p:par>
+                  <p:par>
+                    <p:cTn id="28" fill="hold">
+                      <p:stCondLst>
+                        <p:cond delay="indefinite"/>
+                      </p:stCondLst>
+                      <p:childTnLst>
+                        <p:par>
+                          <p:cTn id="29" fill="hold">
+                            <p:stCondLst>
+                              <p:cond delay="0"/>
+                            </p:stCondLst>
+                            <p:childTnLst>
+                              <p:par>
+                                <p:cTn id="30" presetID="10" presetClass="entr" presetSubtype="0" fill="hold" grpId="0" nodeType="clickEffect">
+                                  <p:stCondLst>
+                                    <p:cond delay="0"/>
+                                  </p:stCondLst>
+                                  <p:childTnLst>
+                                    <p:set>
+                                      <p:cBhvr>
+                                        <p:cTn id="31" dur="1" fill="hold">
+                                          <p:stCondLst>
+                                            <p:cond delay="0"/>
+                                          </p:stCondLst>
+                                        </p:cTn>
+                                        <p:tgtEl>
+                                          <p:spTgt spid="3">
+                                            <p:txEl>
+                                              <p:pRg st="6" end="6"/>
+                                            </p:txEl>
+                                          </p:spTgt>
+                                        </p:tgtEl>
+                                        <p:attrNameLst>
+                                          <p:attrName>style.visibility</p:attrName>
+                                        </p:attrNameLst>
+                                      </p:cBhvr>
+                                      <p:to>
+                                        <p:strVal val="visible"/>
+                                      </p:to>
+                                    </p:set>
+                                    <p:animEffect transition="in" filter="fade">
+                                      <p:cBhvr>
+                                        <p:cTn id="32" dur="500"/>
+                                        <p:tgtEl>
+                                          <p:spTgt spid="3">
+                                            <p:txEl>
+                                              <p:pRg st="6" end="6"/>
+                                            </p:txEl>
+                                          </p:spTgt>
+                                        </p:tgtEl>
+                                      </p:cBhvr>
+                                    </p:animEffect>
+                                  </p:childTnLst>
+                                </p:cTn>
+                              </p:par>
+                            </p:childTnLst>
+                          </p:cTn>
+                        </p:par>
+                      </p:childTnLst>
+                    </p:cTn>
+                  </p:par>
+                  <p:par>
+                    <p:cTn id="33" fill="hold">
+                      <p:stCondLst>
+                        <p:cond delay="indefinite"/>
+                      </p:stCondLst>
+                      <p:childTnLst>
+                        <p:par>
+                          <p:cTn id="34" fill="hold">
+                            <p:stCondLst>
+                              <p:cond delay="0"/>
+                            </p:stCondLst>
+                            <p:childTnLst>
+                              <p:par>
+                                <p:cTn id="35" presetID="10" presetClass="entr" presetSubtype="0" fill="hold" grpId="0" nodeType="clickEffect">
+                                  <p:stCondLst>
+                                    <p:cond delay="0"/>
+                                  </p:stCondLst>
+                                  <p:childTnLst>
+                                    <p:set>
+                                      <p:cBhvr>
+                                        <p:cTn id="36" dur="1" fill="hold">
+                                          <p:stCondLst>
+                                            <p:cond delay="0"/>
+                                          </p:stCondLst>
+                                        </p:cTn>
+                                        <p:tgtEl>
+                                          <p:spTgt spid="3">
+                                            <p:txEl>
+                                              <p:pRg st="7" end="7"/>
+                                            </p:txEl>
+                                          </p:spTgt>
+                                        </p:tgtEl>
+                                        <p:attrNameLst>
+                                          <p:attrName>style.visibility</p:attrName>
+                                        </p:attrNameLst>
+                                      </p:cBhvr>
+                                      <p:to>
+                                        <p:strVal val="visible"/>
+                                      </p:to>
+                                    </p:set>
+                                    <p:animEffect transition="in" filter="fade">
+                                      <p:cBhvr>
+                                        <p:cTn id="37" dur="500"/>
+                                        <p:tgtEl>
+                                          <p:spTgt spid="3">
+                                            <p:txEl>
+                                              <p:pRg st="7" end="7"/>
+                                            </p:txEl>
+                                          </p:spTgt>
+                                        </p:tgtEl>
+                                      </p:cBhvr>
+                                    </p:animEffect>
+                                  </p:childTnLst>
+                                </p:cTn>
+                              </p:par>
+                            </p:childTnLst>
+                          </p:cTn>
+                        </p:par>
+                      </p:childTnLst>
+                    </p:cTn>
+                  </p:par>
+                </p:childTnLst>
+              </p:cTn>
+              <p:prevCondLst>
+                <p:cond evt="onPrev" delay="0">
+                  <p:tgtEl>
+                    <p:sldTgt/>
+                  </p:tgtEl>
+                </p:cond>
+              </p:prevCondLst>
+              <p:nextCondLst>
+                <p:cond evt="onNext" delay="0">
+                  <p:tgtEl>
+                    <p:sldTgt/>
+                  </p:tgtEl>
+                </p:cond>
+              </p:nextCondLst>
+            </p:seq>
+          </p:childTnLst>
+        </p:cTn>
+      </p:par>
+    </p:tnLst>
+    <p:bldLst>
+      <p:bldP spid="3" grpId="0" build="p"/>
+    </p:bldLst>
+  </p:timing>
 </p:sld>
 </file>
 
@@ -4644,6 +6911,527 @@
   <p:clrMapOvr>
     <a:masterClrMapping/>
   </p:clrMapOvr>
+  <p:timing>
+    <p:tnLst>
+      <p:par>
+        <p:cTn id="1" dur="indefinite" restart="never" nodeType="tmRoot">
+          <p:childTnLst>
+            <p:seq concurrent="1" nextAc="seek">
+              <p:cTn id="2" dur="indefinite" nodeType="mainSeq">
+                <p:childTnLst>
+                  <p:par>
+                    <p:cTn id="3" fill="hold">
+                      <p:stCondLst>
+                        <p:cond delay="indefinite"/>
+                      </p:stCondLst>
+                      <p:childTnLst>
+                        <p:par>
+                          <p:cTn id="4" fill="hold">
+                            <p:stCondLst>
+                              <p:cond delay="0"/>
+                            </p:stCondLst>
+                            <p:childTnLst>
+                              <p:par>
+                                <p:cTn id="5" presetID="10" presetClass="entr" presetSubtype="0" fill="hold" grpId="0" nodeType="clickEffect">
+                                  <p:stCondLst>
+                                    <p:cond delay="0"/>
+                                  </p:stCondLst>
+                                  <p:childTnLst>
+                                    <p:set>
+                                      <p:cBhvr>
+                                        <p:cTn id="6" dur="1" fill="hold">
+                                          <p:stCondLst>
+                                            <p:cond delay="0"/>
+                                          </p:stCondLst>
+                                        </p:cTn>
+                                        <p:tgtEl>
+                                          <p:spTgt spid="3">
+                                            <p:txEl>
+                                              <p:pRg st="0" end="0"/>
+                                            </p:txEl>
+                                          </p:spTgt>
+                                        </p:tgtEl>
+                                        <p:attrNameLst>
+                                          <p:attrName>style.visibility</p:attrName>
+                                        </p:attrNameLst>
+                                      </p:cBhvr>
+                                      <p:to>
+                                        <p:strVal val="visible"/>
+                                      </p:to>
+                                    </p:set>
+                                    <p:animEffect transition="in" filter="fade">
+                                      <p:cBhvr>
+                                        <p:cTn id="7" dur="500"/>
+                                        <p:tgtEl>
+                                          <p:spTgt spid="3">
+                                            <p:txEl>
+                                              <p:pRg st="0" end="0"/>
+                                            </p:txEl>
+                                          </p:spTgt>
+                                        </p:tgtEl>
+                                      </p:cBhvr>
+                                    </p:animEffect>
+                                  </p:childTnLst>
+                                </p:cTn>
+                              </p:par>
+                            </p:childTnLst>
+                          </p:cTn>
+                        </p:par>
+                      </p:childTnLst>
+                    </p:cTn>
+                  </p:par>
+                  <p:par>
+                    <p:cTn id="8" fill="hold">
+                      <p:stCondLst>
+                        <p:cond delay="indefinite"/>
+                      </p:stCondLst>
+                      <p:childTnLst>
+                        <p:par>
+                          <p:cTn id="9" fill="hold">
+                            <p:stCondLst>
+                              <p:cond delay="0"/>
+                            </p:stCondLst>
+                            <p:childTnLst>
+                              <p:par>
+                                <p:cTn id="10" presetID="10" presetClass="entr" presetSubtype="0" fill="hold" grpId="0" nodeType="clickEffect">
+                                  <p:stCondLst>
+                                    <p:cond delay="0"/>
+                                  </p:stCondLst>
+                                  <p:childTnLst>
+                                    <p:set>
+                                      <p:cBhvr>
+                                        <p:cTn id="11" dur="1" fill="hold">
+                                          <p:stCondLst>
+                                            <p:cond delay="0"/>
+                                          </p:stCondLst>
+                                        </p:cTn>
+                                        <p:tgtEl>
+                                          <p:spTgt spid="3">
+                                            <p:txEl>
+                                              <p:pRg st="1" end="1"/>
+                                            </p:txEl>
+                                          </p:spTgt>
+                                        </p:tgtEl>
+                                        <p:attrNameLst>
+                                          <p:attrName>style.visibility</p:attrName>
+                                        </p:attrNameLst>
+                                      </p:cBhvr>
+                                      <p:to>
+                                        <p:strVal val="visible"/>
+                                      </p:to>
+                                    </p:set>
+                                    <p:animEffect transition="in" filter="fade">
+                                      <p:cBhvr>
+                                        <p:cTn id="12" dur="500"/>
+                                        <p:tgtEl>
+                                          <p:spTgt spid="3">
+                                            <p:txEl>
+                                              <p:pRg st="1" end="1"/>
+                                            </p:txEl>
+                                          </p:spTgt>
+                                        </p:tgtEl>
+                                      </p:cBhvr>
+                                    </p:animEffect>
+                                  </p:childTnLst>
+                                </p:cTn>
+                              </p:par>
+                            </p:childTnLst>
+                          </p:cTn>
+                        </p:par>
+                      </p:childTnLst>
+                    </p:cTn>
+                  </p:par>
+                  <p:par>
+                    <p:cTn id="13" fill="hold">
+                      <p:stCondLst>
+                        <p:cond delay="indefinite"/>
+                      </p:stCondLst>
+                      <p:childTnLst>
+                        <p:par>
+                          <p:cTn id="14" fill="hold">
+                            <p:stCondLst>
+                              <p:cond delay="0"/>
+                            </p:stCondLst>
+                            <p:childTnLst>
+                              <p:par>
+                                <p:cTn id="15" presetID="10" presetClass="entr" presetSubtype="0" fill="hold" grpId="0" nodeType="clickEffect">
+                                  <p:stCondLst>
+                                    <p:cond delay="0"/>
+                                  </p:stCondLst>
+                                  <p:childTnLst>
+                                    <p:set>
+                                      <p:cBhvr>
+                                        <p:cTn id="16" dur="1" fill="hold">
+                                          <p:stCondLst>
+                                            <p:cond delay="0"/>
+                                          </p:stCondLst>
+                                        </p:cTn>
+                                        <p:tgtEl>
+                                          <p:spTgt spid="3">
+                                            <p:txEl>
+                                              <p:pRg st="2" end="2"/>
+                                            </p:txEl>
+                                          </p:spTgt>
+                                        </p:tgtEl>
+                                        <p:attrNameLst>
+                                          <p:attrName>style.visibility</p:attrName>
+                                        </p:attrNameLst>
+                                      </p:cBhvr>
+                                      <p:to>
+                                        <p:strVal val="visible"/>
+                                      </p:to>
+                                    </p:set>
+                                    <p:animEffect transition="in" filter="fade">
+                                      <p:cBhvr>
+                                        <p:cTn id="17" dur="500"/>
+                                        <p:tgtEl>
+                                          <p:spTgt spid="3">
+                                            <p:txEl>
+                                              <p:pRg st="2" end="2"/>
+                                            </p:txEl>
+                                          </p:spTgt>
+                                        </p:tgtEl>
+                                      </p:cBhvr>
+                                    </p:animEffect>
+                                  </p:childTnLst>
+                                </p:cTn>
+                              </p:par>
+                            </p:childTnLst>
+                          </p:cTn>
+                        </p:par>
+                      </p:childTnLst>
+                    </p:cTn>
+                  </p:par>
+                  <p:par>
+                    <p:cTn id="18" fill="hold">
+                      <p:stCondLst>
+                        <p:cond delay="indefinite"/>
+                      </p:stCondLst>
+                      <p:childTnLst>
+                        <p:par>
+                          <p:cTn id="19" fill="hold">
+                            <p:stCondLst>
+                              <p:cond delay="0"/>
+                            </p:stCondLst>
+                            <p:childTnLst>
+                              <p:par>
+                                <p:cTn id="20" presetID="10" presetClass="entr" presetSubtype="0" fill="hold" grpId="0" nodeType="clickEffect">
+                                  <p:stCondLst>
+                                    <p:cond delay="0"/>
+                                  </p:stCondLst>
+                                  <p:childTnLst>
+                                    <p:set>
+                                      <p:cBhvr>
+                                        <p:cTn id="21" dur="1" fill="hold">
+                                          <p:stCondLst>
+                                            <p:cond delay="0"/>
+                                          </p:stCondLst>
+                                        </p:cTn>
+                                        <p:tgtEl>
+                                          <p:spTgt spid="3">
+                                            <p:txEl>
+                                              <p:pRg st="3" end="3"/>
+                                            </p:txEl>
+                                          </p:spTgt>
+                                        </p:tgtEl>
+                                        <p:attrNameLst>
+                                          <p:attrName>style.visibility</p:attrName>
+                                        </p:attrNameLst>
+                                      </p:cBhvr>
+                                      <p:to>
+                                        <p:strVal val="visible"/>
+                                      </p:to>
+                                    </p:set>
+                                    <p:animEffect transition="in" filter="fade">
+                                      <p:cBhvr>
+                                        <p:cTn id="22" dur="500"/>
+                                        <p:tgtEl>
+                                          <p:spTgt spid="3">
+                                            <p:txEl>
+                                              <p:pRg st="3" end="3"/>
+                                            </p:txEl>
+                                          </p:spTgt>
+                                        </p:tgtEl>
+                                      </p:cBhvr>
+                                    </p:animEffect>
+                                  </p:childTnLst>
+                                </p:cTn>
+                              </p:par>
+                            </p:childTnLst>
+                          </p:cTn>
+                        </p:par>
+                      </p:childTnLst>
+                    </p:cTn>
+                  </p:par>
+                  <p:par>
+                    <p:cTn id="23" fill="hold">
+                      <p:stCondLst>
+                        <p:cond delay="indefinite"/>
+                      </p:stCondLst>
+                      <p:childTnLst>
+                        <p:par>
+                          <p:cTn id="24" fill="hold">
+                            <p:stCondLst>
+                              <p:cond delay="0"/>
+                            </p:stCondLst>
+                            <p:childTnLst>
+                              <p:par>
+                                <p:cTn id="25" presetID="10" presetClass="entr" presetSubtype="0" fill="hold" grpId="0" nodeType="clickEffect">
+                                  <p:stCondLst>
+                                    <p:cond delay="0"/>
+                                  </p:stCondLst>
+                                  <p:childTnLst>
+                                    <p:set>
+                                      <p:cBhvr>
+                                        <p:cTn id="26" dur="1" fill="hold">
+                                          <p:stCondLst>
+                                            <p:cond delay="0"/>
+                                          </p:stCondLst>
+                                        </p:cTn>
+                                        <p:tgtEl>
+                                          <p:spTgt spid="3">
+                                            <p:txEl>
+                                              <p:pRg st="4" end="4"/>
+                                            </p:txEl>
+                                          </p:spTgt>
+                                        </p:tgtEl>
+                                        <p:attrNameLst>
+                                          <p:attrName>style.visibility</p:attrName>
+                                        </p:attrNameLst>
+                                      </p:cBhvr>
+                                      <p:to>
+                                        <p:strVal val="visible"/>
+                                      </p:to>
+                                    </p:set>
+                                    <p:animEffect transition="in" filter="fade">
+                                      <p:cBhvr>
+                                        <p:cTn id="27" dur="500"/>
+                                        <p:tgtEl>
+                                          <p:spTgt spid="3">
+                                            <p:txEl>
+                                              <p:pRg st="4" end="4"/>
+                                            </p:txEl>
+                                          </p:spTgt>
+                                        </p:tgtEl>
+                                      </p:cBhvr>
+                                    </p:animEffect>
+                                  </p:childTnLst>
+                                </p:cTn>
+                              </p:par>
+                            </p:childTnLst>
+                          </p:cTn>
+                        </p:par>
+                      </p:childTnLst>
+                    </p:cTn>
+                  </p:par>
+                  <p:par>
+                    <p:cTn id="28" fill="hold">
+                      <p:stCondLst>
+                        <p:cond delay="indefinite"/>
+                      </p:stCondLst>
+                      <p:childTnLst>
+                        <p:par>
+                          <p:cTn id="29" fill="hold">
+                            <p:stCondLst>
+                              <p:cond delay="0"/>
+                            </p:stCondLst>
+                            <p:childTnLst>
+                              <p:par>
+                                <p:cTn id="30" presetID="10" presetClass="entr" presetSubtype="0" fill="hold" grpId="0" nodeType="clickEffect">
+                                  <p:stCondLst>
+                                    <p:cond delay="0"/>
+                                  </p:stCondLst>
+                                  <p:childTnLst>
+                                    <p:set>
+                                      <p:cBhvr>
+                                        <p:cTn id="31" dur="1" fill="hold">
+                                          <p:stCondLst>
+                                            <p:cond delay="0"/>
+                                          </p:stCondLst>
+                                        </p:cTn>
+                                        <p:tgtEl>
+                                          <p:spTgt spid="3">
+                                            <p:txEl>
+                                              <p:pRg st="5" end="5"/>
+                                            </p:txEl>
+                                          </p:spTgt>
+                                        </p:tgtEl>
+                                        <p:attrNameLst>
+                                          <p:attrName>style.visibility</p:attrName>
+                                        </p:attrNameLst>
+                                      </p:cBhvr>
+                                      <p:to>
+                                        <p:strVal val="visible"/>
+                                      </p:to>
+                                    </p:set>
+                                    <p:animEffect transition="in" filter="fade">
+                                      <p:cBhvr>
+                                        <p:cTn id="32" dur="500"/>
+                                        <p:tgtEl>
+                                          <p:spTgt spid="3">
+                                            <p:txEl>
+                                              <p:pRg st="5" end="5"/>
+                                            </p:txEl>
+                                          </p:spTgt>
+                                        </p:tgtEl>
+                                      </p:cBhvr>
+                                    </p:animEffect>
+                                  </p:childTnLst>
+                                </p:cTn>
+                              </p:par>
+                            </p:childTnLst>
+                          </p:cTn>
+                        </p:par>
+                      </p:childTnLst>
+                    </p:cTn>
+                  </p:par>
+                  <p:par>
+                    <p:cTn id="33" fill="hold">
+                      <p:stCondLst>
+                        <p:cond delay="indefinite"/>
+                      </p:stCondLst>
+                      <p:childTnLst>
+                        <p:par>
+                          <p:cTn id="34" fill="hold">
+                            <p:stCondLst>
+                              <p:cond delay="0"/>
+                            </p:stCondLst>
+                            <p:childTnLst>
+                              <p:par>
+                                <p:cTn id="35" presetID="10" presetClass="entr" presetSubtype="0" fill="hold" grpId="0" nodeType="clickEffect">
+                                  <p:stCondLst>
+                                    <p:cond delay="0"/>
+                                  </p:stCondLst>
+                                  <p:childTnLst>
+                                    <p:set>
+                                      <p:cBhvr>
+                                        <p:cTn id="36" dur="1" fill="hold">
+                                          <p:stCondLst>
+                                            <p:cond delay="0"/>
+                                          </p:stCondLst>
+                                        </p:cTn>
+                                        <p:tgtEl>
+                                          <p:spTgt spid="3">
+                                            <p:txEl>
+                                              <p:pRg st="6" end="6"/>
+                                            </p:txEl>
+                                          </p:spTgt>
+                                        </p:tgtEl>
+                                        <p:attrNameLst>
+                                          <p:attrName>style.visibility</p:attrName>
+                                        </p:attrNameLst>
+                                      </p:cBhvr>
+                                      <p:to>
+                                        <p:strVal val="visible"/>
+                                      </p:to>
+                                    </p:set>
+                                    <p:animEffect transition="in" filter="fade">
+                                      <p:cBhvr>
+                                        <p:cTn id="37" dur="500"/>
+                                        <p:tgtEl>
+                                          <p:spTgt spid="3">
+                                            <p:txEl>
+                                              <p:pRg st="6" end="6"/>
+                                            </p:txEl>
+                                          </p:spTgt>
+                                        </p:tgtEl>
+                                      </p:cBhvr>
+                                    </p:animEffect>
+                                  </p:childTnLst>
+                                </p:cTn>
+                              </p:par>
+                            </p:childTnLst>
+                          </p:cTn>
+                        </p:par>
+                      </p:childTnLst>
+                    </p:cTn>
+                  </p:par>
+                  <p:par>
+                    <p:cTn id="38" fill="hold">
+                      <p:stCondLst>
+                        <p:cond delay="indefinite"/>
+                      </p:stCondLst>
+                      <p:childTnLst>
+                        <p:par>
+                          <p:cTn id="39" fill="hold">
+                            <p:stCondLst>
+                              <p:cond delay="0"/>
+                            </p:stCondLst>
+                            <p:childTnLst>
+                              <p:par>
+                                <p:cTn id="40" presetID="10" presetClass="entr" presetSubtype="0" fill="hold" grpId="0" nodeType="clickEffect">
+                                  <p:stCondLst>
+                                    <p:cond delay="0"/>
+                                  </p:stCondLst>
+                                  <p:childTnLst>
+                                    <p:set>
+                                      <p:cBhvr>
+                                        <p:cTn id="41" dur="1" fill="hold">
+                                          <p:stCondLst>
+                                            <p:cond delay="0"/>
+                                          </p:stCondLst>
+                                        </p:cTn>
+                                        <p:tgtEl>
+                                          <p:spTgt spid="3">
+                                            <p:txEl>
+                                              <p:pRg st="7" end="7"/>
+                                            </p:txEl>
+                                          </p:spTgt>
+                                        </p:tgtEl>
+                                        <p:attrNameLst>
+                                          <p:attrName>style.visibility</p:attrName>
+                                        </p:attrNameLst>
+                                      </p:cBhvr>
+                                      <p:to>
+                                        <p:strVal val="visible"/>
+                                      </p:to>
+                                    </p:set>
+                                    <p:animEffect transition="in" filter="fade">
+                                      <p:cBhvr>
+                                        <p:cTn id="42" dur="500"/>
+                                        <p:tgtEl>
+                                          <p:spTgt spid="3">
+                                            <p:txEl>
+                                              <p:pRg st="7" end="7"/>
+                                            </p:txEl>
+                                          </p:spTgt>
+                                        </p:tgtEl>
+                                      </p:cBhvr>
+                                    </p:animEffect>
+                                  </p:childTnLst>
+                                </p:cTn>
+                              </p:par>
+                            </p:childTnLst>
+                          </p:cTn>
+                        </p:par>
+                      </p:childTnLst>
+                    </p:cTn>
+                  </p:par>
+                </p:childTnLst>
+              </p:cTn>
+              <p:prevCondLst>
+                <p:cond evt="onPrev" delay="0">
+                  <p:tgtEl>
+                    <p:sldTgt/>
+                  </p:tgtEl>
+                </p:cond>
+              </p:prevCondLst>
+              <p:nextCondLst>
+                <p:cond evt="onNext" delay="0">
+                  <p:tgtEl>
+                    <p:sldTgt/>
+                  </p:tgtEl>
+                </p:cond>
+              </p:nextCondLst>
+            </p:seq>
+          </p:childTnLst>
+        </p:cTn>
+      </p:par>
+    </p:tnLst>
+    <p:bldLst>
+      <p:bldP spid="3" grpId="0" build="p"/>
+    </p:bldLst>
+  </p:timing>
 </p:sld>
 </file>
 
@@ -4811,6 +7599,444 @@
   <p:clrMapOvr>
     <a:masterClrMapping/>
   </p:clrMapOvr>
+  <p:timing>
+    <p:tnLst>
+      <p:par>
+        <p:cTn id="1" dur="indefinite" restart="never" nodeType="tmRoot">
+          <p:childTnLst>
+            <p:seq concurrent="1" nextAc="seek">
+              <p:cTn id="2" dur="indefinite" nodeType="mainSeq">
+                <p:childTnLst>
+                  <p:par>
+                    <p:cTn id="3" fill="hold">
+                      <p:stCondLst>
+                        <p:cond delay="indefinite"/>
+                      </p:stCondLst>
+                      <p:childTnLst>
+                        <p:par>
+                          <p:cTn id="4" fill="hold">
+                            <p:stCondLst>
+                              <p:cond delay="0"/>
+                            </p:stCondLst>
+                            <p:childTnLst>
+                              <p:par>
+                                <p:cTn id="5" presetID="10" presetClass="entr" presetSubtype="0" fill="hold" grpId="0" nodeType="clickEffect">
+                                  <p:stCondLst>
+                                    <p:cond delay="0"/>
+                                  </p:stCondLst>
+                                  <p:childTnLst>
+                                    <p:set>
+                                      <p:cBhvr>
+                                        <p:cTn id="6" dur="1" fill="hold">
+                                          <p:stCondLst>
+                                            <p:cond delay="0"/>
+                                          </p:stCondLst>
+                                        </p:cTn>
+                                        <p:tgtEl>
+                                          <p:spTgt spid="3">
+                                            <p:txEl>
+                                              <p:pRg st="0" end="0"/>
+                                            </p:txEl>
+                                          </p:spTgt>
+                                        </p:tgtEl>
+                                        <p:attrNameLst>
+                                          <p:attrName>style.visibility</p:attrName>
+                                        </p:attrNameLst>
+                                      </p:cBhvr>
+                                      <p:to>
+                                        <p:strVal val="visible"/>
+                                      </p:to>
+                                    </p:set>
+                                    <p:animEffect transition="in" filter="fade">
+                                      <p:cBhvr>
+                                        <p:cTn id="7" dur="500"/>
+                                        <p:tgtEl>
+                                          <p:spTgt spid="3">
+                                            <p:txEl>
+                                              <p:pRg st="0" end="0"/>
+                                            </p:txEl>
+                                          </p:spTgt>
+                                        </p:tgtEl>
+                                      </p:cBhvr>
+                                    </p:animEffect>
+                                  </p:childTnLst>
+                                </p:cTn>
+                              </p:par>
+                              <p:par>
+                                <p:cTn id="8" presetID="10" presetClass="entr" presetSubtype="0" fill="hold" grpId="0" nodeType="withEffect">
+                                  <p:stCondLst>
+                                    <p:cond delay="0"/>
+                                  </p:stCondLst>
+                                  <p:childTnLst>
+                                    <p:set>
+                                      <p:cBhvr>
+                                        <p:cTn id="9" dur="1" fill="hold">
+                                          <p:stCondLst>
+                                            <p:cond delay="0"/>
+                                          </p:stCondLst>
+                                        </p:cTn>
+                                        <p:tgtEl>
+                                          <p:spTgt spid="3">
+                                            <p:txEl>
+                                              <p:pRg st="1" end="1"/>
+                                            </p:txEl>
+                                          </p:spTgt>
+                                        </p:tgtEl>
+                                        <p:attrNameLst>
+                                          <p:attrName>style.visibility</p:attrName>
+                                        </p:attrNameLst>
+                                      </p:cBhvr>
+                                      <p:to>
+                                        <p:strVal val="visible"/>
+                                      </p:to>
+                                    </p:set>
+                                    <p:animEffect transition="in" filter="fade">
+                                      <p:cBhvr>
+                                        <p:cTn id="10" dur="500"/>
+                                        <p:tgtEl>
+                                          <p:spTgt spid="3">
+                                            <p:txEl>
+                                              <p:pRg st="1" end="1"/>
+                                            </p:txEl>
+                                          </p:spTgt>
+                                        </p:tgtEl>
+                                      </p:cBhvr>
+                                    </p:animEffect>
+                                  </p:childTnLst>
+                                </p:cTn>
+                              </p:par>
+                              <p:par>
+                                <p:cTn id="11" presetID="10" presetClass="entr" presetSubtype="0" fill="hold" grpId="0" nodeType="withEffect">
+                                  <p:stCondLst>
+                                    <p:cond delay="0"/>
+                                  </p:stCondLst>
+                                  <p:childTnLst>
+                                    <p:set>
+                                      <p:cBhvr>
+                                        <p:cTn id="12" dur="1" fill="hold">
+                                          <p:stCondLst>
+                                            <p:cond delay="0"/>
+                                          </p:stCondLst>
+                                        </p:cTn>
+                                        <p:tgtEl>
+                                          <p:spTgt spid="3">
+                                            <p:txEl>
+                                              <p:pRg st="2" end="2"/>
+                                            </p:txEl>
+                                          </p:spTgt>
+                                        </p:tgtEl>
+                                        <p:attrNameLst>
+                                          <p:attrName>style.visibility</p:attrName>
+                                        </p:attrNameLst>
+                                      </p:cBhvr>
+                                      <p:to>
+                                        <p:strVal val="visible"/>
+                                      </p:to>
+                                    </p:set>
+                                    <p:animEffect transition="in" filter="fade">
+                                      <p:cBhvr>
+                                        <p:cTn id="13" dur="500"/>
+                                        <p:tgtEl>
+                                          <p:spTgt spid="3">
+                                            <p:txEl>
+                                              <p:pRg st="2" end="2"/>
+                                            </p:txEl>
+                                          </p:spTgt>
+                                        </p:tgtEl>
+                                      </p:cBhvr>
+                                    </p:animEffect>
+                                  </p:childTnLst>
+                                </p:cTn>
+                              </p:par>
+                              <p:par>
+                                <p:cTn id="14" presetID="10" presetClass="entr" presetSubtype="0" fill="hold" grpId="0" nodeType="withEffect">
+                                  <p:stCondLst>
+                                    <p:cond delay="0"/>
+                                  </p:stCondLst>
+                                  <p:childTnLst>
+                                    <p:set>
+                                      <p:cBhvr>
+                                        <p:cTn id="15" dur="1" fill="hold">
+                                          <p:stCondLst>
+                                            <p:cond delay="0"/>
+                                          </p:stCondLst>
+                                        </p:cTn>
+                                        <p:tgtEl>
+                                          <p:spTgt spid="3">
+                                            <p:txEl>
+                                              <p:pRg st="4" end="4"/>
+                                            </p:txEl>
+                                          </p:spTgt>
+                                        </p:tgtEl>
+                                        <p:attrNameLst>
+                                          <p:attrName>style.visibility</p:attrName>
+                                        </p:attrNameLst>
+                                      </p:cBhvr>
+                                      <p:to>
+                                        <p:strVal val="visible"/>
+                                      </p:to>
+                                    </p:set>
+                                    <p:animEffect transition="in" filter="fade">
+                                      <p:cBhvr>
+                                        <p:cTn id="16" dur="500"/>
+                                        <p:tgtEl>
+                                          <p:spTgt spid="3">
+                                            <p:txEl>
+                                              <p:pRg st="4" end="4"/>
+                                            </p:txEl>
+                                          </p:spTgt>
+                                        </p:tgtEl>
+                                      </p:cBhvr>
+                                    </p:animEffect>
+                                  </p:childTnLst>
+                                </p:cTn>
+                              </p:par>
+                              <p:par>
+                                <p:cTn id="17" presetID="10" presetClass="entr" presetSubtype="0" fill="hold" grpId="0" nodeType="withEffect">
+                                  <p:stCondLst>
+                                    <p:cond delay="0"/>
+                                  </p:stCondLst>
+                                  <p:childTnLst>
+                                    <p:set>
+                                      <p:cBhvr>
+                                        <p:cTn id="18" dur="1" fill="hold">
+                                          <p:stCondLst>
+                                            <p:cond delay="0"/>
+                                          </p:stCondLst>
+                                        </p:cTn>
+                                        <p:tgtEl>
+                                          <p:spTgt spid="3">
+                                            <p:txEl>
+                                              <p:pRg st="5" end="5"/>
+                                            </p:txEl>
+                                          </p:spTgt>
+                                        </p:tgtEl>
+                                        <p:attrNameLst>
+                                          <p:attrName>style.visibility</p:attrName>
+                                        </p:attrNameLst>
+                                      </p:cBhvr>
+                                      <p:to>
+                                        <p:strVal val="visible"/>
+                                      </p:to>
+                                    </p:set>
+                                    <p:animEffect transition="in" filter="fade">
+                                      <p:cBhvr>
+                                        <p:cTn id="19" dur="500"/>
+                                        <p:tgtEl>
+                                          <p:spTgt spid="3">
+                                            <p:txEl>
+                                              <p:pRg st="5" end="5"/>
+                                            </p:txEl>
+                                          </p:spTgt>
+                                        </p:tgtEl>
+                                      </p:cBhvr>
+                                    </p:animEffect>
+                                  </p:childTnLst>
+                                </p:cTn>
+                              </p:par>
+                              <p:par>
+                                <p:cTn id="20" presetID="10" presetClass="entr" presetSubtype="0" fill="hold" grpId="0" nodeType="withEffect">
+                                  <p:stCondLst>
+                                    <p:cond delay="0"/>
+                                  </p:stCondLst>
+                                  <p:childTnLst>
+                                    <p:set>
+                                      <p:cBhvr>
+                                        <p:cTn id="21" dur="1" fill="hold">
+                                          <p:stCondLst>
+                                            <p:cond delay="0"/>
+                                          </p:stCondLst>
+                                        </p:cTn>
+                                        <p:tgtEl>
+                                          <p:spTgt spid="3">
+                                            <p:txEl>
+                                              <p:pRg st="6" end="6"/>
+                                            </p:txEl>
+                                          </p:spTgt>
+                                        </p:tgtEl>
+                                        <p:attrNameLst>
+                                          <p:attrName>style.visibility</p:attrName>
+                                        </p:attrNameLst>
+                                      </p:cBhvr>
+                                      <p:to>
+                                        <p:strVal val="visible"/>
+                                      </p:to>
+                                    </p:set>
+                                    <p:animEffect transition="in" filter="fade">
+                                      <p:cBhvr>
+                                        <p:cTn id="22" dur="500"/>
+                                        <p:tgtEl>
+                                          <p:spTgt spid="3">
+                                            <p:txEl>
+                                              <p:pRg st="6" end="6"/>
+                                            </p:txEl>
+                                          </p:spTgt>
+                                        </p:tgtEl>
+                                      </p:cBhvr>
+                                    </p:animEffect>
+                                  </p:childTnLst>
+                                </p:cTn>
+                              </p:par>
+                              <p:par>
+                                <p:cTn id="23" presetID="10" presetClass="entr" presetSubtype="0" fill="hold" grpId="0" nodeType="withEffect">
+                                  <p:stCondLst>
+                                    <p:cond delay="0"/>
+                                  </p:stCondLst>
+                                  <p:childTnLst>
+                                    <p:set>
+                                      <p:cBhvr>
+                                        <p:cTn id="24" dur="1" fill="hold">
+                                          <p:stCondLst>
+                                            <p:cond delay="0"/>
+                                          </p:stCondLst>
+                                        </p:cTn>
+                                        <p:tgtEl>
+                                          <p:spTgt spid="3">
+                                            <p:txEl>
+                                              <p:pRg st="7" end="7"/>
+                                            </p:txEl>
+                                          </p:spTgt>
+                                        </p:tgtEl>
+                                        <p:attrNameLst>
+                                          <p:attrName>style.visibility</p:attrName>
+                                        </p:attrNameLst>
+                                      </p:cBhvr>
+                                      <p:to>
+                                        <p:strVal val="visible"/>
+                                      </p:to>
+                                    </p:set>
+                                    <p:animEffect transition="in" filter="fade">
+                                      <p:cBhvr>
+                                        <p:cTn id="25" dur="500"/>
+                                        <p:tgtEl>
+                                          <p:spTgt spid="3">
+                                            <p:txEl>
+                                              <p:pRg st="7" end="7"/>
+                                            </p:txEl>
+                                          </p:spTgt>
+                                        </p:tgtEl>
+                                      </p:cBhvr>
+                                    </p:animEffect>
+                                  </p:childTnLst>
+                                </p:cTn>
+                              </p:par>
+                              <p:par>
+                                <p:cTn id="26" presetID="10" presetClass="entr" presetSubtype="0" fill="hold" grpId="0" nodeType="withEffect">
+                                  <p:stCondLst>
+                                    <p:cond delay="0"/>
+                                  </p:stCondLst>
+                                  <p:childTnLst>
+                                    <p:set>
+                                      <p:cBhvr>
+                                        <p:cTn id="27" dur="1" fill="hold">
+                                          <p:stCondLst>
+                                            <p:cond delay="0"/>
+                                          </p:stCondLst>
+                                        </p:cTn>
+                                        <p:tgtEl>
+                                          <p:spTgt spid="3">
+                                            <p:txEl>
+                                              <p:pRg st="8" end="8"/>
+                                            </p:txEl>
+                                          </p:spTgt>
+                                        </p:tgtEl>
+                                        <p:attrNameLst>
+                                          <p:attrName>style.visibility</p:attrName>
+                                        </p:attrNameLst>
+                                      </p:cBhvr>
+                                      <p:to>
+                                        <p:strVal val="visible"/>
+                                      </p:to>
+                                    </p:set>
+                                    <p:animEffect transition="in" filter="fade">
+                                      <p:cBhvr>
+                                        <p:cTn id="28" dur="500"/>
+                                        <p:tgtEl>
+                                          <p:spTgt spid="3">
+                                            <p:txEl>
+                                              <p:pRg st="8" end="8"/>
+                                            </p:txEl>
+                                          </p:spTgt>
+                                        </p:tgtEl>
+                                      </p:cBhvr>
+                                    </p:animEffect>
+                                  </p:childTnLst>
+                                </p:cTn>
+                              </p:par>
+                              <p:par>
+                                <p:cTn id="29" presetID="10" presetClass="entr" presetSubtype="0" fill="hold" grpId="0" nodeType="withEffect">
+                                  <p:stCondLst>
+                                    <p:cond delay="0"/>
+                                  </p:stCondLst>
+                                  <p:childTnLst>
+                                    <p:set>
+                                      <p:cBhvr>
+                                        <p:cTn id="30" dur="1" fill="hold">
+                                          <p:stCondLst>
+                                            <p:cond delay="0"/>
+                                          </p:stCondLst>
+                                        </p:cTn>
+                                        <p:tgtEl>
+                                          <p:spTgt spid="3">
+                                            <p:txEl>
+                                              <p:pRg st="10" end="10"/>
+                                            </p:txEl>
+                                          </p:spTgt>
+                                        </p:tgtEl>
+                                        <p:attrNameLst>
+                                          <p:attrName>style.visibility</p:attrName>
+                                        </p:attrNameLst>
+                                      </p:cBhvr>
+                                      <p:to>
+                                        <p:strVal val="visible"/>
+                                      </p:to>
+                                    </p:set>
+                                    <p:animEffect transition="in" filter="fade">
+                                      <p:cBhvr>
+                                        <p:cTn id="31" dur="500"/>
+                                        <p:tgtEl>
+                                          <p:spTgt spid="3">
+                                            <p:txEl>
+                                              <p:pRg st="10" end="10"/>
+                                            </p:txEl>
+                                          </p:spTgt>
+                                        </p:tgtEl>
+                                      </p:cBhvr>
+                                    </p:animEffect>
+                                  </p:childTnLst>
+                                </p:cTn>
+                              </p:par>
+                            </p:childTnLst>
+                          </p:cTn>
+                        </p:par>
+                      </p:childTnLst>
+                    </p:cTn>
+                  </p:par>
+                </p:childTnLst>
+              </p:cTn>
+              <p:prevCondLst>
+                <p:cond evt="onPrev" delay="0">
+                  <p:tgtEl>
+                    <p:sldTgt/>
+                  </p:tgtEl>
+                </p:cond>
+              </p:prevCondLst>
+              <p:nextCondLst>
+                <p:cond evt="onNext" delay="0">
+                  <p:tgtEl>
+                    <p:sldTgt/>
+                  </p:tgtEl>
+                </p:cond>
+              </p:nextCondLst>
+            </p:seq>
+          </p:childTnLst>
+        </p:cTn>
+      </p:par>
+    </p:tnLst>
+    <p:bldLst>
+      <p:bldP spid="3" grpId="0" build="p"/>
+    </p:bldLst>
+  </p:timing>
 </p:sld>
 </file>
 
@@ -4964,6 +8190,326 @@
   <p:clrMapOvr>
     <a:masterClrMapping/>
   </p:clrMapOvr>
+  <p:timing>
+    <p:tnLst>
+      <p:par>
+        <p:cTn id="1" dur="indefinite" restart="never" nodeType="tmRoot">
+          <p:childTnLst>
+            <p:seq concurrent="1" nextAc="seek">
+              <p:cTn id="2" dur="indefinite" nodeType="mainSeq">
+                <p:childTnLst>
+                  <p:par>
+                    <p:cTn id="3" fill="hold">
+                      <p:stCondLst>
+                        <p:cond delay="indefinite"/>
+                      </p:stCondLst>
+                      <p:childTnLst>
+                        <p:par>
+                          <p:cTn id="4" fill="hold">
+                            <p:stCondLst>
+                              <p:cond delay="0"/>
+                            </p:stCondLst>
+                            <p:childTnLst>
+                              <p:par>
+                                <p:cTn id="5" presetID="10" presetClass="entr" presetSubtype="0" fill="hold" grpId="0" nodeType="clickEffect">
+                                  <p:stCondLst>
+                                    <p:cond delay="0"/>
+                                  </p:stCondLst>
+                                  <p:childTnLst>
+                                    <p:set>
+                                      <p:cBhvr>
+                                        <p:cTn id="6" dur="1" fill="hold">
+                                          <p:stCondLst>
+                                            <p:cond delay="0"/>
+                                          </p:stCondLst>
+                                        </p:cTn>
+                                        <p:tgtEl>
+                                          <p:spTgt spid="3">
+                                            <p:txEl>
+                                              <p:pRg st="0" end="0"/>
+                                            </p:txEl>
+                                          </p:spTgt>
+                                        </p:tgtEl>
+                                        <p:attrNameLst>
+                                          <p:attrName>style.visibility</p:attrName>
+                                        </p:attrNameLst>
+                                      </p:cBhvr>
+                                      <p:to>
+                                        <p:strVal val="visible"/>
+                                      </p:to>
+                                    </p:set>
+                                    <p:animEffect transition="in" filter="fade">
+                                      <p:cBhvr>
+                                        <p:cTn id="7" dur="500"/>
+                                        <p:tgtEl>
+                                          <p:spTgt spid="3">
+                                            <p:txEl>
+                                              <p:pRg st="0" end="0"/>
+                                            </p:txEl>
+                                          </p:spTgt>
+                                        </p:tgtEl>
+                                      </p:cBhvr>
+                                    </p:animEffect>
+                                  </p:childTnLst>
+                                </p:cTn>
+                              </p:par>
+                            </p:childTnLst>
+                          </p:cTn>
+                        </p:par>
+                      </p:childTnLst>
+                    </p:cTn>
+                  </p:par>
+                  <p:par>
+                    <p:cTn id="8" fill="hold">
+                      <p:stCondLst>
+                        <p:cond delay="indefinite"/>
+                      </p:stCondLst>
+                      <p:childTnLst>
+                        <p:par>
+                          <p:cTn id="9" fill="hold">
+                            <p:stCondLst>
+                              <p:cond delay="0"/>
+                            </p:stCondLst>
+                            <p:childTnLst>
+                              <p:par>
+                                <p:cTn id="10" presetID="10" presetClass="entr" presetSubtype="0" fill="hold" grpId="0" nodeType="clickEffect">
+                                  <p:stCondLst>
+                                    <p:cond delay="0"/>
+                                  </p:stCondLst>
+                                  <p:childTnLst>
+                                    <p:set>
+                                      <p:cBhvr>
+                                        <p:cTn id="11" dur="1" fill="hold">
+                                          <p:stCondLst>
+                                            <p:cond delay="0"/>
+                                          </p:stCondLst>
+                                        </p:cTn>
+                                        <p:tgtEl>
+                                          <p:spTgt spid="3">
+                                            <p:txEl>
+                                              <p:pRg st="1" end="1"/>
+                                            </p:txEl>
+                                          </p:spTgt>
+                                        </p:tgtEl>
+                                        <p:attrNameLst>
+                                          <p:attrName>style.visibility</p:attrName>
+                                        </p:attrNameLst>
+                                      </p:cBhvr>
+                                      <p:to>
+                                        <p:strVal val="visible"/>
+                                      </p:to>
+                                    </p:set>
+                                    <p:animEffect transition="in" filter="fade">
+                                      <p:cBhvr>
+                                        <p:cTn id="12" dur="500"/>
+                                        <p:tgtEl>
+                                          <p:spTgt spid="3">
+                                            <p:txEl>
+                                              <p:pRg st="1" end="1"/>
+                                            </p:txEl>
+                                          </p:spTgt>
+                                        </p:tgtEl>
+                                      </p:cBhvr>
+                                    </p:animEffect>
+                                  </p:childTnLst>
+                                </p:cTn>
+                              </p:par>
+                            </p:childTnLst>
+                          </p:cTn>
+                        </p:par>
+                      </p:childTnLst>
+                    </p:cTn>
+                  </p:par>
+                  <p:par>
+                    <p:cTn id="13" fill="hold">
+                      <p:stCondLst>
+                        <p:cond delay="indefinite"/>
+                      </p:stCondLst>
+                      <p:childTnLst>
+                        <p:par>
+                          <p:cTn id="14" fill="hold">
+                            <p:stCondLst>
+                              <p:cond delay="0"/>
+                            </p:stCondLst>
+                            <p:childTnLst>
+                              <p:par>
+                                <p:cTn id="15" presetID="10" presetClass="entr" presetSubtype="0" fill="hold" grpId="0" nodeType="clickEffect">
+                                  <p:stCondLst>
+                                    <p:cond delay="0"/>
+                                  </p:stCondLst>
+                                  <p:childTnLst>
+                                    <p:set>
+                                      <p:cBhvr>
+                                        <p:cTn id="16" dur="1" fill="hold">
+                                          <p:stCondLst>
+                                            <p:cond delay="0"/>
+                                          </p:stCondLst>
+                                        </p:cTn>
+                                        <p:tgtEl>
+                                          <p:spTgt spid="3">
+                                            <p:txEl>
+                                              <p:pRg st="2" end="2"/>
+                                            </p:txEl>
+                                          </p:spTgt>
+                                        </p:tgtEl>
+                                        <p:attrNameLst>
+                                          <p:attrName>style.visibility</p:attrName>
+                                        </p:attrNameLst>
+                                      </p:cBhvr>
+                                      <p:to>
+                                        <p:strVal val="visible"/>
+                                      </p:to>
+                                    </p:set>
+                                    <p:animEffect transition="in" filter="fade">
+                                      <p:cBhvr>
+                                        <p:cTn id="17" dur="500"/>
+                                        <p:tgtEl>
+                                          <p:spTgt spid="3">
+                                            <p:txEl>
+                                              <p:pRg st="2" end="2"/>
+                                            </p:txEl>
+                                          </p:spTgt>
+                                        </p:tgtEl>
+                                      </p:cBhvr>
+                                    </p:animEffect>
+                                  </p:childTnLst>
+                                </p:cTn>
+                              </p:par>
+                            </p:childTnLst>
+                          </p:cTn>
+                        </p:par>
+                      </p:childTnLst>
+                    </p:cTn>
+                  </p:par>
+                  <p:par>
+                    <p:cTn id="18" fill="hold">
+                      <p:stCondLst>
+                        <p:cond delay="indefinite"/>
+                      </p:stCondLst>
+                      <p:childTnLst>
+                        <p:par>
+                          <p:cTn id="19" fill="hold">
+                            <p:stCondLst>
+                              <p:cond delay="0"/>
+                            </p:stCondLst>
+                            <p:childTnLst>
+                              <p:par>
+                                <p:cTn id="20" presetID="10" presetClass="entr" presetSubtype="0" fill="hold" grpId="0" nodeType="clickEffect">
+                                  <p:stCondLst>
+                                    <p:cond delay="0"/>
+                                  </p:stCondLst>
+                                  <p:childTnLst>
+                                    <p:set>
+                                      <p:cBhvr>
+                                        <p:cTn id="21" dur="1" fill="hold">
+                                          <p:stCondLst>
+                                            <p:cond delay="0"/>
+                                          </p:stCondLst>
+                                        </p:cTn>
+                                        <p:tgtEl>
+                                          <p:spTgt spid="3">
+                                            <p:txEl>
+                                              <p:pRg st="3" end="3"/>
+                                            </p:txEl>
+                                          </p:spTgt>
+                                        </p:tgtEl>
+                                        <p:attrNameLst>
+                                          <p:attrName>style.visibility</p:attrName>
+                                        </p:attrNameLst>
+                                      </p:cBhvr>
+                                      <p:to>
+                                        <p:strVal val="visible"/>
+                                      </p:to>
+                                    </p:set>
+                                    <p:animEffect transition="in" filter="fade">
+                                      <p:cBhvr>
+                                        <p:cTn id="22" dur="500"/>
+                                        <p:tgtEl>
+                                          <p:spTgt spid="3">
+                                            <p:txEl>
+                                              <p:pRg st="3" end="3"/>
+                                            </p:txEl>
+                                          </p:spTgt>
+                                        </p:tgtEl>
+                                      </p:cBhvr>
+                                    </p:animEffect>
+                                  </p:childTnLst>
+                                </p:cTn>
+                              </p:par>
+                              <p:par>
+                                <p:cTn id="23" presetID="10" presetClass="entr" presetSubtype="0" fill="hold" grpId="0" nodeType="withEffect">
+                                  <p:stCondLst>
+                                    <p:cond delay="0"/>
+                                  </p:stCondLst>
+                                  <p:childTnLst>
+                                    <p:set>
+                                      <p:cBhvr>
+                                        <p:cTn id="24" dur="1" fill="hold">
+                                          <p:stCondLst>
+                                            <p:cond delay="0"/>
+                                          </p:stCondLst>
+                                        </p:cTn>
+                                        <p:tgtEl>
+                                          <p:spTgt spid="3">
+                                            <p:txEl>
+                                              <p:pRg st="4" end="4"/>
+                                            </p:txEl>
+                                          </p:spTgt>
+                                        </p:tgtEl>
+                                        <p:attrNameLst>
+                                          <p:attrName>style.visibility</p:attrName>
+                                        </p:attrNameLst>
+                                      </p:cBhvr>
+                                      <p:to>
+                                        <p:strVal val="visible"/>
+                                      </p:to>
+                                    </p:set>
+                                    <p:animEffect transition="in" filter="fade">
+                                      <p:cBhvr>
+                                        <p:cTn id="25" dur="500"/>
+                                        <p:tgtEl>
+                                          <p:spTgt spid="3">
+                                            <p:txEl>
+                                              <p:pRg st="4" end="4"/>
+                                            </p:txEl>
+                                          </p:spTgt>
+                                        </p:tgtEl>
+                                      </p:cBhvr>
+                                    </p:animEffect>
+                                  </p:childTnLst>
+                                </p:cTn>
+                              </p:par>
+                            </p:childTnLst>
+                          </p:cTn>
+                        </p:par>
+                      </p:childTnLst>
+                    </p:cTn>
+                  </p:par>
+                </p:childTnLst>
+              </p:cTn>
+              <p:prevCondLst>
+                <p:cond evt="onPrev" delay="0">
+                  <p:tgtEl>
+                    <p:sldTgt/>
+                  </p:tgtEl>
+                </p:cond>
+              </p:prevCondLst>
+              <p:nextCondLst>
+                <p:cond evt="onNext" delay="0">
+                  <p:tgtEl>
+                    <p:sldTgt/>
+                  </p:tgtEl>
+                </p:cond>
+              </p:nextCondLst>
+            </p:seq>
+          </p:childTnLst>
+        </p:cTn>
+      </p:par>
+    </p:tnLst>
+    <p:bldLst>
+      <p:bldP spid="3" grpId="0" build="p"/>
+    </p:bldLst>
+  </p:timing>
 </p:sld>
 </file>
 
@@ -5079,6 +8625,344 @@
   <p:clrMapOvr>
     <a:masterClrMapping/>
   </p:clrMapOvr>
+  <p:timing>
+    <p:tnLst>
+      <p:par>
+        <p:cTn id="1" dur="indefinite" restart="never" nodeType="tmRoot">
+          <p:childTnLst>
+            <p:seq concurrent="1" nextAc="seek">
+              <p:cTn id="2" dur="indefinite" nodeType="mainSeq">
+                <p:childTnLst>
+                  <p:par>
+                    <p:cTn id="3" fill="hold">
+                      <p:stCondLst>
+                        <p:cond delay="indefinite"/>
+                      </p:stCondLst>
+                      <p:childTnLst>
+                        <p:par>
+                          <p:cTn id="4" fill="hold">
+                            <p:stCondLst>
+                              <p:cond delay="0"/>
+                            </p:stCondLst>
+                            <p:childTnLst>
+                              <p:par>
+                                <p:cTn id="5" presetID="10" presetClass="entr" presetSubtype="0" fill="hold" grpId="0" nodeType="clickEffect">
+                                  <p:stCondLst>
+                                    <p:cond delay="0"/>
+                                  </p:stCondLst>
+                                  <p:childTnLst>
+                                    <p:set>
+                                      <p:cBhvr>
+                                        <p:cTn id="6" dur="1" fill="hold">
+                                          <p:stCondLst>
+                                            <p:cond delay="0"/>
+                                          </p:stCondLst>
+                                        </p:cTn>
+                                        <p:tgtEl>
+                                          <p:spTgt spid="3">
+                                            <p:txEl>
+                                              <p:pRg st="0" end="0"/>
+                                            </p:txEl>
+                                          </p:spTgt>
+                                        </p:tgtEl>
+                                        <p:attrNameLst>
+                                          <p:attrName>style.visibility</p:attrName>
+                                        </p:attrNameLst>
+                                      </p:cBhvr>
+                                      <p:to>
+                                        <p:strVal val="visible"/>
+                                      </p:to>
+                                    </p:set>
+                                    <p:animEffect transition="in" filter="fade">
+                                      <p:cBhvr>
+                                        <p:cTn id="7" dur="500"/>
+                                        <p:tgtEl>
+                                          <p:spTgt spid="3">
+                                            <p:txEl>
+                                              <p:pRg st="0" end="0"/>
+                                            </p:txEl>
+                                          </p:spTgt>
+                                        </p:tgtEl>
+                                      </p:cBhvr>
+                                    </p:animEffect>
+                                  </p:childTnLst>
+                                </p:cTn>
+                              </p:par>
+                            </p:childTnLst>
+                          </p:cTn>
+                        </p:par>
+                      </p:childTnLst>
+                    </p:cTn>
+                  </p:par>
+                  <p:par>
+                    <p:cTn id="8" fill="hold">
+                      <p:stCondLst>
+                        <p:cond delay="indefinite"/>
+                      </p:stCondLst>
+                      <p:childTnLst>
+                        <p:par>
+                          <p:cTn id="9" fill="hold">
+                            <p:stCondLst>
+                              <p:cond delay="0"/>
+                            </p:stCondLst>
+                            <p:childTnLst>
+                              <p:par>
+                                <p:cTn id="10" presetID="10" presetClass="entr" presetSubtype="0" fill="hold" grpId="0" nodeType="clickEffect">
+                                  <p:stCondLst>
+                                    <p:cond delay="0"/>
+                                  </p:stCondLst>
+                                  <p:childTnLst>
+                                    <p:set>
+                                      <p:cBhvr>
+                                        <p:cTn id="11" dur="1" fill="hold">
+                                          <p:stCondLst>
+                                            <p:cond delay="0"/>
+                                          </p:stCondLst>
+                                        </p:cTn>
+                                        <p:tgtEl>
+                                          <p:spTgt spid="3">
+                                            <p:txEl>
+                                              <p:pRg st="1" end="1"/>
+                                            </p:txEl>
+                                          </p:spTgt>
+                                        </p:tgtEl>
+                                        <p:attrNameLst>
+                                          <p:attrName>style.visibility</p:attrName>
+                                        </p:attrNameLst>
+                                      </p:cBhvr>
+                                      <p:to>
+                                        <p:strVal val="visible"/>
+                                      </p:to>
+                                    </p:set>
+                                    <p:animEffect transition="in" filter="fade">
+                                      <p:cBhvr>
+                                        <p:cTn id="12" dur="500"/>
+                                        <p:tgtEl>
+                                          <p:spTgt spid="3">
+                                            <p:txEl>
+                                              <p:pRg st="1" end="1"/>
+                                            </p:txEl>
+                                          </p:spTgt>
+                                        </p:tgtEl>
+                                      </p:cBhvr>
+                                    </p:animEffect>
+                                  </p:childTnLst>
+                                </p:cTn>
+                              </p:par>
+                            </p:childTnLst>
+                          </p:cTn>
+                        </p:par>
+                      </p:childTnLst>
+                    </p:cTn>
+                  </p:par>
+                  <p:par>
+                    <p:cTn id="13" fill="hold">
+                      <p:stCondLst>
+                        <p:cond delay="indefinite"/>
+                      </p:stCondLst>
+                      <p:childTnLst>
+                        <p:par>
+                          <p:cTn id="14" fill="hold">
+                            <p:stCondLst>
+                              <p:cond delay="0"/>
+                            </p:stCondLst>
+                            <p:childTnLst>
+                              <p:par>
+                                <p:cTn id="15" presetID="10" presetClass="entr" presetSubtype="0" fill="hold" grpId="0" nodeType="clickEffect">
+                                  <p:stCondLst>
+                                    <p:cond delay="0"/>
+                                  </p:stCondLst>
+                                  <p:childTnLst>
+                                    <p:set>
+                                      <p:cBhvr>
+                                        <p:cTn id="16" dur="1" fill="hold">
+                                          <p:stCondLst>
+                                            <p:cond delay="0"/>
+                                          </p:stCondLst>
+                                        </p:cTn>
+                                        <p:tgtEl>
+                                          <p:spTgt spid="3">
+                                            <p:txEl>
+                                              <p:pRg st="2" end="2"/>
+                                            </p:txEl>
+                                          </p:spTgt>
+                                        </p:tgtEl>
+                                        <p:attrNameLst>
+                                          <p:attrName>style.visibility</p:attrName>
+                                        </p:attrNameLst>
+                                      </p:cBhvr>
+                                      <p:to>
+                                        <p:strVal val="visible"/>
+                                      </p:to>
+                                    </p:set>
+                                    <p:animEffect transition="in" filter="fade">
+                                      <p:cBhvr>
+                                        <p:cTn id="17" dur="500"/>
+                                        <p:tgtEl>
+                                          <p:spTgt spid="3">
+                                            <p:txEl>
+                                              <p:pRg st="2" end="2"/>
+                                            </p:txEl>
+                                          </p:spTgt>
+                                        </p:tgtEl>
+                                      </p:cBhvr>
+                                    </p:animEffect>
+                                  </p:childTnLst>
+                                </p:cTn>
+                              </p:par>
+                            </p:childTnLst>
+                          </p:cTn>
+                        </p:par>
+                      </p:childTnLst>
+                    </p:cTn>
+                  </p:par>
+                  <p:par>
+                    <p:cTn id="18" fill="hold">
+                      <p:stCondLst>
+                        <p:cond delay="indefinite"/>
+                      </p:stCondLst>
+                      <p:childTnLst>
+                        <p:par>
+                          <p:cTn id="19" fill="hold">
+                            <p:stCondLst>
+                              <p:cond delay="0"/>
+                            </p:stCondLst>
+                            <p:childTnLst>
+                              <p:par>
+                                <p:cTn id="20" presetID="10" presetClass="entr" presetSubtype="0" fill="hold" grpId="0" nodeType="clickEffect">
+                                  <p:stCondLst>
+                                    <p:cond delay="0"/>
+                                  </p:stCondLst>
+                                  <p:childTnLst>
+                                    <p:set>
+                                      <p:cBhvr>
+                                        <p:cTn id="21" dur="1" fill="hold">
+                                          <p:stCondLst>
+                                            <p:cond delay="0"/>
+                                          </p:stCondLst>
+                                        </p:cTn>
+                                        <p:tgtEl>
+                                          <p:spTgt spid="3">
+                                            <p:txEl>
+                                              <p:pRg st="4" end="4"/>
+                                            </p:txEl>
+                                          </p:spTgt>
+                                        </p:tgtEl>
+                                        <p:attrNameLst>
+                                          <p:attrName>style.visibility</p:attrName>
+                                        </p:attrNameLst>
+                                      </p:cBhvr>
+                                      <p:to>
+                                        <p:strVal val="visible"/>
+                                      </p:to>
+                                    </p:set>
+                                    <p:animEffect transition="in" filter="fade">
+                                      <p:cBhvr>
+                                        <p:cTn id="22" dur="500"/>
+                                        <p:tgtEl>
+                                          <p:spTgt spid="3">
+                                            <p:txEl>
+                                              <p:pRg st="4" end="4"/>
+                                            </p:txEl>
+                                          </p:spTgt>
+                                        </p:tgtEl>
+                                      </p:cBhvr>
+                                    </p:animEffect>
+                                  </p:childTnLst>
+                                </p:cTn>
+                              </p:par>
+                            </p:childTnLst>
+                          </p:cTn>
+                        </p:par>
+                      </p:childTnLst>
+                    </p:cTn>
+                  </p:par>
+                  <p:par>
+                    <p:cTn id="23" fill="hold">
+                      <p:stCondLst>
+                        <p:cond delay="indefinite"/>
+                      </p:stCondLst>
+                      <p:childTnLst>
+                        <p:par>
+                          <p:cTn id="24" fill="hold">
+                            <p:stCondLst>
+                              <p:cond delay="0"/>
+                            </p:stCondLst>
+                            <p:childTnLst>
+                              <p:par>
+                                <p:cTn id="25" presetID="10" presetClass="entr" presetSubtype="0" fill="hold" grpId="0" nodeType="clickEffect">
+                                  <p:stCondLst>
+                                    <p:cond delay="0"/>
+                                  </p:stCondLst>
+                                  <p:childTnLst>
+                                    <p:set>
+                                      <p:cBhvr>
+                                        <p:cTn id="26" dur="1" fill="hold">
+                                          <p:stCondLst>
+                                            <p:cond delay="0"/>
+                                          </p:stCondLst>
+                                        </p:cTn>
+                                        <p:tgtEl>
+                                          <p:spTgt spid="3">
+                                            <p:txEl>
+                                              <p:pRg st="5" end="5"/>
+                                            </p:txEl>
+                                          </p:spTgt>
+                                        </p:tgtEl>
+                                        <p:attrNameLst>
+                                          <p:attrName>style.visibility</p:attrName>
+                                        </p:attrNameLst>
+                                      </p:cBhvr>
+                                      <p:to>
+                                        <p:strVal val="visible"/>
+                                      </p:to>
+                                    </p:set>
+                                    <p:animEffect transition="in" filter="fade">
+                                      <p:cBhvr>
+                                        <p:cTn id="27" dur="500"/>
+                                        <p:tgtEl>
+                                          <p:spTgt spid="3">
+                                            <p:txEl>
+                                              <p:pRg st="5" end="5"/>
+                                            </p:txEl>
+                                          </p:spTgt>
+                                        </p:tgtEl>
+                                      </p:cBhvr>
+                                    </p:animEffect>
+                                  </p:childTnLst>
+                                </p:cTn>
+                              </p:par>
+                            </p:childTnLst>
+                          </p:cTn>
+                        </p:par>
+                      </p:childTnLst>
+                    </p:cTn>
+                  </p:par>
+                </p:childTnLst>
+              </p:cTn>
+              <p:prevCondLst>
+                <p:cond evt="onPrev" delay="0">
+                  <p:tgtEl>
+                    <p:sldTgt/>
+                  </p:tgtEl>
+                </p:cond>
+              </p:prevCondLst>
+              <p:nextCondLst>
+                <p:cond evt="onNext" delay="0">
+                  <p:tgtEl>
+                    <p:sldTgt/>
+                  </p:tgtEl>
+                </p:cond>
+              </p:nextCondLst>
+            </p:seq>
+          </p:childTnLst>
+        </p:cTn>
+      </p:par>
+    </p:tnLst>
+    <p:bldLst>
+      <p:bldP spid="3" grpId="0" build="p"/>
+    </p:bldLst>
+  </p:timing>
 </p:sld>
 </file>
 
@@ -5228,6 +9112,462 @@
   <p:clrMapOvr>
     <a:masterClrMapping/>
   </p:clrMapOvr>
+  <p:timing>
+    <p:tnLst>
+      <p:par>
+        <p:cTn id="1" dur="indefinite" restart="never" nodeType="tmRoot">
+          <p:childTnLst>
+            <p:seq concurrent="1" nextAc="seek">
+              <p:cTn id="2" dur="indefinite" nodeType="mainSeq">
+                <p:childTnLst>
+                  <p:par>
+                    <p:cTn id="3" fill="hold">
+                      <p:stCondLst>
+                        <p:cond delay="indefinite"/>
+                      </p:stCondLst>
+                      <p:childTnLst>
+                        <p:par>
+                          <p:cTn id="4" fill="hold">
+                            <p:stCondLst>
+                              <p:cond delay="0"/>
+                            </p:stCondLst>
+                            <p:childTnLst>
+                              <p:par>
+                                <p:cTn id="5" presetID="10" presetClass="entr" presetSubtype="0" fill="hold" grpId="0" nodeType="clickEffect">
+                                  <p:stCondLst>
+                                    <p:cond delay="0"/>
+                                  </p:stCondLst>
+                                  <p:childTnLst>
+                                    <p:set>
+                                      <p:cBhvr>
+                                        <p:cTn id="6" dur="1" fill="hold">
+                                          <p:stCondLst>
+                                            <p:cond delay="0"/>
+                                          </p:stCondLst>
+                                        </p:cTn>
+                                        <p:tgtEl>
+                                          <p:spTgt spid="3">
+                                            <p:txEl>
+                                              <p:pRg st="0" end="0"/>
+                                            </p:txEl>
+                                          </p:spTgt>
+                                        </p:tgtEl>
+                                        <p:attrNameLst>
+                                          <p:attrName>style.visibility</p:attrName>
+                                        </p:attrNameLst>
+                                      </p:cBhvr>
+                                      <p:to>
+                                        <p:strVal val="visible"/>
+                                      </p:to>
+                                    </p:set>
+                                    <p:animEffect transition="in" filter="fade">
+                                      <p:cBhvr>
+                                        <p:cTn id="7" dur="500"/>
+                                        <p:tgtEl>
+                                          <p:spTgt spid="3">
+                                            <p:txEl>
+                                              <p:pRg st="0" end="0"/>
+                                            </p:txEl>
+                                          </p:spTgt>
+                                        </p:tgtEl>
+                                      </p:cBhvr>
+                                    </p:animEffect>
+                                  </p:childTnLst>
+                                </p:cTn>
+                              </p:par>
+                              <p:par>
+                                <p:cTn id="8" presetID="10" presetClass="entr" presetSubtype="0" fill="hold" grpId="0" nodeType="withEffect">
+                                  <p:stCondLst>
+                                    <p:cond delay="0"/>
+                                  </p:stCondLst>
+                                  <p:childTnLst>
+                                    <p:set>
+                                      <p:cBhvr>
+                                        <p:cTn id="9" dur="1" fill="hold">
+                                          <p:stCondLst>
+                                            <p:cond delay="0"/>
+                                          </p:stCondLst>
+                                        </p:cTn>
+                                        <p:tgtEl>
+                                          <p:spTgt spid="3">
+                                            <p:txEl>
+                                              <p:pRg st="1" end="1"/>
+                                            </p:txEl>
+                                          </p:spTgt>
+                                        </p:tgtEl>
+                                        <p:attrNameLst>
+                                          <p:attrName>style.visibility</p:attrName>
+                                        </p:attrNameLst>
+                                      </p:cBhvr>
+                                      <p:to>
+                                        <p:strVal val="visible"/>
+                                      </p:to>
+                                    </p:set>
+                                    <p:animEffect transition="in" filter="fade">
+                                      <p:cBhvr>
+                                        <p:cTn id="10" dur="500"/>
+                                        <p:tgtEl>
+                                          <p:spTgt spid="3">
+                                            <p:txEl>
+                                              <p:pRg st="1" end="1"/>
+                                            </p:txEl>
+                                          </p:spTgt>
+                                        </p:tgtEl>
+                                      </p:cBhvr>
+                                    </p:animEffect>
+                                  </p:childTnLst>
+                                </p:cTn>
+                              </p:par>
+                              <p:par>
+                                <p:cTn id="11" presetID="10" presetClass="entr" presetSubtype="0" fill="hold" grpId="0" nodeType="withEffect">
+                                  <p:stCondLst>
+                                    <p:cond delay="0"/>
+                                  </p:stCondLst>
+                                  <p:childTnLst>
+                                    <p:set>
+                                      <p:cBhvr>
+                                        <p:cTn id="12" dur="1" fill="hold">
+                                          <p:stCondLst>
+                                            <p:cond delay="0"/>
+                                          </p:stCondLst>
+                                        </p:cTn>
+                                        <p:tgtEl>
+                                          <p:spTgt spid="3">
+                                            <p:txEl>
+                                              <p:pRg st="2" end="2"/>
+                                            </p:txEl>
+                                          </p:spTgt>
+                                        </p:tgtEl>
+                                        <p:attrNameLst>
+                                          <p:attrName>style.visibility</p:attrName>
+                                        </p:attrNameLst>
+                                      </p:cBhvr>
+                                      <p:to>
+                                        <p:strVal val="visible"/>
+                                      </p:to>
+                                    </p:set>
+                                    <p:animEffect transition="in" filter="fade">
+                                      <p:cBhvr>
+                                        <p:cTn id="13" dur="500"/>
+                                        <p:tgtEl>
+                                          <p:spTgt spid="3">
+                                            <p:txEl>
+                                              <p:pRg st="2" end="2"/>
+                                            </p:txEl>
+                                          </p:spTgt>
+                                        </p:tgtEl>
+                                      </p:cBhvr>
+                                    </p:animEffect>
+                                  </p:childTnLst>
+                                </p:cTn>
+                              </p:par>
+                              <p:par>
+                                <p:cTn id="14" presetID="10" presetClass="entr" presetSubtype="0" fill="hold" grpId="0" nodeType="withEffect">
+                                  <p:stCondLst>
+                                    <p:cond delay="0"/>
+                                  </p:stCondLst>
+                                  <p:childTnLst>
+                                    <p:set>
+                                      <p:cBhvr>
+                                        <p:cTn id="15" dur="1" fill="hold">
+                                          <p:stCondLst>
+                                            <p:cond delay="0"/>
+                                          </p:stCondLst>
+                                        </p:cTn>
+                                        <p:tgtEl>
+                                          <p:spTgt spid="3">
+                                            <p:txEl>
+                                              <p:pRg st="3" end="3"/>
+                                            </p:txEl>
+                                          </p:spTgt>
+                                        </p:tgtEl>
+                                        <p:attrNameLst>
+                                          <p:attrName>style.visibility</p:attrName>
+                                        </p:attrNameLst>
+                                      </p:cBhvr>
+                                      <p:to>
+                                        <p:strVal val="visible"/>
+                                      </p:to>
+                                    </p:set>
+                                    <p:animEffect transition="in" filter="fade">
+                                      <p:cBhvr>
+                                        <p:cTn id="16" dur="500"/>
+                                        <p:tgtEl>
+                                          <p:spTgt spid="3">
+                                            <p:txEl>
+                                              <p:pRg st="3" end="3"/>
+                                            </p:txEl>
+                                          </p:spTgt>
+                                        </p:tgtEl>
+                                      </p:cBhvr>
+                                    </p:animEffect>
+                                  </p:childTnLst>
+                                </p:cTn>
+                              </p:par>
+                              <p:par>
+                                <p:cTn id="17" presetID="10" presetClass="entr" presetSubtype="0" fill="hold" grpId="0" nodeType="withEffect">
+                                  <p:stCondLst>
+                                    <p:cond delay="0"/>
+                                  </p:stCondLst>
+                                  <p:childTnLst>
+                                    <p:set>
+                                      <p:cBhvr>
+                                        <p:cTn id="18" dur="1" fill="hold">
+                                          <p:stCondLst>
+                                            <p:cond delay="0"/>
+                                          </p:stCondLst>
+                                        </p:cTn>
+                                        <p:tgtEl>
+                                          <p:spTgt spid="3">
+                                            <p:txEl>
+                                              <p:pRg st="4" end="4"/>
+                                            </p:txEl>
+                                          </p:spTgt>
+                                        </p:tgtEl>
+                                        <p:attrNameLst>
+                                          <p:attrName>style.visibility</p:attrName>
+                                        </p:attrNameLst>
+                                      </p:cBhvr>
+                                      <p:to>
+                                        <p:strVal val="visible"/>
+                                      </p:to>
+                                    </p:set>
+                                    <p:animEffect transition="in" filter="fade">
+                                      <p:cBhvr>
+                                        <p:cTn id="19" dur="500"/>
+                                        <p:tgtEl>
+                                          <p:spTgt spid="3">
+                                            <p:txEl>
+                                              <p:pRg st="4" end="4"/>
+                                            </p:txEl>
+                                          </p:spTgt>
+                                        </p:tgtEl>
+                                      </p:cBhvr>
+                                    </p:animEffect>
+                                  </p:childTnLst>
+                                </p:cTn>
+                              </p:par>
+                              <p:par>
+                                <p:cTn id="20" presetID="10" presetClass="entr" presetSubtype="0" fill="hold" grpId="0" nodeType="withEffect">
+                                  <p:stCondLst>
+                                    <p:cond delay="0"/>
+                                  </p:stCondLst>
+                                  <p:childTnLst>
+                                    <p:set>
+                                      <p:cBhvr>
+                                        <p:cTn id="21" dur="1" fill="hold">
+                                          <p:stCondLst>
+                                            <p:cond delay="0"/>
+                                          </p:stCondLst>
+                                        </p:cTn>
+                                        <p:tgtEl>
+                                          <p:spTgt spid="3">
+                                            <p:txEl>
+                                              <p:pRg st="5" end="5"/>
+                                            </p:txEl>
+                                          </p:spTgt>
+                                        </p:tgtEl>
+                                        <p:attrNameLst>
+                                          <p:attrName>style.visibility</p:attrName>
+                                        </p:attrNameLst>
+                                      </p:cBhvr>
+                                      <p:to>
+                                        <p:strVal val="visible"/>
+                                      </p:to>
+                                    </p:set>
+                                    <p:animEffect transition="in" filter="fade">
+                                      <p:cBhvr>
+                                        <p:cTn id="22" dur="500"/>
+                                        <p:tgtEl>
+                                          <p:spTgt spid="3">
+                                            <p:txEl>
+                                              <p:pRg st="5" end="5"/>
+                                            </p:txEl>
+                                          </p:spTgt>
+                                        </p:tgtEl>
+                                      </p:cBhvr>
+                                    </p:animEffect>
+                                  </p:childTnLst>
+                                </p:cTn>
+                              </p:par>
+                            </p:childTnLst>
+                          </p:cTn>
+                        </p:par>
+                      </p:childTnLst>
+                    </p:cTn>
+                  </p:par>
+                  <p:par>
+                    <p:cTn id="23" fill="hold">
+                      <p:stCondLst>
+                        <p:cond delay="indefinite"/>
+                      </p:stCondLst>
+                      <p:childTnLst>
+                        <p:par>
+                          <p:cTn id="24" fill="hold">
+                            <p:stCondLst>
+                              <p:cond delay="0"/>
+                            </p:stCondLst>
+                            <p:childTnLst>
+                              <p:par>
+                                <p:cTn id="25" presetID="10" presetClass="entr" presetSubtype="0" fill="hold" grpId="0" nodeType="clickEffect">
+                                  <p:stCondLst>
+                                    <p:cond delay="0"/>
+                                  </p:stCondLst>
+                                  <p:childTnLst>
+                                    <p:set>
+                                      <p:cBhvr>
+                                        <p:cTn id="26" dur="1" fill="hold">
+                                          <p:stCondLst>
+                                            <p:cond delay="0"/>
+                                          </p:stCondLst>
+                                        </p:cTn>
+                                        <p:tgtEl>
+                                          <p:spTgt spid="3">
+                                            <p:txEl>
+                                              <p:pRg st="7" end="7"/>
+                                            </p:txEl>
+                                          </p:spTgt>
+                                        </p:tgtEl>
+                                        <p:attrNameLst>
+                                          <p:attrName>style.visibility</p:attrName>
+                                        </p:attrNameLst>
+                                      </p:cBhvr>
+                                      <p:to>
+                                        <p:strVal val="visible"/>
+                                      </p:to>
+                                    </p:set>
+                                    <p:animEffect transition="in" filter="fade">
+                                      <p:cBhvr>
+                                        <p:cTn id="27" dur="500"/>
+                                        <p:tgtEl>
+                                          <p:spTgt spid="3">
+                                            <p:txEl>
+                                              <p:pRg st="7" end="7"/>
+                                            </p:txEl>
+                                          </p:spTgt>
+                                        </p:tgtEl>
+                                      </p:cBhvr>
+                                    </p:animEffect>
+                                  </p:childTnLst>
+                                </p:cTn>
+                              </p:par>
+                              <p:par>
+                                <p:cTn id="28" presetID="10" presetClass="entr" presetSubtype="0" fill="hold" grpId="0" nodeType="withEffect">
+                                  <p:stCondLst>
+                                    <p:cond delay="0"/>
+                                  </p:stCondLst>
+                                  <p:childTnLst>
+                                    <p:set>
+                                      <p:cBhvr>
+                                        <p:cTn id="29" dur="1" fill="hold">
+                                          <p:stCondLst>
+                                            <p:cond delay="0"/>
+                                          </p:stCondLst>
+                                        </p:cTn>
+                                        <p:tgtEl>
+                                          <p:spTgt spid="3">
+                                            <p:txEl>
+                                              <p:pRg st="8" end="8"/>
+                                            </p:txEl>
+                                          </p:spTgt>
+                                        </p:tgtEl>
+                                        <p:attrNameLst>
+                                          <p:attrName>style.visibility</p:attrName>
+                                        </p:attrNameLst>
+                                      </p:cBhvr>
+                                      <p:to>
+                                        <p:strVal val="visible"/>
+                                      </p:to>
+                                    </p:set>
+                                    <p:animEffect transition="in" filter="fade">
+                                      <p:cBhvr>
+                                        <p:cTn id="30" dur="500"/>
+                                        <p:tgtEl>
+                                          <p:spTgt spid="3">
+                                            <p:txEl>
+                                              <p:pRg st="8" end="8"/>
+                                            </p:txEl>
+                                          </p:spTgt>
+                                        </p:tgtEl>
+                                      </p:cBhvr>
+                                    </p:animEffect>
+                                  </p:childTnLst>
+                                </p:cTn>
+                              </p:par>
+                              <p:par>
+                                <p:cTn id="31" presetID="10" presetClass="entr" presetSubtype="0" fill="hold" grpId="0" nodeType="withEffect">
+                                  <p:stCondLst>
+                                    <p:cond delay="0"/>
+                                  </p:stCondLst>
+                                  <p:childTnLst>
+                                    <p:set>
+                                      <p:cBhvr>
+                                        <p:cTn id="32" dur="1" fill="hold">
+                                          <p:stCondLst>
+                                            <p:cond delay="0"/>
+                                          </p:stCondLst>
+                                        </p:cTn>
+                                        <p:tgtEl>
+                                          <p:spTgt spid="3">
+                                            <p:txEl>
+                                              <p:pRg st="9" end="9"/>
+                                            </p:txEl>
+                                          </p:spTgt>
+                                        </p:tgtEl>
+                                        <p:attrNameLst>
+                                          <p:attrName>style.visibility</p:attrName>
+                                        </p:attrNameLst>
+                                      </p:cBhvr>
+                                      <p:to>
+                                        <p:strVal val="visible"/>
+                                      </p:to>
+                                    </p:set>
+                                    <p:animEffect transition="in" filter="fade">
+                                      <p:cBhvr>
+                                        <p:cTn id="33" dur="500"/>
+                                        <p:tgtEl>
+                                          <p:spTgt spid="3">
+                                            <p:txEl>
+                                              <p:pRg st="9" end="9"/>
+                                            </p:txEl>
+                                          </p:spTgt>
+                                        </p:tgtEl>
+                                      </p:cBhvr>
+                                    </p:animEffect>
+                                  </p:childTnLst>
+                                </p:cTn>
+                              </p:par>
+                            </p:childTnLst>
+                          </p:cTn>
+                        </p:par>
+                      </p:childTnLst>
+                    </p:cTn>
+                  </p:par>
+                </p:childTnLst>
+              </p:cTn>
+              <p:prevCondLst>
+                <p:cond evt="onPrev" delay="0">
+                  <p:tgtEl>
+                    <p:sldTgt/>
+                  </p:tgtEl>
+                </p:cond>
+              </p:prevCondLst>
+              <p:nextCondLst>
+                <p:cond evt="onNext" delay="0">
+                  <p:tgtEl>
+                    <p:sldTgt/>
+                  </p:tgtEl>
+                </p:cond>
+              </p:nextCondLst>
+            </p:seq>
+          </p:childTnLst>
+        </p:cTn>
+      </p:par>
+    </p:tnLst>
+    <p:bldLst>
+      <p:bldP spid="3" grpId="0" uiExpand="1" build="p"/>
+    </p:bldLst>
+  </p:timing>
 </p:sld>
 </file>
 
@@ -5336,6 +9676,283 @@
   <p:clrMapOvr>
     <a:masterClrMapping/>
   </p:clrMapOvr>
+  <p:timing>
+    <p:tnLst>
+      <p:par>
+        <p:cTn id="1" dur="indefinite" restart="never" nodeType="tmRoot">
+          <p:childTnLst>
+            <p:seq concurrent="1" nextAc="seek">
+              <p:cTn id="2" dur="indefinite" nodeType="mainSeq">
+                <p:childTnLst>
+                  <p:par>
+                    <p:cTn id="3" fill="hold">
+                      <p:stCondLst>
+                        <p:cond delay="indefinite"/>
+                      </p:stCondLst>
+                      <p:childTnLst>
+                        <p:par>
+                          <p:cTn id="4" fill="hold">
+                            <p:stCondLst>
+                              <p:cond delay="0"/>
+                            </p:stCondLst>
+                            <p:childTnLst>
+                              <p:par>
+                                <p:cTn id="5" presetID="10" presetClass="entr" presetSubtype="0" fill="hold" grpId="0" nodeType="clickEffect">
+                                  <p:stCondLst>
+                                    <p:cond delay="0"/>
+                                  </p:stCondLst>
+                                  <p:childTnLst>
+                                    <p:set>
+                                      <p:cBhvr>
+                                        <p:cTn id="6" dur="1" fill="hold">
+                                          <p:stCondLst>
+                                            <p:cond delay="0"/>
+                                          </p:stCondLst>
+                                        </p:cTn>
+                                        <p:tgtEl>
+                                          <p:spTgt spid="3">
+                                            <p:txEl>
+                                              <p:pRg st="0" end="0"/>
+                                            </p:txEl>
+                                          </p:spTgt>
+                                        </p:tgtEl>
+                                        <p:attrNameLst>
+                                          <p:attrName>style.visibility</p:attrName>
+                                        </p:attrNameLst>
+                                      </p:cBhvr>
+                                      <p:to>
+                                        <p:strVal val="visible"/>
+                                      </p:to>
+                                    </p:set>
+                                    <p:animEffect transition="in" filter="fade">
+                                      <p:cBhvr>
+                                        <p:cTn id="7" dur="500"/>
+                                        <p:tgtEl>
+                                          <p:spTgt spid="3">
+                                            <p:txEl>
+                                              <p:pRg st="0" end="0"/>
+                                            </p:txEl>
+                                          </p:spTgt>
+                                        </p:tgtEl>
+                                      </p:cBhvr>
+                                    </p:animEffect>
+                                  </p:childTnLst>
+                                </p:cTn>
+                              </p:par>
+                            </p:childTnLst>
+                          </p:cTn>
+                        </p:par>
+                      </p:childTnLst>
+                    </p:cTn>
+                  </p:par>
+                  <p:par>
+                    <p:cTn id="8" fill="hold">
+                      <p:stCondLst>
+                        <p:cond delay="indefinite"/>
+                      </p:stCondLst>
+                      <p:childTnLst>
+                        <p:par>
+                          <p:cTn id="9" fill="hold">
+                            <p:stCondLst>
+                              <p:cond delay="0"/>
+                            </p:stCondLst>
+                            <p:childTnLst>
+                              <p:par>
+                                <p:cTn id="10" presetID="10" presetClass="entr" presetSubtype="0" fill="hold" grpId="0" nodeType="clickEffect">
+                                  <p:stCondLst>
+                                    <p:cond delay="0"/>
+                                  </p:stCondLst>
+                                  <p:childTnLst>
+                                    <p:set>
+                                      <p:cBhvr>
+                                        <p:cTn id="11" dur="1" fill="hold">
+                                          <p:stCondLst>
+                                            <p:cond delay="0"/>
+                                          </p:stCondLst>
+                                        </p:cTn>
+                                        <p:tgtEl>
+                                          <p:spTgt spid="3">
+                                            <p:txEl>
+                                              <p:pRg st="1" end="1"/>
+                                            </p:txEl>
+                                          </p:spTgt>
+                                        </p:tgtEl>
+                                        <p:attrNameLst>
+                                          <p:attrName>style.visibility</p:attrName>
+                                        </p:attrNameLst>
+                                      </p:cBhvr>
+                                      <p:to>
+                                        <p:strVal val="visible"/>
+                                      </p:to>
+                                    </p:set>
+                                    <p:animEffect transition="in" filter="fade">
+                                      <p:cBhvr>
+                                        <p:cTn id="12" dur="500"/>
+                                        <p:tgtEl>
+                                          <p:spTgt spid="3">
+                                            <p:txEl>
+                                              <p:pRg st="1" end="1"/>
+                                            </p:txEl>
+                                          </p:spTgt>
+                                        </p:tgtEl>
+                                      </p:cBhvr>
+                                    </p:animEffect>
+                                  </p:childTnLst>
+                                </p:cTn>
+                              </p:par>
+                            </p:childTnLst>
+                          </p:cTn>
+                        </p:par>
+                      </p:childTnLst>
+                    </p:cTn>
+                  </p:par>
+                  <p:par>
+                    <p:cTn id="13" fill="hold">
+                      <p:stCondLst>
+                        <p:cond delay="indefinite"/>
+                      </p:stCondLst>
+                      <p:childTnLst>
+                        <p:par>
+                          <p:cTn id="14" fill="hold">
+                            <p:stCondLst>
+                              <p:cond delay="0"/>
+                            </p:stCondLst>
+                            <p:childTnLst>
+                              <p:par>
+                                <p:cTn id="15" presetID="10" presetClass="entr" presetSubtype="0" fill="hold" grpId="0" nodeType="clickEffect">
+                                  <p:stCondLst>
+                                    <p:cond delay="0"/>
+                                  </p:stCondLst>
+                                  <p:childTnLst>
+                                    <p:set>
+                                      <p:cBhvr>
+                                        <p:cTn id="16" dur="1" fill="hold">
+                                          <p:stCondLst>
+                                            <p:cond delay="0"/>
+                                          </p:stCondLst>
+                                        </p:cTn>
+                                        <p:tgtEl>
+                                          <p:spTgt spid="3">
+                                            <p:txEl>
+                                              <p:pRg st="2" end="2"/>
+                                            </p:txEl>
+                                          </p:spTgt>
+                                        </p:tgtEl>
+                                        <p:attrNameLst>
+                                          <p:attrName>style.visibility</p:attrName>
+                                        </p:attrNameLst>
+                                      </p:cBhvr>
+                                      <p:to>
+                                        <p:strVal val="visible"/>
+                                      </p:to>
+                                    </p:set>
+                                    <p:animEffect transition="in" filter="fade">
+                                      <p:cBhvr>
+                                        <p:cTn id="17" dur="500"/>
+                                        <p:tgtEl>
+                                          <p:spTgt spid="3">
+                                            <p:txEl>
+                                              <p:pRg st="2" end="2"/>
+                                            </p:txEl>
+                                          </p:spTgt>
+                                        </p:tgtEl>
+                                      </p:cBhvr>
+                                    </p:animEffect>
+                                  </p:childTnLst>
+                                </p:cTn>
+                              </p:par>
+                            </p:childTnLst>
+                          </p:cTn>
+                        </p:par>
+                      </p:childTnLst>
+                    </p:cTn>
+                  </p:par>
+                  <p:par>
+                    <p:cTn id="18" fill="hold">
+                      <p:stCondLst>
+                        <p:cond delay="indefinite"/>
+                      </p:stCondLst>
+                      <p:childTnLst>
+                        <p:par>
+                          <p:cTn id="19" fill="hold">
+                            <p:stCondLst>
+                              <p:cond delay="0"/>
+                            </p:stCondLst>
+                            <p:childTnLst>
+                              <p:par>
+                                <p:cTn id="20" presetID="10" presetClass="entr" presetSubtype="0" fill="hold" grpId="0" nodeType="clickEffect">
+                                  <p:stCondLst>
+                                    <p:cond delay="0"/>
+                                  </p:stCondLst>
+                                  <p:childTnLst>
+                                    <p:set>
+                                      <p:cBhvr>
+                                        <p:cTn id="21" dur="1" fill="hold">
+                                          <p:stCondLst>
+                                            <p:cond delay="0"/>
+                                          </p:stCondLst>
+                                        </p:cTn>
+                                        <p:tgtEl>
+                                          <p:spTgt spid="3">
+                                            <p:txEl>
+                                              <p:pRg st="3" end="3"/>
+                                            </p:txEl>
+                                          </p:spTgt>
+                                        </p:tgtEl>
+                                        <p:attrNameLst>
+                                          <p:attrName>style.visibility</p:attrName>
+                                        </p:attrNameLst>
+                                      </p:cBhvr>
+                                      <p:to>
+                                        <p:strVal val="visible"/>
+                                      </p:to>
+                                    </p:set>
+                                    <p:animEffect transition="in" filter="fade">
+                                      <p:cBhvr>
+                                        <p:cTn id="22" dur="500"/>
+                                        <p:tgtEl>
+                                          <p:spTgt spid="3">
+                                            <p:txEl>
+                                              <p:pRg st="3" end="3"/>
+                                            </p:txEl>
+                                          </p:spTgt>
+                                        </p:tgtEl>
+                                      </p:cBhvr>
+                                    </p:animEffect>
+                                  </p:childTnLst>
+                                </p:cTn>
+                              </p:par>
+                            </p:childTnLst>
+                          </p:cTn>
+                        </p:par>
+                      </p:childTnLst>
+                    </p:cTn>
+                  </p:par>
+                </p:childTnLst>
+              </p:cTn>
+              <p:prevCondLst>
+                <p:cond evt="onPrev" delay="0">
+                  <p:tgtEl>
+                    <p:sldTgt/>
+                  </p:tgtEl>
+                </p:cond>
+              </p:prevCondLst>
+              <p:nextCondLst>
+                <p:cond evt="onNext" delay="0">
+                  <p:tgtEl>
+                    <p:sldTgt/>
+                  </p:tgtEl>
+                </p:cond>
+              </p:nextCondLst>
+            </p:seq>
+          </p:childTnLst>
+        </p:cTn>
+      </p:par>
+    </p:tnLst>
+    <p:bldLst>
+      <p:bldP spid="3" grpId="0" build="p"/>
+    </p:bldLst>
+  </p:timing>
 </p:sld>
 </file>
 
@@ -5454,6 +10071,229 @@
   <p:clrMapOvr>
     <a:masterClrMapping/>
   </p:clrMapOvr>
+  <p:timing>
+    <p:tnLst>
+      <p:par>
+        <p:cTn id="1" dur="indefinite" restart="never" nodeType="tmRoot">
+          <p:childTnLst>
+            <p:seq concurrent="1" nextAc="seek">
+              <p:cTn id="2" dur="indefinite" nodeType="mainSeq">
+                <p:childTnLst>
+                  <p:par>
+                    <p:cTn id="3" fill="hold">
+                      <p:stCondLst>
+                        <p:cond delay="indefinite"/>
+                      </p:stCondLst>
+                      <p:childTnLst>
+                        <p:par>
+                          <p:cTn id="4" fill="hold">
+                            <p:stCondLst>
+                              <p:cond delay="0"/>
+                            </p:stCondLst>
+                            <p:childTnLst>
+                              <p:par>
+                                <p:cTn id="5" presetID="10" presetClass="entr" presetSubtype="0" fill="hold" grpId="0" nodeType="clickEffect">
+                                  <p:stCondLst>
+                                    <p:cond delay="0"/>
+                                  </p:stCondLst>
+                                  <p:childTnLst>
+                                    <p:set>
+                                      <p:cBhvr>
+                                        <p:cTn id="6" dur="1" fill="hold">
+                                          <p:stCondLst>
+                                            <p:cond delay="0"/>
+                                          </p:stCondLst>
+                                        </p:cTn>
+                                        <p:tgtEl>
+                                          <p:spTgt spid="3">
+                                            <p:txEl>
+                                              <p:pRg st="0" end="0"/>
+                                            </p:txEl>
+                                          </p:spTgt>
+                                        </p:tgtEl>
+                                        <p:attrNameLst>
+                                          <p:attrName>style.visibility</p:attrName>
+                                        </p:attrNameLst>
+                                      </p:cBhvr>
+                                      <p:to>
+                                        <p:strVal val="visible"/>
+                                      </p:to>
+                                    </p:set>
+                                    <p:animEffect transition="in" filter="fade">
+                                      <p:cBhvr>
+                                        <p:cTn id="7" dur="500"/>
+                                        <p:tgtEl>
+                                          <p:spTgt spid="3">
+                                            <p:txEl>
+                                              <p:pRg st="0" end="0"/>
+                                            </p:txEl>
+                                          </p:spTgt>
+                                        </p:tgtEl>
+                                      </p:cBhvr>
+                                    </p:animEffect>
+                                  </p:childTnLst>
+                                </p:cTn>
+                              </p:par>
+                              <p:par>
+                                <p:cTn id="8" presetID="10" presetClass="entr" presetSubtype="0" fill="hold" grpId="0" nodeType="withEffect">
+                                  <p:stCondLst>
+                                    <p:cond delay="0"/>
+                                  </p:stCondLst>
+                                  <p:childTnLst>
+                                    <p:set>
+                                      <p:cBhvr>
+                                        <p:cTn id="9" dur="1" fill="hold">
+                                          <p:stCondLst>
+                                            <p:cond delay="0"/>
+                                          </p:stCondLst>
+                                        </p:cTn>
+                                        <p:tgtEl>
+                                          <p:spTgt spid="3">
+                                            <p:txEl>
+                                              <p:pRg st="1" end="1"/>
+                                            </p:txEl>
+                                          </p:spTgt>
+                                        </p:tgtEl>
+                                        <p:attrNameLst>
+                                          <p:attrName>style.visibility</p:attrName>
+                                        </p:attrNameLst>
+                                      </p:cBhvr>
+                                      <p:to>
+                                        <p:strVal val="visible"/>
+                                      </p:to>
+                                    </p:set>
+                                    <p:animEffect transition="in" filter="fade">
+                                      <p:cBhvr>
+                                        <p:cTn id="10" dur="500"/>
+                                        <p:tgtEl>
+                                          <p:spTgt spid="3">
+                                            <p:txEl>
+                                              <p:pRg st="1" end="1"/>
+                                            </p:txEl>
+                                          </p:spTgt>
+                                        </p:tgtEl>
+                                      </p:cBhvr>
+                                    </p:animEffect>
+                                  </p:childTnLst>
+                                </p:cTn>
+                              </p:par>
+                              <p:par>
+                                <p:cTn id="11" presetID="10" presetClass="entr" presetSubtype="0" fill="hold" grpId="0" nodeType="withEffect">
+                                  <p:stCondLst>
+                                    <p:cond delay="0"/>
+                                  </p:stCondLst>
+                                  <p:childTnLst>
+                                    <p:set>
+                                      <p:cBhvr>
+                                        <p:cTn id="12" dur="1" fill="hold">
+                                          <p:stCondLst>
+                                            <p:cond delay="0"/>
+                                          </p:stCondLst>
+                                        </p:cTn>
+                                        <p:tgtEl>
+                                          <p:spTgt spid="3">
+                                            <p:txEl>
+                                              <p:pRg st="2" end="2"/>
+                                            </p:txEl>
+                                          </p:spTgt>
+                                        </p:tgtEl>
+                                        <p:attrNameLst>
+                                          <p:attrName>style.visibility</p:attrName>
+                                        </p:attrNameLst>
+                                      </p:cBhvr>
+                                      <p:to>
+                                        <p:strVal val="visible"/>
+                                      </p:to>
+                                    </p:set>
+                                    <p:animEffect transition="in" filter="fade">
+                                      <p:cBhvr>
+                                        <p:cTn id="13" dur="500"/>
+                                        <p:tgtEl>
+                                          <p:spTgt spid="3">
+                                            <p:txEl>
+                                              <p:pRg st="2" end="2"/>
+                                            </p:txEl>
+                                          </p:spTgt>
+                                        </p:tgtEl>
+                                      </p:cBhvr>
+                                    </p:animEffect>
+                                  </p:childTnLst>
+                                </p:cTn>
+                              </p:par>
+                              <p:par>
+                                <p:cTn id="14" presetID="10" presetClass="entr" presetSubtype="0" fill="hold" grpId="0" nodeType="withEffect">
+                                  <p:stCondLst>
+                                    <p:cond delay="0"/>
+                                  </p:stCondLst>
+                                  <p:childTnLst>
+                                    <p:set>
+                                      <p:cBhvr>
+                                        <p:cTn id="15" dur="1" fill="hold">
+                                          <p:stCondLst>
+                                            <p:cond delay="0"/>
+                                          </p:stCondLst>
+                                        </p:cTn>
+                                        <p:tgtEl>
+                                          <p:spTgt spid="3">
+                                            <p:txEl>
+                                              <p:pRg st="3" end="3"/>
+                                            </p:txEl>
+                                          </p:spTgt>
+                                        </p:tgtEl>
+                                        <p:attrNameLst>
+                                          <p:attrName>style.visibility</p:attrName>
+                                        </p:attrNameLst>
+                                      </p:cBhvr>
+                                      <p:to>
+                                        <p:strVal val="visible"/>
+                                      </p:to>
+                                    </p:set>
+                                    <p:animEffect transition="in" filter="fade">
+                                      <p:cBhvr>
+                                        <p:cTn id="16" dur="500"/>
+                                        <p:tgtEl>
+                                          <p:spTgt spid="3">
+                                            <p:txEl>
+                                              <p:pRg st="3" end="3"/>
+                                            </p:txEl>
+                                          </p:spTgt>
+                                        </p:tgtEl>
+                                      </p:cBhvr>
+                                    </p:animEffect>
+                                  </p:childTnLst>
+                                </p:cTn>
+                              </p:par>
+                            </p:childTnLst>
+                          </p:cTn>
+                        </p:par>
+                      </p:childTnLst>
+                    </p:cTn>
+                  </p:par>
+                </p:childTnLst>
+              </p:cTn>
+              <p:prevCondLst>
+                <p:cond evt="onPrev" delay="0">
+                  <p:tgtEl>
+                    <p:sldTgt/>
+                  </p:tgtEl>
+                </p:cond>
+              </p:prevCondLst>
+              <p:nextCondLst>
+                <p:cond evt="onNext" delay="0">
+                  <p:tgtEl>
+                    <p:sldTgt/>
+                  </p:tgtEl>
+                </p:cond>
+              </p:nextCondLst>
+            </p:seq>
+          </p:childTnLst>
+        </p:cTn>
+      </p:par>
+    </p:tnLst>
+    <p:bldLst>
+      <p:bldP spid="3" grpId="0" build="p"/>
+    </p:bldLst>
+  </p:timing>
 </p:sld>
 </file>
 
@@ -5607,6 +10447,505 @@
   <p:clrMapOvr>
     <a:masterClrMapping/>
   </p:clrMapOvr>
+  <p:timing>
+    <p:tnLst>
+      <p:par>
+        <p:cTn id="1" dur="indefinite" restart="never" nodeType="tmRoot">
+          <p:childTnLst>
+            <p:seq concurrent="1" nextAc="seek">
+              <p:cTn id="2" dur="indefinite" nodeType="mainSeq">
+                <p:childTnLst>
+                  <p:par>
+                    <p:cTn id="3" fill="hold">
+                      <p:stCondLst>
+                        <p:cond delay="indefinite"/>
+                      </p:stCondLst>
+                      <p:childTnLst>
+                        <p:par>
+                          <p:cTn id="4" fill="hold">
+                            <p:stCondLst>
+                              <p:cond delay="0"/>
+                            </p:stCondLst>
+                            <p:childTnLst>
+                              <p:par>
+                                <p:cTn id="5" presetID="10" presetClass="entr" presetSubtype="0" fill="hold" grpId="0" nodeType="clickEffect">
+                                  <p:stCondLst>
+                                    <p:cond delay="0"/>
+                                  </p:stCondLst>
+                                  <p:childTnLst>
+                                    <p:set>
+                                      <p:cBhvr>
+                                        <p:cTn id="6" dur="1" fill="hold">
+                                          <p:stCondLst>
+                                            <p:cond delay="0"/>
+                                          </p:stCondLst>
+                                        </p:cTn>
+                                        <p:tgtEl>
+                                          <p:spTgt spid="3">
+                                            <p:txEl>
+                                              <p:pRg st="0" end="0"/>
+                                            </p:txEl>
+                                          </p:spTgt>
+                                        </p:tgtEl>
+                                        <p:attrNameLst>
+                                          <p:attrName>style.visibility</p:attrName>
+                                        </p:attrNameLst>
+                                      </p:cBhvr>
+                                      <p:to>
+                                        <p:strVal val="visible"/>
+                                      </p:to>
+                                    </p:set>
+                                    <p:animEffect transition="in" filter="fade">
+                                      <p:cBhvr>
+                                        <p:cTn id="7" dur="500"/>
+                                        <p:tgtEl>
+                                          <p:spTgt spid="3">
+                                            <p:txEl>
+                                              <p:pRg st="0" end="0"/>
+                                            </p:txEl>
+                                          </p:spTgt>
+                                        </p:tgtEl>
+                                      </p:cBhvr>
+                                    </p:animEffect>
+                                  </p:childTnLst>
+                                </p:cTn>
+                              </p:par>
+                              <p:par>
+                                <p:cTn id="8" presetID="10" presetClass="entr" presetSubtype="0" fill="hold" grpId="0" nodeType="withEffect">
+                                  <p:stCondLst>
+                                    <p:cond delay="0"/>
+                                  </p:stCondLst>
+                                  <p:childTnLst>
+                                    <p:set>
+                                      <p:cBhvr>
+                                        <p:cTn id="9" dur="1" fill="hold">
+                                          <p:stCondLst>
+                                            <p:cond delay="0"/>
+                                          </p:stCondLst>
+                                        </p:cTn>
+                                        <p:tgtEl>
+                                          <p:spTgt spid="3">
+                                            <p:txEl>
+                                              <p:pRg st="1" end="1"/>
+                                            </p:txEl>
+                                          </p:spTgt>
+                                        </p:tgtEl>
+                                        <p:attrNameLst>
+                                          <p:attrName>style.visibility</p:attrName>
+                                        </p:attrNameLst>
+                                      </p:cBhvr>
+                                      <p:to>
+                                        <p:strVal val="visible"/>
+                                      </p:to>
+                                    </p:set>
+                                    <p:animEffect transition="in" filter="fade">
+                                      <p:cBhvr>
+                                        <p:cTn id="10" dur="500"/>
+                                        <p:tgtEl>
+                                          <p:spTgt spid="3">
+                                            <p:txEl>
+                                              <p:pRg st="1" end="1"/>
+                                            </p:txEl>
+                                          </p:spTgt>
+                                        </p:tgtEl>
+                                      </p:cBhvr>
+                                    </p:animEffect>
+                                  </p:childTnLst>
+                                </p:cTn>
+                              </p:par>
+                              <p:par>
+                                <p:cTn id="11" presetID="10" presetClass="entr" presetSubtype="0" fill="hold" grpId="0" nodeType="withEffect">
+                                  <p:stCondLst>
+                                    <p:cond delay="0"/>
+                                  </p:stCondLst>
+                                  <p:childTnLst>
+                                    <p:set>
+                                      <p:cBhvr>
+                                        <p:cTn id="12" dur="1" fill="hold">
+                                          <p:stCondLst>
+                                            <p:cond delay="0"/>
+                                          </p:stCondLst>
+                                        </p:cTn>
+                                        <p:tgtEl>
+                                          <p:spTgt spid="3">
+                                            <p:txEl>
+                                              <p:pRg st="2" end="2"/>
+                                            </p:txEl>
+                                          </p:spTgt>
+                                        </p:tgtEl>
+                                        <p:attrNameLst>
+                                          <p:attrName>style.visibility</p:attrName>
+                                        </p:attrNameLst>
+                                      </p:cBhvr>
+                                      <p:to>
+                                        <p:strVal val="visible"/>
+                                      </p:to>
+                                    </p:set>
+                                    <p:animEffect transition="in" filter="fade">
+                                      <p:cBhvr>
+                                        <p:cTn id="13" dur="500"/>
+                                        <p:tgtEl>
+                                          <p:spTgt spid="3">
+                                            <p:txEl>
+                                              <p:pRg st="2" end="2"/>
+                                            </p:txEl>
+                                          </p:spTgt>
+                                        </p:tgtEl>
+                                      </p:cBhvr>
+                                    </p:animEffect>
+                                  </p:childTnLst>
+                                </p:cTn>
+                              </p:par>
+                              <p:par>
+                                <p:cTn id="14" presetID="10" presetClass="entr" presetSubtype="0" fill="hold" grpId="0" nodeType="withEffect">
+                                  <p:stCondLst>
+                                    <p:cond delay="0"/>
+                                  </p:stCondLst>
+                                  <p:childTnLst>
+                                    <p:set>
+                                      <p:cBhvr>
+                                        <p:cTn id="15" dur="1" fill="hold">
+                                          <p:stCondLst>
+                                            <p:cond delay="0"/>
+                                          </p:stCondLst>
+                                        </p:cTn>
+                                        <p:tgtEl>
+                                          <p:spTgt spid="3">
+                                            <p:txEl>
+                                              <p:pRg st="3" end="3"/>
+                                            </p:txEl>
+                                          </p:spTgt>
+                                        </p:tgtEl>
+                                        <p:attrNameLst>
+                                          <p:attrName>style.visibility</p:attrName>
+                                        </p:attrNameLst>
+                                      </p:cBhvr>
+                                      <p:to>
+                                        <p:strVal val="visible"/>
+                                      </p:to>
+                                    </p:set>
+                                    <p:animEffect transition="in" filter="fade">
+                                      <p:cBhvr>
+                                        <p:cTn id="16" dur="500"/>
+                                        <p:tgtEl>
+                                          <p:spTgt spid="3">
+                                            <p:txEl>
+                                              <p:pRg st="3" end="3"/>
+                                            </p:txEl>
+                                          </p:spTgt>
+                                        </p:tgtEl>
+                                      </p:cBhvr>
+                                    </p:animEffect>
+                                  </p:childTnLst>
+                                </p:cTn>
+                              </p:par>
+                            </p:childTnLst>
+                          </p:cTn>
+                        </p:par>
+                      </p:childTnLst>
+                    </p:cTn>
+                  </p:par>
+                  <p:par>
+                    <p:cTn id="17" fill="hold">
+                      <p:stCondLst>
+                        <p:cond delay="indefinite"/>
+                      </p:stCondLst>
+                      <p:childTnLst>
+                        <p:par>
+                          <p:cTn id="18" fill="hold">
+                            <p:stCondLst>
+                              <p:cond delay="0"/>
+                            </p:stCondLst>
+                            <p:childTnLst>
+                              <p:par>
+                                <p:cTn id="19" presetID="10" presetClass="entr" presetSubtype="0" fill="hold" grpId="0" nodeType="clickEffect">
+                                  <p:stCondLst>
+                                    <p:cond delay="0"/>
+                                  </p:stCondLst>
+                                  <p:childTnLst>
+                                    <p:set>
+                                      <p:cBhvr>
+                                        <p:cTn id="20" dur="1" fill="hold">
+                                          <p:stCondLst>
+                                            <p:cond delay="0"/>
+                                          </p:stCondLst>
+                                        </p:cTn>
+                                        <p:tgtEl>
+                                          <p:spTgt spid="3">
+                                            <p:txEl>
+                                              <p:pRg st="4" end="4"/>
+                                            </p:txEl>
+                                          </p:spTgt>
+                                        </p:tgtEl>
+                                        <p:attrNameLst>
+                                          <p:attrName>style.visibility</p:attrName>
+                                        </p:attrNameLst>
+                                      </p:cBhvr>
+                                      <p:to>
+                                        <p:strVal val="visible"/>
+                                      </p:to>
+                                    </p:set>
+                                    <p:animEffect transition="in" filter="fade">
+                                      <p:cBhvr>
+                                        <p:cTn id="21" dur="500"/>
+                                        <p:tgtEl>
+                                          <p:spTgt spid="3">
+                                            <p:txEl>
+                                              <p:pRg st="4" end="4"/>
+                                            </p:txEl>
+                                          </p:spTgt>
+                                        </p:tgtEl>
+                                      </p:cBhvr>
+                                    </p:animEffect>
+                                  </p:childTnLst>
+                                </p:cTn>
+                              </p:par>
+                              <p:par>
+                                <p:cTn id="22" presetID="10" presetClass="entr" presetSubtype="0" fill="hold" grpId="0" nodeType="withEffect">
+                                  <p:stCondLst>
+                                    <p:cond delay="0"/>
+                                  </p:stCondLst>
+                                  <p:childTnLst>
+                                    <p:set>
+                                      <p:cBhvr>
+                                        <p:cTn id="23" dur="1" fill="hold">
+                                          <p:stCondLst>
+                                            <p:cond delay="0"/>
+                                          </p:stCondLst>
+                                        </p:cTn>
+                                        <p:tgtEl>
+                                          <p:spTgt spid="3">
+                                            <p:txEl>
+                                              <p:pRg st="5" end="5"/>
+                                            </p:txEl>
+                                          </p:spTgt>
+                                        </p:tgtEl>
+                                        <p:attrNameLst>
+                                          <p:attrName>style.visibility</p:attrName>
+                                        </p:attrNameLst>
+                                      </p:cBhvr>
+                                      <p:to>
+                                        <p:strVal val="visible"/>
+                                      </p:to>
+                                    </p:set>
+                                    <p:animEffect transition="in" filter="fade">
+                                      <p:cBhvr>
+                                        <p:cTn id="24" dur="500"/>
+                                        <p:tgtEl>
+                                          <p:spTgt spid="3">
+                                            <p:txEl>
+                                              <p:pRg st="5" end="5"/>
+                                            </p:txEl>
+                                          </p:spTgt>
+                                        </p:tgtEl>
+                                      </p:cBhvr>
+                                    </p:animEffect>
+                                  </p:childTnLst>
+                                </p:cTn>
+                              </p:par>
+                              <p:par>
+                                <p:cTn id="25" presetID="10" presetClass="entr" presetSubtype="0" fill="hold" grpId="0" nodeType="withEffect">
+                                  <p:stCondLst>
+                                    <p:cond delay="0"/>
+                                  </p:stCondLst>
+                                  <p:childTnLst>
+                                    <p:set>
+                                      <p:cBhvr>
+                                        <p:cTn id="26" dur="1" fill="hold">
+                                          <p:stCondLst>
+                                            <p:cond delay="0"/>
+                                          </p:stCondLst>
+                                        </p:cTn>
+                                        <p:tgtEl>
+                                          <p:spTgt spid="3">
+                                            <p:txEl>
+                                              <p:pRg st="6" end="6"/>
+                                            </p:txEl>
+                                          </p:spTgt>
+                                        </p:tgtEl>
+                                        <p:attrNameLst>
+                                          <p:attrName>style.visibility</p:attrName>
+                                        </p:attrNameLst>
+                                      </p:cBhvr>
+                                      <p:to>
+                                        <p:strVal val="visible"/>
+                                      </p:to>
+                                    </p:set>
+                                    <p:animEffect transition="in" filter="fade">
+                                      <p:cBhvr>
+                                        <p:cTn id="27" dur="500"/>
+                                        <p:tgtEl>
+                                          <p:spTgt spid="3">
+                                            <p:txEl>
+                                              <p:pRg st="6" end="6"/>
+                                            </p:txEl>
+                                          </p:spTgt>
+                                        </p:tgtEl>
+                                      </p:cBhvr>
+                                    </p:animEffect>
+                                  </p:childTnLst>
+                                </p:cTn>
+                              </p:par>
+                              <p:par>
+                                <p:cTn id="28" presetID="10" presetClass="entr" presetSubtype="0" fill="hold" grpId="0" nodeType="withEffect">
+                                  <p:stCondLst>
+                                    <p:cond delay="0"/>
+                                  </p:stCondLst>
+                                  <p:childTnLst>
+                                    <p:set>
+                                      <p:cBhvr>
+                                        <p:cTn id="29" dur="1" fill="hold">
+                                          <p:stCondLst>
+                                            <p:cond delay="0"/>
+                                          </p:stCondLst>
+                                        </p:cTn>
+                                        <p:tgtEl>
+                                          <p:spTgt spid="3">
+                                            <p:txEl>
+                                              <p:pRg st="7" end="7"/>
+                                            </p:txEl>
+                                          </p:spTgt>
+                                        </p:tgtEl>
+                                        <p:attrNameLst>
+                                          <p:attrName>style.visibility</p:attrName>
+                                        </p:attrNameLst>
+                                      </p:cBhvr>
+                                      <p:to>
+                                        <p:strVal val="visible"/>
+                                      </p:to>
+                                    </p:set>
+                                    <p:animEffect transition="in" filter="fade">
+                                      <p:cBhvr>
+                                        <p:cTn id="30" dur="500"/>
+                                        <p:tgtEl>
+                                          <p:spTgt spid="3">
+                                            <p:txEl>
+                                              <p:pRg st="7" end="7"/>
+                                            </p:txEl>
+                                          </p:spTgt>
+                                        </p:tgtEl>
+                                      </p:cBhvr>
+                                    </p:animEffect>
+                                  </p:childTnLst>
+                                </p:cTn>
+                              </p:par>
+                              <p:par>
+                                <p:cTn id="31" presetID="10" presetClass="entr" presetSubtype="0" fill="hold" grpId="0" nodeType="withEffect">
+                                  <p:stCondLst>
+                                    <p:cond delay="0"/>
+                                  </p:stCondLst>
+                                  <p:childTnLst>
+                                    <p:set>
+                                      <p:cBhvr>
+                                        <p:cTn id="32" dur="1" fill="hold">
+                                          <p:stCondLst>
+                                            <p:cond delay="0"/>
+                                          </p:stCondLst>
+                                        </p:cTn>
+                                        <p:tgtEl>
+                                          <p:spTgt spid="3">
+                                            <p:txEl>
+                                              <p:pRg st="8" end="8"/>
+                                            </p:txEl>
+                                          </p:spTgt>
+                                        </p:tgtEl>
+                                        <p:attrNameLst>
+                                          <p:attrName>style.visibility</p:attrName>
+                                        </p:attrNameLst>
+                                      </p:cBhvr>
+                                      <p:to>
+                                        <p:strVal val="visible"/>
+                                      </p:to>
+                                    </p:set>
+                                    <p:animEffect transition="in" filter="fade">
+                                      <p:cBhvr>
+                                        <p:cTn id="33" dur="500"/>
+                                        <p:tgtEl>
+                                          <p:spTgt spid="3">
+                                            <p:txEl>
+                                              <p:pRg st="8" end="8"/>
+                                            </p:txEl>
+                                          </p:spTgt>
+                                        </p:tgtEl>
+                                      </p:cBhvr>
+                                    </p:animEffect>
+                                  </p:childTnLst>
+                                </p:cTn>
+                              </p:par>
+                              <p:par>
+                                <p:cTn id="34" presetID="10" presetClass="entr" presetSubtype="0" fill="hold" grpId="0" nodeType="withEffect">
+                                  <p:stCondLst>
+                                    <p:cond delay="0"/>
+                                  </p:stCondLst>
+                                  <p:childTnLst>
+                                    <p:set>
+                                      <p:cBhvr>
+                                        <p:cTn id="35" dur="1" fill="hold">
+                                          <p:stCondLst>
+                                            <p:cond delay="0"/>
+                                          </p:stCondLst>
+                                        </p:cTn>
+                                        <p:tgtEl>
+                                          <p:spTgt spid="3">
+                                            <p:txEl>
+                                              <p:pRg st="9" end="9"/>
+                                            </p:txEl>
+                                          </p:spTgt>
+                                        </p:tgtEl>
+                                        <p:attrNameLst>
+                                          <p:attrName>style.visibility</p:attrName>
+                                        </p:attrNameLst>
+                                      </p:cBhvr>
+                                      <p:to>
+                                        <p:strVal val="visible"/>
+                                      </p:to>
+                                    </p:set>
+                                    <p:animEffect transition="in" filter="fade">
+                                      <p:cBhvr>
+                                        <p:cTn id="36" dur="500"/>
+                                        <p:tgtEl>
+                                          <p:spTgt spid="3">
+                                            <p:txEl>
+                                              <p:pRg st="9" end="9"/>
+                                            </p:txEl>
+                                          </p:spTgt>
+                                        </p:tgtEl>
+                                      </p:cBhvr>
+                                    </p:animEffect>
+                                  </p:childTnLst>
+                                </p:cTn>
+                              </p:par>
+                            </p:childTnLst>
+                          </p:cTn>
+                        </p:par>
+                      </p:childTnLst>
+                    </p:cTn>
+                  </p:par>
+                </p:childTnLst>
+              </p:cTn>
+              <p:prevCondLst>
+                <p:cond evt="onPrev" delay="0">
+                  <p:tgtEl>
+                    <p:sldTgt/>
+                  </p:tgtEl>
+                </p:cond>
+              </p:prevCondLst>
+              <p:nextCondLst>
+                <p:cond evt="onNext" delay="0">
+                  <p:tgtEl>
+                    <p:sldTgt/>
+                  </p:tgtEl>
+                </p:cond>
+              </p:nextCondLst>
+            </p:seq>
+          </p:childTnLst>
+        </p:cTn>
+      </p:par>
+    </p:tnLst>
+    <p:bldLst>
+      <p:bldP spid="3" grpId="0" uiExpand="1" build="p"/>
+    </p:bldLst>
+  </p:timing>
 </p:sld>
 </file>
 
@@ -5799,6 +11138,344 @@
   <p:clrMapOvr>
     <a:masterClrMapping/>
   </p:clrMapOvr>
+  <p:timing>
+    <p:tnLst>
+      <p:par>
+        <p:cTn id="1" dur="indefinite" restart="never" nodeType="tmRoot">
+          <p:childTnLst>
+            <p:seq concurrent="1" nextAc="seek">
+              <p:cTn id="2" dur="indefinite" nodeType="mainSeq">
+                <p:childTnLst>
+                  <p:par>
+                    <p:cTn id="3" fill="hold">
+                      <p:stCondLst>
+                        <p:cond delay="indefinite"/>
+                      </p:stCondLst>
+                      <p:childTnLst>
+                        <p:par>
+                          <p:cTn id="4" fill="hold">
+                            <p:stCondLst>
+                              <p:cond delay="0"/>
+                            </p:stCondLst>
+                            <p:childTnLst>
+                              <p:par>
+                                <p:cTn id="5" presetID="10" presetClass="entr" presetSubtype="0" fill="hold" grpId="0" nodeType="clickEffect">
+                                  <p:stCondLst>
+                                    <p:cond delay="0"/>
+                                  </p:stCondLst>
+                                  <p:childTnLst>
+                                    <p:set>
+                                      <p:cBhvr>
+                                        <p:cTn id="6" dur="1" fill="hold">
+                                          <p:stCondLst>
+                                            <p:cond delay="0"/>
+                                          </p:stCondLst>
+                                        </p:cTn>
+                                        <p:tgtEl>
+                                          <p:spTgt spid="3">
+                                            <p:txEl>
+                                              <p:pRg st="0" end="0"/>
+                                            </p:txEl>
+                                          </p:spTgt>
+                                        </p:tgtEl>
+                                        <p:attrNameLst>
+                                          <p:attrName>style.visibility</p:attrName>
+                                        </p:attrNameLst>
+                                      </p:cBhvr>
+                                      <p:to>
+                                        <p:strVal val="visible"/>
+                                      </p:to>
+                                    </p:set>
+                                    <p:animEffect transition="in" filter="fade">
+                                      <p:cBhvr>
+                                        <p:cTn id="7" dur="500"/>
+                                        <p:tgtEl>
+                                          <p:spTgt spid="3">
+                                            <p:txEl>
+                                              <p:pRg st="0" end="0"/>
+                                            </p:txEl>
+                                          </p:spTgt>
+                                        </p:tgtEl>
+                                      </p:cBhvr>
+                                    </p:animEffect>
+                                  </p:childTnLst>
+                                </p:cTn>
+                              </p:par>
+                            </p:childTnLst>
+                          </p:cTn>
+                        </p:par>
+                      </p:childTnLst>
+                    </p:cTn>
+                  </p:par>
+                  <p:par>
+                    <p:cTn id="8" fill="hold">
+                      <p:stCondLst>
+                        <p:cond delay="indefinite"/>
+                      </p:stCondLst>
+                      <p:childTnLst>
+                        <p:par>
+                          <p:cTn id="9" fill="hold">
+                            <p:stCondLst>
+                              <p:cond delay="0"/>
+                            </p:stCondLst>
+                            <p:childTnLst>
+                              <p:par>
+                                <p:cTn id="10" presetID="10" presetClass="entr" presetSubtype="0" fill="hold" grpId="0" nodeType="clickEffect">
+                                  <p:stCondLst>
+                                    <p:cond delay="0"/>
+                                  </p:stCondLst>
+                                  <p:childTnLst>
+                                    <p:set>
+                                      <p:cBhvr>
+                                        <p:cTn id="11" dur="1" fill="hold">
+                                          <p:stCondLst>
+                                            <p:cond delay="0"/>
+                                          </p:stCondLst>
+                                        </p:cTn>
+                                        <p:tgtEl>
+                                          <p:spTgt spid="3">
+                                            <p:txEl>
+                                              <p:pRg st="1" end="1"/>
+                                            </p:txEl>
+                                          </p:spTgt>
+                                        </p:tgtEl>
+                                        <p:attrNameLst>
+                                          <p:attrName>style.visibility</p:attrName>
+                                        </p:attrNameLst>
+                                      </p:cBhvr>
+                                      <p:to>
+                                        <p:strVal val="visible"/>
+                                      </p:to>
+                                    </p:set>
+                                    <p:animEffect transition="in" filter="fade">
+                                      <p:cBhvr>
+                                        <p:cTn id="12" dur="500"/>
+                                        <p:tgtEl>
+                                          <p:spTgt spid="3">
+                                            <p:txEl>
+                                              <p:pRg st="1" end="1"/>
+                                            </p:txEl>
+                                          </p:spTgt>
+                                        </p:tgtEl>
+                                      </p:cBhvr>
+                                    </p:animEffect>
+                                  </p:childTnLst>
+                                </p:cTn>
+                              </p:par>
+                            </p:childTnLst>
+                          </p:cTn>
+                        </p:par>
+                      </p:childTnLst>
+                    </p:cTn>
+                  </p:par>
+                  <p:par>
+                    <p:cTn id="13" fill="hold">
+                      <p:stCondLst>
+                        <p:cond delay="indefinite"/>
+                      </p:stCondLst>
+                      <p:childTnLst>
+                        <p:par>
+                          <p:cTn id="14" fill="hold">
+                            <p:stCondLst>
+                              <p:cond delay="0"/>
+                            </p:stCondLst>
+                            <p:childTnLst>
+                              <p:par>
+                                <p:cTn id="15" presetID="10" presetClass="entr" presetSubtype="0" fill="hold" grpId="0" nodeType="clickEffect">
+                                  <p:stCondLst>
+                                    <p:cond delay="0"/>
+                                  </p:stCondLst>
+                                  <p:childTnLst>
+                                    <p:set>
+                                      <p:cBhvr>
+                                        <p:cTn id="16" dur="1" fill="hold">
+                                          <p:stCondLst>
+                                            <p:cond delay="0"/>
+                                          </p:stCondLst>
+                                        </p:cTn>
+                                        <p:tgtEl>
+                                          <p:spTgt spid="3">
+                                            <p:txEl>
+                                              <p:pRg st="2" end="2"/>
+                                            </p:txEl>
+                                          </p:spTgt>
+                                        </p:tgtEl>
+                                        <p:attrNameLst>
+                                          <p:attrName>style.visibility</p:attrName>
+                                        </p:attrNameLst>
+                                      </p:cBhvr>
+                                      <p:to>
+                                        <p:strVal val="visible"/>
+                                      </p:to>
+                                    </p:set>
+                                    <p:animEffect transition="in" filter="fade">
+                                      <p:cBhvr>
+                                        <p:cTn id="17" dur="500"/>
+                                        <p:tgtEl>
+                                          <p:spTgt spid="3">
+                                            <p:txEl>
+                                              <p:pRg st="2" end="2"/>
+                                            </p:txEl>
+                                          </p:spTgt>
+                                        </p:tgtEl>
+                                      </p:cBhvr>
+                                    </p:animEffect>
+                                  </p:childTnLst>
+                                </p:cTn>
+                              </p:par>
+                            </p:childTnLst>
+                          </p:cTn>
+                        </p:par>
+                      </p:childTnLst>
+                    </p:cTn>
+                  </p:par>
+                  <p:par>
+                    <p:cTn id="18" fill="hold">
+                      <p:stCondLst>
+                        <p:cond delay="indefinite"/>
+                      </p:stCondLst>
+                      <p:childTnLst>
+                        <p:par>
+                          <p:cTn id="19" fill="hold">
+                            <p:stCondLst>
+                              <p:cond delay="0"/>
+                            </p:stCondLst>
+                            <p:childTnLst>
+                              <p:par>
+                                <p:cTn id="20" presetID="10" presetClass="entr" presetSubtype="0" fill="hold" grpId="0" nodeType="clickEffect">
+                                  <p:stCondLst>
+                                    <p:cond delay="0"/>
+                                  </p:stCondLst>
+                                  <p:childTnLst>
+                                    <p:set>
+                                      <p:cBhvr>
+                                        <p:cTn id="21" dur="1" fill="hold">
+                                          <p:stCondLst>
+                                            <p:cond delay="0"/>
+                                          </p:stCondLst>
+                                        </p:cTn>
+                                        <p:tgtEl>
+                                          <p:spTgt spid="3">
+                                            <p:txEl>
+                                              <p:pRg st="3" end="3"/>
+                                            </p:txEl>
+                                          </p:spTgt>
+                                        </p:tgtEl>
+                                        <p:attrNameLst>
+                                          <p:attrName>style.visibility</p:attrName>
+                                        </p:attrNameLst>
+                                      </p:cBhvr>
+                                      <p:to>
+                                        <p:strVal val="visible"/>
+                                      </p:to>
+                                    </p:set>
+                                    <p:animEffect transition="in" filter="fade">
+                                      <p:cBhvr>
+                                        <p:cTn id="22" dur="500"/>
+                                        <p:tgtEl>
+                                          <p:spTgt spid="3">
+                                            <p:txEl>
+                                              <p:pRg st="3" end="3"/>
+                                            </p:txEl>
+                                          </p:spTgt>
+                                        </p:tgtEl>
+                                      </p:cBhvr>
+                                    </p:animEffect>
+                                  </p:childTnLst>
+                                </p:cTn>
+                              </p:par>
+                            </p:childTnLst>
+                          </p:cTn>
+                        </p:par>
+                      </p:childTnLst>
+                    </p:cTn>
+                  </p:par>
+                  <p:par>
+                    <p:cTn id="23" fill="hold">
+                      <p:stCondLst>
+                        <p:cond delay="indefinite"/>
+                      </p:stCondLst>
+                      <p:childTnLst>
+                        <p:par>
+                          <p:cTn id="24" fill="hold">
+                            <p:stCondLst>
+                              <p:cond delay="0"/>
+                            </p:stCondLst>
+                            <p:childTnLst>
+                              <p:par>
+                                <p:cTn id="25" presetID="10" presetClass="entr" presetSubtype="0" fill="hold" grpId="0" nodeType="clickEffect">
+                                  <p:stCondLst>
+                                    <p:cond delay="0"/>
+                                  </p:stCondLst>
+                                  <p:childTnLst>
+                                    <p:set>
+                                      <p:cBhvr>
+                                        <p:cTn id="26" dur="1" fill="hold">
+                                          <p:stCondLst>
+                                            <p:cond delay="0"/>
+                                          </p:stCondLst>
+                                        </p:cTn>
+                                        <p:tgtEl>
+                                          <p:spTgt spid="3">
+                                            <p:txEl>
+                                              <p:pRg st="4" end="4"/>
+                                            </p:txEl>
+                                          </p:spTgt>
+                                        </p:tgtEl>
+                                        <p:attrNameLst>
+                                          <p:attrName>style.visibility</p:attrName>
+                                        </p:attrNameLst>
+                                      </p:cBhvr>
+                                      <p:to>
+                                        <p:strVal val="visible"/>
+                                      </p:to>
+                                    </p:set>
+                                    <p:animEffect transition="in" filter="fade">
+                                      <p:cBhvr>
+                                        <p:cTn id="27" dur="500"/>
+                                        <p:tgtEl>
+                                          <p:spTgt spid="3">
+                                            <p:txEl>
+                                              <p:pRg st="4" end="4"/>
+                                            </p:txEl>
+                                          </p:spTgt>
+                                        </p:tgtEl>
+                                      </p:cBhvr>
+                                    </p:animEffect>
+                                  </p:childTnLst>
+                                </p:cTn>
+                              </p:par>
+                            </p:childTnLst>
+                          </p:cTn>
+                        </p:par>
+                      </p:childTnLst>
+                    </p:cTn>
+                  </p:par>
+                </p:childTnLst>
+              </p:cTn>
+              <p:prevCondLst>
+                <p:cond evt="onPrev" delay="0">
+                  <p:tgtEl>
+                    <p:sldTgt/>
+                  </p:tgtEl>
+                </p:cond>
+              </p:prevCondLst>
+              <p:nextCondLst>
+                <p:cond evt="onNext" delay="0">
+                  <p:tgtEl>
+                    <p:sldTgt/>
+                  </p:tgtEl>
+                </p:cond>
+              </p:nextCondLst>
+            </p:seq>
+          </p:childTnLst>
+        </p:cTn>
+      </p:par>
+    </p:tnLst>
+    <p:bldLst>
+      <p:bldP spid="3" grpId="0" build="p"/>
+    </p:bldLst>
+  </p:timing>
 </p:sld>
 </file>
 
@@ -5911,6 +11588,344 @@
   <p:clrMapOvr>
     <a:masterClrMapping/>
   </p:clrMapOvr>
+  <p:timing>
+    <p:tnLst>
+      <p:par>
+        <p:cTn id="1" dur="indefinite" restart="never" nodeType="tmRoot">
+          <p:childTnLst>
+            <p:seq concurrent="1" nextAc="seek">
+              <p:cTn id="2" dur="indefinite" nodeType="mainSeq">
+                <p:childTnLst>
+                  <p:par>
+                    <p:cTn id="3" fill="hold">
+                      <p:stCondLst>
+                        <p:cond delay="indefinite"/>
+                      </p:stCondLst>
+                      <p:childTnLst>
+                        <p:par>
+                          <p:cTn id="4" fill="hold">
+                            <p:stCondLst>
+                              <p:cond delay="0"/>
+                            </p:stCondLst>
+                            <p:childTnLst>
+                              <p:par>
+                                <p:cTn id="5" presetID="10" presetClass="entr" presetSubtype="0" fill="hold" grpId="0" nodeType="clickEffect">
+                                  <p:stCondLst>
+                                    <p:cond delay="0"/>
+                                  </p:stCondLst>
+                                  <p:childTnLst>
+                                    <p:set>
+                                      <p:cBhvr>
+                                        <p:cTn id="6" dur="1" fill="hold">
+                                          <p:stCondLst>
+                                            <p:cond delay="0"/>
+                                          </p:stCondLst>
+                                        </p:cTn>
+                                        <p:tgtEl>
+                                          <p:spTgt spid="3">
+                                            <p:txEl>
+                                              <p:pRg st="0" end="0"/>
+                                            </p:txEl>
+                                          </p:spTgt>
+                                        </p:tgtEl>
+                                        <p:attrNameLst>
+                                          <p:attrName>style.visibility</p:attrName>
+                                        </p:attrNameLst>
+                                      </p:cBhvr>
+                                      <p:to>
+                                        <p:strVal val="visible"/>
+                                      </p:to>
+                                    </p:set>
+                                    <p:animEffect transition="in" filter="fade">
+                                      <p:cBhvr>
+                                        <p:cTn id="7" dur="500"/>
+                                        <p:tgtEl>
+                                          <p:spTgt spid="3">
+                                            <p:txEl>
+                                              <p:pRg st="0" end="0"/>
+                                            </p:txEl>
+                                          </p:spTgt>
+                                        </p:tgtEl>
+                                      </p:cBhvr>
+                                    </p:animEffect>
+                                  </p:childTnLst>
+                                </p:cTn>
+                              </p:par>
+                            </p:childTnLst>
+                          </p:cTn>
+                        </p:par>
+                      </p:childTnLst>
+                    </p:cTn>
+                  </p:par>
+                  <p:par>
+                    <p:cTn id="8" fill="hold">
+                      <p:stCondLst>
+                        <p:cond delay="indefinite"/>
+                      </p:stCondLst>
+                      <p:childTnLst>
+                        <p:par>
+                          <p:cTn id="9" fill="hold">
+                            <p:stCondLst>
+                              <p:cond delay="0"/>
+                            </p:stCondLst>
+                            <p:childTnLst>
+                              <p:par>
+                                <p:cTn id="10" presetID="10" presetClass="entr" presetSubtype="0" fill="hold" grpId="0" nodeType="clickEffect">
+                                  <p:stCondLst>
+                                    <p:cond delay="0"/>
+                                  </p:stCondLst>
+                                  <p:childTnLst>
+                                    <p:set>
+                                      <p:cBhvr>
+                                        <p:cTn id="11" dur="1" fill="hold">
+                                          <p:stCondLst>
+                                            <p:cond delay="0"/>
+                                          </p:stCondLst>
+                                        </p:cTn>
+                                        <p:tgtEl>
+                                          <p:spTgt spid="3">
+                                            <p:txEl>
+                                              <p:pRg st="1" end="1"/>
+                                            </p:txEl>
+                                          </p:spTgt>
+                                        </p:tgtEl>
+                                        <p:attrNameLst>
+                                          <p:attrName>style.visibility</p:attrName>
+                                        </p:attrNameLst>
+                                      </p:cBhvr>
+                                      <p:to>
+                                        <p:strVal val="visible"/>
+                                      </p:to>
+                                    </p:set>
+                                    <p:animEffect transition="in" filter="fade">
+                                      <p:cBhvr>
+                                        <p:cTn id="12" dur="500"/>
+                                        <p:tgtEl>
+                                          <p:spTgt spid="3">
+                                            <p:txEl>
+                                              <p:pRg st="1" end="1"/>
+                                            </p:txEl>
+                                          </p:spTgt>
+                                        </p:tgtEl>
+                                      </p:cBhvr>
+                                    </p:animEffect>
+                                  </p:childTnLst>
+                                </p:cTn>
+                              </p:par>
+                            </p:childTnLst>
+                          </p:cTn>
+                        </p:par>
+                      </p:childTnLst>
+                    </p:cTn>
+                  </p:par>
+                  <p:par>
+                    <p:cTn id="13" fill="hold">
+                      <p:stCondLst>
+                        <p:cond delay="indefinite"/>
+                      </p:stCondLst>
+                      <p:childTnLst>
+                        <p:par>
+                          <p:cTn id="14" fill="hold">
+                            <p:stCondLst>
+                              <p:cond delay="0"/>
+                            </p:stCondLst>
+                            <p:childTnLst>
+                              <p:par>
+                                <p:cTn id="15" presetID="10" presetClass="entr" presetSubtype="0" fill="hold" grpId="0" nodeType="clickEffect">
+                                  <p:stCondLst>
+                                    <p:cond delay="0"/>
+                                  </p:stCondLst>
+                                  <p:childTnLst>
+                                    <p:set>
+                                      <p:cBhvr>
+                                        <p:cTn id="16" dur="1" fill="hold">
+                                          <p:stCondLst>
+                                            <p:cond delay="0"/>
+                                          </p:stCondLst>
+                                        </p:cTn>
+                                        <p:tgtEl>
+                                          <p:spTgt spid="3">
+                                            <p:txEl>
+                                              <p:pRg st="2" end="2"/>
+                                            </p:txEl>
+                                          </p:spTgt>
+                                        </p:tgtEl>
+                                        <p:attrNameLst>
+                                          <p:attrName>style.visibility</p:attrName>
+                                        </p:attrNameLst>
+                                      </p:cBhvr>
+                                      <p:to>
+                                        <p:strVal val="visible"/>
+                                      </p:to>
+                                    </p:set>
+                                    <p:animEffect transition="in" filter="fade">
+                                      <p:cBhvr>
+                                        <p:cTn id="17" dur="500"/>
+                                        <p:tgtEl>
+                                          <p:spTgt spid="3">
+                                            <p:txEl>
+                                              <p:pRg st="2" end="2"/>
+                                            </p:txEl>
+                                          </p:spTgt>
+                                        </p:tgtEl>
+                                      </p:cBhvr>
+                                    </p:animEffect>
+                                  </p:childTnLst>
+                                </p:cTn>
+                              </p:par>
+                            </p:childTnLst>
+                          </p:cTn>
+                        </p:par>
+                      </p:childTnLst>
+                    </p:cTn>
+                  </p:par>
+                  <p:par>
+                    <p:cTn id="18" fill="hold">
+                      <p:stCondLst>
+                        <p:cond delay="indefinite"/>
+                      </p:stCondLst>
+                      <p:childTnLst>
+                        <p:par>
+                          <p:cTn id="19" fill="hold">
+                            <p:stCondLst>
+                              <p:cond delay="0"/>
+                            </p:stCondLst>
+                            <p:childTnLst>
+                              <p:par>
+                                <p:cTn id="20" presetID="10" presetClass="entr" presetSubtype="0" fill="hold" grpId="0" nodeType="clickEffect">
+                                  <p:stCondLst>
+                                    <p:cond delay="0"/>
+                                  </p:stCondLst>
+                                  <p:childTnLst>
+                                    <p:set>
+                                      <p:cBhvr>
+                                        <p:cTn id="21" dur="1" fill="hold">
+                                          <p:stCondLst>
+                                            <p:cond delay="0"/>
+                                          </p:stCondLst>
+                                        </p:cTn>
+                                        <p:tgtEl>
+                                          <p:spTgt spid="3">
+                                            <p:txEl>
+                                              <p:pRg st="3" end="3"/>
+                                            </p:txEl>
+                                          </p:spTgt>
+                                        </p:tgtEl>
+                                        <p:attrNameLst>
+                                          <p:attrName>style.visibility</p:attrName>
+                                        </p:attrNameLst>
+                                      </p:cBhvr>
+                                      <p:to>
+                                        <p:strVal val="visible"/>
+                                      </p:to>
+                                    </p:set>
+                                    <p:animEffect transition="in" filter="fade">
+                                      <p:cBhvr>
+                                        <p:cTn id="22" dur="500"/>
+                                        <p:tgtEl>
+                                          <p:spTgt spid="3">
+                                            <p:txEl>
+                                              <p:pRg st="3" end="3"/>
+                                            </p:txEl>
+                                          </p:spTgt>
+                                        </p:tgtEl>
+                                      </p:cBhvr>
+                                    </p:animEffect>
+                                  </p:childTnLst>
+                                </p:cTn>
+                              </p:par>
+                            </p:childTnLst>
+                          </p:cTn>
+                        </p:par>
+                      </p:childTnLst>
+                    </p:cTn>
+                  </p:par>
+                  <p:par>
+                    <p:cTn id="23" fill="hold">
+                      <p:stCondLst>
+                        <p:cond delay="indefinite"/>
+                      </p:stCondLst>
+                      <p:childTnLst>
+                        <p:par>
+                          <p:cTn id="24" fill="hold">
+                            <p:stCondLst>
+                              <p:cond delay="0"/>
+                            </p:stCondLst>
+                            <p:childTnLst>
+                              <p:par>
+                                <p:cTn id="25" presetID="10" presetClass="entr" presetSubtype="0" fill="hold" grpId="0" nodeType="clickEffect">
+                                  <p:stCondLst>
+                                    <p:cond delay="0"/>
+                                  </p:stCondLst>
+                                  <p:childTnLst>
+                                    <p:set>
+                                      <p:cBhvr>
+                                        <p:cTn id="26" dur="1" fill="hold">
+                                          <p:stCondLst>
+                                            <p:cond delay="0"/>
+                                          </p:stCondLst>
+                                        </p:cTn>
+                                        <p:tgtEl>
+                                          <p:spTgt spid="3">
+                                            <p:txEl>
+                                              <p:pRg st="4" end="4"/>
+                                            </p:txEl>
+                                          </p:spTgt>
+                                        </p:tgtEl>
+                                        <p:attrNameLst>
+                                          <p:attrName>style.visibility</p:attrName>
+                                        </p:attrNameLst>
+                                      </p:cBhvr>
+                                      <p:to>
+                                        <p:strVal val="visible"/>
+                                      </p:to>
+                                    </p:set>
+                                    <p:animEffect transition="in" filter="fade">
+                                      <p:cBhvr>
+                                        <p:cTn id="27" dur="500"/>
+                                        <p:tgtEl>
+                                          <p:spTgt spid="3">
+                                            <p:txEl>
+                                              <p:pRg st="4" end="4"/>
+                                            </p:txEl>
+                                          </p:spTgt>
+                                        </p:tgtEl>
+                                      </p:cBhvr>
+                                    </p:animEffect>
+                                  </p:childTnLst>
+                                </p:cTn>
+                              </p:par>
+                            </p:childTnLst>
+                          </p:cTn>
+                        </p:par>
+                      </p:childTnLst>
+                    </p:cTn>
+                  </p:par>
+                </p:childTnLst>
+              </p:cTn>
+              <p:prevCondLst>
+                <p:cond evt="onPrev" delay="0">
+                  <p:tgtEl>
+                    <p:sldTgt/>
+                  </p:tgtEl>
+                </p:cond>
+              </p:prevCondLst>
+              <p:nextCondLst>
+                <p:cond evt="onNext" delay="0">
+                  <p:tgtEl>
+                    <p:sldTgt/>
+                  </p:tgtEl>
+                </p:cond>
+              </p:nextCondLst>
+            </p:seq>
+          </p:childTnLst>
+        </p:cTn>
+      </p:par>
+    </p:tnLst>
+    <p:bldLst>
+      <p:bldP spid="3" grpId="0" build="p"/>
+    </p:bldLst>
+  </p:timing>
 </p:sld>
 </file>
 
@@ -6017,6 +12032,283 @@
   <p:clrMapOvr>
     <a:masterClrMapping/>
   </p:clrMapOvr>
+  <p:timing>
+    <p:tnLst>
+      <p:par>
+        <p:cTn id="1" dur="indefinite" restart="never" nodeType="tmRoot">
+          <p:childTnLst>
+            <p:seq concurrent="1" nextAc="seek">
+              <p:cTn id="2" dur="indefinite" nodeType="mainSeq">
+                <p:childTnLst>
+                  <p:par>
+                    <p:cTn id="3" fill="hold">
+                      <p:stCondLst>
+                        <p:cond delay="indefinite"/>
+                      </p:stCondLst>
+                      <p:childTnLst>
+                        <p:par>
+                          <p:cTn id="4" fill="hold">
+                            <p:stCondLst>
+                              <p:cond delay="0"/>
+                            </p:stCondLst>
+                            <p:childTnLst>
+                              <p:par>
+                                <p:cTn id="5" presetID="10" presetClass="entr" presetSubtype="0" fill="hold" grpId="0" nodeType="clickEffect">
+                                  <p:stCondLst>
+                                    <p:cond delay="0"/>
+                                  </p:stCondLst>
+                                  <p:childTnLst>
+                                    <p:set>
+                                      <p:cBhvr>
+                                        <p:cTn id="6" dur="1" fill="hold">
+                                          <p:stCondLst>
+                                            <p:cond delay="0"/>
+                                          </p:stCondLst>
+                                        </p:cTn>
+                                        <p:tgtEl>
+                                          <p:spTgt spid="3">
+                                            <p:txEl>
+                                              <p:pRg st="0" end="0"/>
+                                            </p:txEl>
+                                          </p:spTgt>
+                                        </p:tgtEl>
+                                        <p:attrNameLst>
+                                          <p:attrName>style.visibility</p:attrName>
+                                        </p:attrNameLst>
+                                      </p:cBhvr>
+                                      <p:to>
+                                        <p:strVal val="visible"/>
+                                      </p:to>
+                                    </p:set>
+                                    <p:animEffect transition="in" filter="fade">
+                                      <p:cBhvr>
+                                        <p:cTn id="7" dur="500"/>
+                                        <p:tgtEl>
+                                          <p:spTgt spid="3">
+                                            <p:txEl>
+                                              <p:pRg st="0" end="0"/>
+                                            </p:txEl>
+                                          </p:spTgt>
+                                        </p:tgtEl>
+                                      </p:cBhvr>
+                                    </p:animEffect>
+                                  </p:childTnLst>
+                                </p:cTn>
+                              </p:par>
+                            </p:childTnLst>
+                          </p:cTn>
+                        </p:par>
+                      </p:childTnLst>
+                    </p:cTn>
+                  </p:par>
+                  <p:par>
+                    <p:cTn id="8" fill="hold">
+                      <p:stCondLst>
+                        <p:cond delay="indefinite"/>
+                      </p:stCondLst>
+                      <p:childTnLst>
+                        <p:par>
+                          <p:cTn id="9" fill="hold">
+                            <p:stCondLst>
+                              <p:cond delay="0"/>
+                            </p:stCondLst>
+                            <p:childTnLst>
+                              <p:par>
+                                <p:cTn id="10" presetID="10" presetClass="entr" presetSubtype="0" fill="hold" grpId="0" nodeType="clickEffect">
+                                  <p:stCondLst>
+                                    <p:cond delay="0"/>
+                                  </p:stCondLst>
+                                  <p:childTnLst>
+                                    <p:set>
+                                      <p:cBhvr>
+                                        <p:cTn id="11" dur="1" fill="hold">
+                                          <p:stCondLst>
+                                            <p:cond delay="0"/>
+                                          </p:stCondLst>
+                                        </p:cTn>
+                                        <p:tgtEl>
+                                          <p:spTgt spid="3">
+                                            <p:txEl>
+                                              <p:pRg st="1" end="1"/>
+                                            </p:txEl>
+                                          </p:spTgt>
+                                        </p:tgtEl>
+                                        <p:attrNameLst>
+                                          <p:attrName>style.visibility</p:attrName>
+                                        </p:attrNameLst>
+                                      </p:cBhvr>
+                                      <p:to>
+                                        <p:strVal val="visible"/>
+                                      </p:to>
+                                    </p:set>
+                                    <p:animEffect transition="in" filter="fade">
+                                      <p:cBhvr>
+                                        <p:cTn id="12" dur="500"/>
+                                        <p:tgtEl>
+                                          <p:spTgt spid="3">
+                                            <p:txEl>
+                                              <p:pRg st="1" end="1"/>
+                                            </p:txEl>
+                                          </p:spTgt>
+                                        </p:tgtEl>
+                                      </p:cBhvr>
+                                    </p:animEffect>
+                                  </p:childTnLst>
+                                </p:cTn>
+                              </p:par>
+                            </p:childTnLst>
+                          </p:cTn>
+                        </p:par>
+                      </p:childTnLst>
+                    </p:cTn>
+                  </p:par>
+                  <p:par>
+                    <p:cTn id="13" fill="hold">
+                      <p:stCondLst>
+                        <p:cond delay="indefinite"/>
+                      </p:stCondLst>
+                      <p:childTnLst>
+                        <p:par>
+                          <p:cTn id="14" fill="hold">
+                            <p:stCondLst>
+                              <p:cond delay="0"/>
+                            </p:stCondLst>
+                            <p:childTnLst>
+                              <p:par>
+                                <p:cTn id="15" presetID="10" presetClass="entr" presetSubtype="0" fill="hold" grpId="0" nodeType="clickEffect">
+                                  <p:stCondLst>
+                                    <p:cond delay="0"/>
+                                  </p:stCondLst>
+                                  <p:childTnLst>
+                                    <p:set>
+                                      <p:cBhvr>
+                                        <p:cTn id="16" dur="1" fill="hold">
+                                          <p:stCondLst>
+                                            <p:cond delay="0"/>
+                                          </p:stCondLst>
+                                        </p:cTn>
+                                        <p:tgtEl>
+                                          <p:spTgt spid="3">
+                                            <p:txEl>
+                                              <p:pRg st="2" end="2"/>
+                                            </p:txEl>
+                                          </p:spTgt>
+                                        </p:tgtEl>
+                                        <p:attrNameLst>
+                                          <p:attrName>style.visibility</p:attrName>
+                                        </p:attrNameLst>
+                                      </p:cBhvr>
+                                      <p:to>
+                                        <p:strVal val="visible"/>
+                                      </p:to>
+                                    </p:set>
+                                    <p:animEffect transition="in" filter="fade">
+                                      <p:cBhvr>
+                                        <p:cTn id="17" dur="500"/>
+                                        <p:tgtEl>
+                                          <p:spTgt spid="3">
+                                            <p:txEl>
+                                              <p:pRg st="2" end="2"/>
+                                            </p:txEl>
+                                          </p:spTgt>
+                                        </p:tgtEl>
+                                      </p:cBhvr>
+                                    </p:animEffect>
+                                  </p:childTnLst>
+                                </p:cTn>
+                              </p:par>
+                            </p:childTnLst>
+                          </p:cTn>
+                        </p:par>
+                      </p:childTnLst>
+                    </p:cTn>
+                  </p:par>
+                  <p:par>
+                    <p:cTn id="18" fill="hold">
+                      <p:stCondLst>
+                        <p:cond delay="indefinite"/>
+                      </p:stCondLst>
+                      <p:childTnLst>
+                        <p:par>
+                          <p:cTn id="19" fill="hold">
+                            <p:stCondLst>
+                              <p:cond delay="0"/>
+                            </p:stCondLst>
+                            <p:childTnLst>
+                              <p:par>
+                                <p:cTn id="20" presetID="10" presetClass="entr" presetSubtype="0" fill="hold" grpId="0" nodeType="clickEffect">
+                                  <p:stCondLst>
+                                    <p:cond delay="0"/>
+                                  </p:stCondLst>
+                                  <p:childTnLst>
+                                    <p:set>
+                                      <p:cBhvr>
+                                        <p:cTn id="21" dur="1" fill="hold">
+                                          <p:stCondLst>
+                                            <p:cond delay="0"/>
+                                          </p:stCondLst>
+                                        </p:cTn>
+                                        <p:tgtEl>
+                                          <p:spTgt spid="3">
+                                            <p:txEl>
+                                              <p:pRg st="3" end="3"/>
+                                            </p:txEl>
+                                          </p:spTgt>
+                                        </p:tgtEl>
+                                        <p:attrNameLst>
+                                          <p:attrName>style.visibility</p:attrName>
+                                        </p:attrNameLst>
+                                      </p:cBhvr>
+                                      <p:to>
+                                        <p:strVal val="visible"/>
+                                      </p:to>
+                                    </p:set>
+                                    <p:animEffect transition="in" filter="fade">
+                                      <p:cBhvr>
+                                        <p:cTn id="22" dur="500"/>
+                                        <p:tgtEl>
+                                          <p:spTgt spid="3">
+                                            <p:txEl>
+                                              <p:pRg st="3" end="3"/>
+                                            </p:txEl>
+                                          </p:spTgt>
+                                        </p:tgtEl>
+                                      </p:cBhvr>
+                                    </p:animEffect>
+                                  </p:childTnLst>
+                                </p:cTn>
+                              </p:par>
+                            </p:childTnLst>
+                          </p:cTn>
+                        </p:par>
+                      </p:childTnLst>
+                    </p:cTn>
+                  </p:par>
+                </p:childTnLst>
+              </p:cTn>
+              <p:prevCondLst>
+                <p:cond evt="onPrev" delay="0">
+                  <p:tgtEl>
+                    <p:sldTgt/>
+                  </p:tgtEl>
+                </p:cond>
+              </p:prevCondLst>
+              <p:nextCondLst>
+                <p:cond evt="onNext" delay="0">
+                  <p:tgtEl>
+                    <p:sldTgt/>
+                  </p:tgtEl>
+                </p:cond>
+              </p:nextCondLst>
+            </p:seq>
+          </p:childTnLst>
+        </p:cTn>
+      </p:par>
+    </p:tnLst>
+    <p:bldLst>
+      <p:bldP spid="3" grpId="0" build="p"/>
+    </p:bldLst>
+  </p:timing>
 </p:sld>
 </file>
 
@@ -6329,6 +12621,405 @@
   <p:clrMapOvr>
     <a:masterClrMapping/>
   </p:clrMapOvr>
+  <p:timing>
+    <p:tnLst>
+      <p:par>
+        <p:cTn id="1" dur="indefinite" restart="never" nodeType="tmRoot">
+          <p:childTnLst>
+            <p:seq concurrent="1" nextAc="seek">
+              <p:cTn id="2" dur="indefinite" nodeType="mainSeq">
+                <p:childTnLst>
+                  <p:par>
+                    <p:cTn id="3" fill="hold">
+                      <p:stCondLst>
+                        <p:cond delay="indefinite"/>
+                      </p:stCondLst>
+                      <p:childTnLst>
+                        <p:par>
+                          <p:cTn id="4" fill="hold">
+                            <p:stCondLst>
+                              <p:cond delay="0"/>
+                            </p:stCondLst>
+                            <p:childTnLst>
+                              <p:par>
+                                <p:cTn id="5" presetID="10" presetClass="entr" presetSubtype="0" fill="hold" grpId="0" nodeType="clickEffect">
+                                  <p:stCondLst>
+                                    <p:cond delay="0"/>
+                                  </p:stCondLst>
+                                  <p:childTnLst>
+                                    <p:set>
+                                      <p:cBhvr>
+                                        <p:cTn id="6" dur="1" fill="hold">
+                                          <p:stCondLst>
+                                            <p:cond delay="0"/>
+                                          </p:stCondLst>
+                                        </p:cTn>
+                                        <p:tgtEl>
+                                          <p:spTgt spid="3">
+                                            <p:txEl>
+                                              <p:pRg st="0" end="0"/>
+                                            </p:txEl>
+                                          </p:spTgt>
+                                        </p:tgtEl>
+                                        <p:attrNameLst>
+                                          <p:attrName>style.visibility</p:attrName>
+                                        </p:attrNameLst>
+                                      </p:cBhvr>
+                                      <p:to>
+                                        <p:strVal val="visible"/>
+                                      </p:to>
+                                    </p:set>
+                                    <p:animEffect transition="in" filter="fade">
+                                      <p:cBhvr>
+                                        <p:cTn id="7" dur="500"/>
+                                        <p:tgtEl>
+                                          <p:spTgt spid="3">
+                                            <p:txEl>
+                                              <p:pRg st="0" end="0"/>
+                                            </p:txEl>
+                                          </p:spTgt>
+                                        </p:tgtEl>
+                                      </p:cBhvr>
+                                    </p:animEffect>
+                                  </p:childTnLst>
+                                </p:cTn>
+                              </p:par>
+                            </p:childTnLst>
+                          </p:cTn>
+                        </p:par>
+                      </p:childTnLst>
+                    </p:cTn>
+                  </p:par>
+                  <p:par>
+                    <p:cTn id="8" fill="hold">
+                      <p:stCondLst>
+                        <p:cond delay="indefinite"/>
+                      </p:stCondLst>
+                      <p:childTnLst>
+                        <p:par>
+                          <p:cTn id="9" fill="hold">
+                            <p:stCondLst>
+                              <p:cond delay="0"/>
+                            </p:stCondLst>
+                            <p:childTnLst>
+                              <p:par>
+                                <p:cTn id="10" presetID="10" presetClass="entr" presetSubtype="0" fill="hold" grpId="0" nodeType="clickEffect">
+                                  <p:stCondLst>
+                                    <p:cond delay="0"/>
+                                  </p:stCondLst>
+                                  <p:childTnLst>
+                                    <p:set>
+                                      <p:cBhvr>
+                                        <p:cTn id="11" dur="1" fill="hold">
+                                          <p:stCondLst>
+                                            <p:cond delay="0"/>
+                                          </p:stCondLst>
+                                        </p:cTn>
+                                        <p:tgtEl>
+                                          <p:spTgt spid="3">
+                                            <p:txEl>
+                                              <p:pRg st="1" end="1"/>
+                                            </p:txEl>
+                                          </p:spTgt>
+                                        </p:tgtEl>
+                                        <p:attrNameLst>
+                                          <p:attrName>style.visibility</p:attrName>
+                                        </p:attrNameLst>
+                                      </p:cBhvr>
+                                      <p:to>
+                                        <p:strVal val="visible"/>
+                                      </p:to>
+                                    </p:set>
+                                    <p:animEffect transition="in" filter="fade">
+                                      <p:cBhvr>
+                                        <p:cTn id="12" dur="500"/>
+                                        <p:tgtEl>
+                                          <p:spTgt spid="3">
+                                            <p:txEl>
+                                              <p:pRg st="1" end="1"/>
+                                            </p:txEl>
+                                          </p:spTgt>
+                                        </p:tgtEl>
+                                      </p:cBhvr>
+                                    </p:animEffect>
+                                  </p:childTnLst>
+                                </p:cTn>
+                              </p:par>
+                            </p:childTnLst>
+                          </p:cTn>
+                        </p:par>
+                      </p:childTnLst>
+                    </p:cTn>
+                  </p:par>
+                  <p:par>
+                    <p:cTn id="13" fill="hold">
+                      <p:stCondLst>
+                        <p:cond delay="indefinite"/>
+                      </p:stCondLst>
+                      <p:childTnLst>
+                        <p:par>
+                          <p:cTn id="14" fill="hold">
+                            <p:stCondLst>
+                              <p:cond delay="0"/>
+                            </p:stCondLst>
+                            <p:childTnLst>
+                              <p:par>
+                                <p:cTn id="15" presetID="10" presetClass="entr" presetSubtype="0" fill="hold" grpId="0" nodeType="clickEffect">
+                                  <p:stCondLst>
+                                    <p:cond delay="0"/>
+                                  </p:stCondLst>
+                                  <p:childTnLst>
+                                    <p:set>
+                                      <p:cBhvr>
+                                        <p:cTn id="16" dur="1" fill="hold">
+                                          <p:stCondLst>
+                                            <p:cond delay="0"/>
+                                          </p:stCondLst>
+                                        </p:cTn>
+                                        <p:tgtEl>
+                                          <p:spTgt spid="3">
+                                            <p:txEl>
+                                              <p:pRg st="2" end="2"/>
+                                            </p:txEl>
+                                          </p:spTgt>
+                                        </p:tgtEl>
+                                        <p:attrNameLst>
+                                          <p:attrName>style.visibility</p:attrName>
+                                        </p:attrNameLst>
+                                      </p:cBhvr>
+                                      <p:to>
+                                        <p:strVal val="visible"/>
+                                      </p:to>
+                                    </p:set>
+                                    <p:animEffect transition="in" filter="fade">
+                                      <p:cBhvr>
+                                        <p:cTn id="17" dur="500"/>
+                                        <p:tgtEl>
+                                          <p:spTgt spid="3">
+                                            <p:txEl>
+                                              <p:pRg st="2" end="2"/>
+                                            </p:txEl>
+                                          </p:spTgt>
+                                        </p:tgtEl>
+                                      </p:cBhvr>
+                                    </p:animEffect>
+                                  </p:childTnLst>
+                                </p:cTn>
+                              </p:par>
+                            </p:childTnLst>
+                          </p:cTn>
+                        </p:par>
+                      </p:childTnLst>
+                    </p:cTn>
+                  </p:par>
+                  <p:par>
+                    <p:cTn id="18" fill="hold">
+                      <p:stCondLst>
+                        <p:cond delay="indefinite"/>
+                      </p:stCondLst>
+                      <p:childTnLst>
+                        <p:par>
+                          <p:cTn id="19" fill="hold">
+                            <p:stCondLst>
+                              <p:cond delay="0"/>
+                            </p:stCondLst>
+                            <p:childTnLst>
+                              <p:par>
+                                <p:cTn id="20" presetID="10" presetClass="entr" presetSubtype="0" fill="hold" grpId="0" nodeType="clickEffect">
+                                  <p:stCondLst>
+                                    <p:cond delay="0"/>
+                                  </p:stCondLst>
+                                  <p:childTnLst>
+                                    <p:set>
+                                      <p:cBhvr>
+                                        <p:cTn id="21" dur="1" fill="hold">
+                                          <p:stCondLst>
+                                            <p:cond delay="0"/>
+                                          </p:stCondLst>
+                                        </p:cTn>
+                                        <p:tgtEl>
+                                          <p:spTgt spid="3">
+                                            <p:txEl>
+                                              <p:pRg st="3" end="3"/>
+                                            </p:txEl>
+                                          </p:spTgt>
+                                        </p:tgtEl>
+                                        <p:attrNameLst>
+                                          <p:attrName>style.visibility</p:attrName>
+                                        </p:attrNameLst>
+                                      </p:cBhvr>
+                                      <p:to>
+                                        <p:strVal val="visible"/>
+                                      </p:to>
+                                    </p:set>
+                                    <p:animEffect transition="in" filter="fade">
+                                      <p:cBhvr>
+                                        <p:cTn id="22" dur="500"/>
+                                        <p:tgtEl>
+                                          <p:spTgt spid="3">
+                                            <p:txEl>
+                                              <p:pRg st="3" end="3"/>
+                                            </p:txEl>
+                                          </p:spTgt>
+                                        </p:tgtEl>
+                                      </p:cBhvr>
+                                    </p:animEffect>
+                                  </p:childTnLst>
+                                </p:cTn>
+                              </p:par>
+                            </p:childTnLst>
+                          </p:cTn>
+                        </p:par>
+                      </p:childTnLst>
+                    </p:cTn>
+                  </p:par>
+                  <p:par>
+                    <p:cTn id="23" fill="hold">
+                      <p:stCondLst>
+                        <p:cond delay="indefinite"/>
+                      </p:stCondLst>
+                      <p:childTnLst>
+                        <p:par>
+                          <p:cTn id="24" fill="hold">
+                            <p:stCondLst>
+                              <p:cond delay="0"/>
+                            </p:stCondLst>
+                            <p:childTnLst>
+                              <p:par>
+                                <p:cTn id="25" presetID="10" presetClass="entr" presetSubtype="0" fill="hold" grpId="0" nodeType="clickEffect">
+                                  <p:stCondLst>
+                                    <p:cond delay="0"/>
+                                  </p:stCondLst>
+                                  <p:childTnLst>
+                                    <p:set>
+                                      <p:cBhvr>
+                                        <p:cTn id="26" dur="1" fill="hold">
+                                          <p:stCondLst>
+                                            <p:cond delay="0"/>
+                                          </p:stCondLst>
+                                        </p:cTn>
+                                        <p:tgtEl>
+                                          <p:spTgt spid="3">
+                                            <p:txEl>
+                                              <p:pRg st="4" end="4"/>
+                                            </p:txEl>
+                                          </p:spTgt>
+                                        </p:tgtEl>
+                                        <p:attrNameLst>
+                                          <p:attrName>style.visibility</p:attrName>
+                                        </p:attrNameLst>
+                                      </p:cBhvr>
+                                      <p:to>
+                                        <p:strVal val="visible"/>
+                                      </p:to>
+                                    </p:set>
+                                    <p:animEffect transition="in" filter="fade">
+                                      <p:cBhvr>
+                                        <p:cTn id="27" dur="500"/>
+                                        <p:tgtEl>
+                                          <p:spTgt spid="3">
+                                            <p:txEl>
+                                              <p:pRg st="4" end="4"/>
+                                            </p:txEl>
+                                          </p:spTgt>
+                                        </p:tgtEl>
+                                      </p:cBhvr>
+                                    </p:animEffect>
+                                  </p:childTnLst>
+                                </p:cTn>
+                              </p:par>
+                            </p:childTnLst>
+                          </p:cTn>
+                        </p:par>
+                      </p:childTnLst>
+                    </p:cTn>
+                  </p:par>
+                  <p:par>
+                    <p:cTn id="28" fill="hold">
+                      <p:stCondLst>
+                        <p:cond delay="indefinite"/>
+                      </p:stCondLst>
+                      <p:childTnLst>
+                        <p:par>
+                          <p:cTn id="29" fill="hold">
+                            <p:stCondLst>
+                              <p:cond delay="0"/>
+                            </p:stCondLst>
+                            <p:childTnLst>
+                              <p:par>
+                                <p:cTn id="30" presetID="10" presetClass="entr" presetSubtype="0" fill="hold" grpId="0" nodeType="clickEffect">
+                                  <p:stCondLst>
+                                    <p:cond delay="0"/>
+                                  </p:stCondLst>
+                                  <p:childTnLst>
+                                    <p:set>
+                                      <p:cBhvr>
+                                        <p:cTn id="31" dur="1" fill="hold">
+                                          <p:stCondLst>
+                                            <p:cond delay="0"/>
+                                          </p:stCondLst>
+                                        </p:cTn>
+                                        <p:tgtEl>
+                                          <p:spTgt spid="3">
+                                            <p:txEl>
+                                              <p:pRg st="5" end="5"/>
+                                            </p:txEl>
+                                          </p:spTgt>
+                                        </p:tgtEl>
+                                        <p:attrNameLst>
+                                          <p:attrName>style.visibility</p:attrName>
+                                        </p:attrNameLst>
+                                      </p:cBhvr>
+                                      <p:to>
+                                        <p:strVal val="visible"/>
+                                      </p:to>
+                                    </p:set>
+                                    <p:animEffect transition="in" filter="fade">
+                                      <p:cBhvr>
+                                        <p:cTn id="32" dur="500"/>
+                                        <p:tgtEl>
+                                          <p:spTgt spid="3">
+                                            <p:txEl>
+                                              <p:pRg st="5" end="5"/>
+                                            </p:txEl>
+                                          </p:spTgt>
+                                        </p:tgtEl>
+                                      </p:cBhvr>
+                                    </p:animEffect>
+                                  </p:childTnLst>
+                                </p:cTn>
+                              </p:par>
+                            </p:childTnLst>
+                          </p:cTn>
+                        </p:par>
+                      </p:childTnLst>
+                    </p:cTn>
+                  </p:par>
+                </p:childTnLst>
+              </p:cTn>
+              <p:prevCondLst>
+                <p:cond evt="onPrev" delay="0">
+                  <p:tgtEl>
+                    <p:sldTgt/>
+                  </p:tgtEl>
+                </p:cond>
+              </p:prevCondLst>
+              <p:nextCondLst>
+                <p:cond evt="onNext" delay="0">
+                  <p:tgtEl>
+                    <p:sldTgt/>
+                  </p:tgtEl>
+                </p:cond>
+              </p:nextCondLst>
+            </p:seq>
+          </p:childTnLst>
+        </p:cTn>
+      </p:par>
+    </p:tnLst>
+    <p:bldLst>
+      <p:bldP spid="3" grpId="0" build="p"/>
+    </p:bldLst>
+  </p:timing>
 </p:sld>
 </file>
 
@@ -7111,6 +13802,405 @@
   <p:clrMapOvr>
     <a:masterClrMapping/>
   </p:clrMapOvr>
+  <p:timing>
+    <p:tnLst>
+      <p:par>
+        <p:cTn id="1" dur="indefinite" restart="never" nodeType="tmRoot">
+          <p:childTnLst>
+            <p:seq concurrent="1" nextAc="seek">
+              <p:cTn id="2" dur="indefinite" nodeType="mainSeq">
+                <p:childTnLst>
+                  <p:par>
+                    <p:cTn id="3" fill="hold">
+                      <p:stCondLst>
+                        <p:cond delay="indefinite"/>
+                      </p:stCondLst>
+                      <p:childTnLst>
+                        <p:par>
+                          <p:cTn id="4" fill="hold">
+                            <p:stCondLst>
+                              <p:cond delay="0"/>
+                            </p:stCondLst>
+                            <p:childTnLst>
+                              <p:par>
+                                <p:cTn id="5" presetID="10" presetClass="entr" presetSubtype="0" fill="hold" grpId="0" nodeType="clickEffect">
+                                  <p:stCondLst>
+                                    <p:cond delay="0"/>
+                                  </p:stCondLst>
+                                  <p:childTnLst>
+                                    <p:set>
+                                      <p:cBhvr>
+                                        <p:cTn id="6" dur="1" fill="hold">
+                                          <p:stCondLst>
+                                            <p:cond delay="0"/>
+                                          </p:stCondLst>
+                                        </p:cTn>
+                                        <p:tgtEl>
+                                          <p:spTgt spid="3">
+                                            <p:txEl>
+                                              <p:pRg st="0" end="0"/>
+                                            </p:txEl>
+                                          </p:spTgt>
+                                        </p:tgtEl>
+                                        <p:attrNameLst>
+                                          <p:attrName>style.visibility</p:attrName>
+                                        </p:attrNameLst>
+                                      </p:cBhvr>
+                                      <p:to>
+                                        <p:strVal val="visible"/>
+                                      </p:to>
+                                    </p:set>
+                                    <p:animEffect transition="in" filter="fade">
+                                      <p:cBhvr>
+                                        <p:cTn id="7" dur="500"/>
+                                        <p:tgtEl>
+                                          <p:spTgt spid="3">
+                                            <p:txEl>
+                                              <p:pRg st="0" end="0"/>
+                                            </p:txEl>
+                                          </p:spTgt>
+                                        </p:tgtEl>
+                                      </p:cBhvr>
+                                    </p:animEffect>
+                                  </p:childTnLst>
+                                </p:cTn>
+                              </p:par>
+                            </p:childTnLst>
+                          </p:cTn>
+                        </p:par>
+                      </p:childTnLst>
+                    </p:cTn>
+                  </p:par>
+                  <p:par>
+                    <p:cTn id="8" fill="hold">
+                      <p:stCondLst>
+                        <p:cond delay="indefinite"/>
+                      </p:stCondLst>
+                      <p:childTnLst>
+                        <p:par>
+                          <p:cTn id="9" fill="hold">
+                            <p:stCondLst>
+                              <p:cond delay="0"/>
+                            </p:stCondLst>
+                            <p:childTnLst>
+                              <p:par>
+                                <p:cTn id="10" presetID="10" presetClass="entr" presetSubtype="0" fill="hold" grpId="0" nodeType="clickEffect">
+                                  <p:stCondLst>
+                                    <p:cond delay="0"/>
+                                  </p:stCondLst>
+                                  <p:childTnLst>
+                                    <p:set>
+                                      <p:cBhvr>
+                                        <p:cTn id="11" dur="1" fill="hold">
+                                          <p:stCondLst>
+                                            <p:cond delay="0"/>
+                                          </p:stCondLst>
+                                        </p:cTn>
+                                        <p:tgtEl>
+                                          <p:spTgt spid="3">
+                                            <p:txEl>
+                                              <p:pRg st="1" end="1"/>
+                                            </p:txEl>
+                                          </p:spTgt>
+                                        </p:tgtEl>
+                                        <p:attrNameLst>
+                                          <p:attrName>style.visibility</p:attrName>
+                                        </p:attrNameLst>
+                                      </p:cBhvr>
+                                      <p:to>
+                                        <p:strVal val="visible"/>
+                                      </p:to>
+                                    </p:set>
+                                    <p:animEffect transition="in" filter="fade">
+                                      <p:cBhvr>
+                                        <p:cTn id="12" dur="500"/>
+                                        <p:tgtEl>
+                                          <p:spTgt spid="3">
+                                            <p:txEl>
+                                              <p:pRg st="1" end="1"/>
+                                            </p:txEl>
+                                          </p:spTgt>
+                                        </p:tgtEl>
+                                      </p:cBhvr>
+                                    </p:animEffect>
+                                  </p:childTnLst>
+                                </p:cTn>
+                              </p:par>
+                            </p:childTnLst>
+                          </p:cTn>
+                        </p:par>
+                      </p:childTnLst>
+                    </p:cTn>
+                  </p:par>
+                  <p:par>
+                    <p:cTn id="13" fill="hold">
+                      <p:stCondLst>
+                        <p:cond delay="indefinite"/>
+                      </p:stCondLst>
+                      <p:childTnLst>
+                        <p:par>
+                          <p:cTn id="14" fill="hold">
+                            <p:stCondLst>
+                              <p:cond delay="0"/>
+                            </p:stCondLst>
+                            <p:childTnLst>
+                              <p:par>
+                                <p:cTn id="15" presetID="10" presetClass="entr" presetSubtype="0" fill="hold" grpId="0" nodeType="clickEffect">
+                                  <p:stCondLst>
+                                    <p:cond delay="0"/>
+                                  </p:stCondLst>
+                                  <p:childTnLst>
+                                    <p:set>
+                                      <p:cBhvr>
+                                        <p:cTn id="16" dur="1" fill="hold">
+                                          <p:stCondLst>
+                                            <p:cond delay="0"/>
+                                          </p:stCondLst>
+                                        </p:cTn>
+                                        <p:tgtEl>
+                                          <p:spTgt spid="3">
+                                            <p:txEl>
+                                              <p:pRg st="2" end="2"/>
+                                            </p:txEl>
+                                          </p:spTgt>
+                                        </p:tgtEl>
+                                        <p:attrNameLst>
+                                          <p:attrName>style.visibility</p:attrName>
+                                        </p:attrNameLst>
+                                      </p:cBhvr>
+                                      <p:to>
+                                        <p:strVal val="visible"/>
+                                      </p:to>
+                                    </p:set>
+                                    <p:animEffect transition="in" filter="fade">
+                                      <p:cBhvr>
+                                        <p:cTn id="17" dur="500"/>
+                                        <p:tgtEl>
+                                          <p:spTgt spid="3">
+                                            <p:txEl>
+                                              <p:pRg st="2" end="2"/>
+                                            </p:txEl>
+                                          </p:spTgt>
+                                        </p:tgtEl>
+                                      </p:cBhvr>
+                                    </p:animEffect>
+                                  </p:childTnLst>
+                                </p:cTn>
+                              </p:par>
+                            </p:childTnLst>
+                          </p:cTn>
+                        </p:par>
+                      </p:childTnLst>
+                    </p:cTn>
+                  </p:par>
+                  <p:par>
+                    <p:cTn id="18" fill="hold">
+                      <p:stCondLst>
+                        <p:cond delay="indefinite"/>
+                      </p:stCondLst>
+                      <p:childTnLst>
+                        <p:par>
+                          <p:cTn id="19" fill="hold">
+                            <p:stCondLst>
+                              <p:cond delay="0"/>
+                            </p:stCondLst>
+                            <p:childTnLst>
+                              <p:par>
+                                <p:cTn id="20" presetID="10" presetClass="entr" presetSubtype="0" fill="hold" grpId="0" nodeType="clickEffect">
+                                  <p:stCondLst>
+                                    <p:cond delay="0"/>
+                                  </p:stCondLst>
+                                  <p:childTnLst>
+                                    <p:set>
+                                      <p:cBhvr>
+                                        <p:cTn id="21" dur="1" fill="hold">
+                                          <p:stCondLst>
+                                            <p:cond delay="0"/>
+                                          </p:stCondLst>
+                                        </p:cTn>
+                                        <p:tgtEl>
+                                          <p:spTgt spid="3">
+                                            <p:txEl>
+                                              <p:pRg st="3" end="3"/>
+                                            </p:txEl>
+                                          </p:spTgt>
+                                        </p:tgtEl>
+                                        <p:attrNameLst>
+                                          <p:attrName>style.visibility</p:attrName>
+                                        </p:attrNameLst>
+                                      </p:cBhvr>
+                                      <p:to>
+                                        <p:strVal val="visible"/>
+                                      </p:to>
+                                    </p:set>
+                                    <p:animEffect transition="in" filter="fade">
+                                      <p:cBhvr>
+                                        <p:cTn id="22" dur="500"/>
+                                        <p:tgtEl>
+                                          <p:spTgt spid="3">
+                                            <p:txEl>
+                                              <p:pRg st="3" end="3"/>
+                                            </p:txEl>
+                                          </p:spTgt>
+                                        </p:tgtEl>
+                                      </p:cBhvr>
+                                    </p:animEffect>
+                                  </p:childTnLst>
+                                </p:cTn>
+                              </p:par>
+                            </p:childTnLst>
+                          </p:cTn>
+                        </p:par>
+                      </p:childTnLst>
+                    </p:cTn>
+                  </p:par>
+                  <p:par>
+                    <p:cTn id="23" fill="hold">
+                      <p:stCondLst>
+                        <p:cond delay="indefinite"/>
+                      </p:stCondLst>
+                      <p:childTnLst>
+                        <p:par>
+                          <p:cTn id="24" fill="hold">
+                            <p:stCondLst>
+                              <p:cond delay="0"/>
+                            </p:stCondLst>
+                            <p:childTnLst>
+                              <p:par>
+                                <p:cTn id="25" presetID="10" presetClass="entr" presetSubtype="0" fill="hold" grpId="0" nodeType="clickEffect">
+                                  <p:stCondLst>
+                                    <p:cond delay="0"/>
+                                  </p:stCondLst>
+                                  <p:childTnLst>
+                                    <p:set>
+                                      <p:cBhvr>
+                                        <p:cTn id="26" dur="1" fill="hold">
+                                          <p:stCondLst>
+                                            <p:cond delay="0"/>
+                                          </p:stCondLst>
+                                        </p:cTn>
+                                        <p:tgtEl>
+                                          <p:spTgt spid="3">
+                                            <p:txEl>
+                                              <p:pRg st="4" end="4"/>
+                                            </p:txEl>
+                                          </p:spTgt>
+                                        </p:tgtEl>
+                                        <p:attrNameLst>
+                                          <p:attrName>style.visibility</p:attrName>
+                                        </p:attrNameLst>
+                                      </p:cBhvr>
+                                      <p:to>
+                                        <p:strVal val="visible"/>
+                                      </p:to>
+                                    </p:set>
+                                    <p:animEffect transition="in" filter="fade">
+                                      <p:cBhvr>
+                                        <p:cTn id="27" dur="500"/>
+                                        <p:tgtEl>
+                                          <p:spTgt spid="3">
+                                            <p:txEl>
+                                              <p:pRg st="4" end="4"/>
+                                            </p:txEl>
+                                          </p:spTgt>
+                                        </p:tgtEl>
+                                      </p:cBhvr>
+                                    </p:animEffect>
+                                  </p:childTnLst>
+                                </p:cTn>
+                              </p:par>
+                            </p:childTnLst>
+                          </p:cTn>
+                        </p:par>
+                      </p:childTnLst>
+                    </p:cTn>
+                  </p:par>
+                  <p:par>
+                    <p:cTn id="28" fill="hold">
+                      <p:stCondLst>
+                        <p:cond delay="indefinite"/>
+                      </p:stCondLst>
+                      <p:childTnLst>
+                        <p:par>
+                          <p:cTn id="29" fill="hold">
+                            <p:stCondLst>
+                              <p:cond delay="0"/>
+                            </p:stCondLst>
+                            <p:childTnLst>
+                              <p:par>
+                                <p:cTn id="30" presetID="10" presetClass="entr" presetSubtype="0" fill="hold" grpId="0" nodeType="clickEffect">
+                                  <p:stCondLst>
+                                    <p:cond delay="0"/>
+                                  </p:stCondLst>
+                                  <p:childTnLst>
+                                    <p:set>
+                                      <p:cBhvr>
+                                        <p:cTn id="31" dur="1" fill="hold">
+                                          <p:stCondLst>
+                                            <p:cond delay="0"/>
+                                          </p:stCondLst>
+                                        </p:cTn>
+                                        <p:tgtEl>
+                                          <p:spTgt spid="3">
+                                            <p:txEl>
+                                              <p:pRg st="5" end="5"/>
+                                            </p:txEl>
+                                          </p:spTgt>
+                                        </p:tgtEl>
+                                        <p:attrNameLst>
+                                          <p:attrName>style.visibility</p:attrName>
+                                        </p:attrNameLst>
+                                      </p:cBhvr>
+                                      <p:to>
+                                        <p:strVal val="visible"/>
+                                      </p:to>
+                                    </p:set>
+                                    <p:animEffect transition="in" filter="fade">
+                                      <p:cBhvr>
+                                        <p:cTn id="32" dur="500"/>
+                                        <p:tgtEl>
+                                          <p:spTgt spid="3">
+                                            <p:txEl>
+                                              <p:pRg st="5" end="5"/>
+                                            </p:txEl>
+                                          </p:spTgt>
+                                        </p:tgtEl>
+                                      </p:cBhvr>
+                                    </p:animEffect>
+                                  </p:childTnLst>
+                                </p:cTn>
+                              </p:par>
+                            </p:childTnLst>
+                          </p:cTn>
+                        </p:par>
+                      </p:childTnLst>
+                    </p:cTn>
+                  </p:par>
+                </p:childTnLst>
+              </p:cTn>
+              <p:prevCondLst>
+                <p:cond evt="onPrev" delay="0">
+                  <p:tgtEl>
+                    <p:sldTgt/>
+                  </p:tgtEl>
+                </p:cond>
+              </p:prevCondLst>
+              <p:nextCondLst>
+                <p:cond evt="onNext" delay="0">
+                  <p:tgtEl>
+                    <p:sldTgt/>
+                  </p:tgtEl>
+                </p:cond>
+              </p:nextCondLst>
+            </p:seq>
+          </p:childTnLst>
+        </p:cTn>
+      </p:par>
+    </p:tnLst>
+    <p:bldLst>
+      <p:bldP spid="3" grpId="0" build="p"/>
+    </p:bldLst>
+  </p:timing>
 </p:sld>
 </file>
 
@@ -7272,6 +14362,401 @@
   <p:clrMapOvr>
     <a:masterClrMapping/>
   </p:clrMapOvr>
+  <p:timing>
+    <p:tnLst>
+      <p:par>
+        <p:cTn id="1" dur="indefinite" restart="never" nodeType="tmRoot">
+          <p:childTnLst>
+            <p:seq concurrent="1" nextAc="seek">
+              <p:cTn id="2" dur="indefinite" nodeType="mainSeq">
+                <p:childTnLst>
+                  <p:par>
+                    <p:cTn id="3" fill="hold">
+                      <p:stCondLst>
+                        <p:cond delay="indefinite"/>
+                      </p:stCondLst>
+                      <p:childTnLst>
+                        <p:par>
+                          <p:cTn id="4" fill="hold">
+                            <p:stCondLst>
+                              <p:cond delay="0"/>
+                            </p:stCondLst>
+                            <p:childTnLst>
+                              <p:par>
+                                <p:cTn id="5" presetID="10" presetClass="entr" presetSubtype="0" fill="hold" grpId="0" nodeType="clickEffect">
+                                  <p:stCondLst>
+                                    <p:cond delay="0"/>
+                                  </p:stCondLst>
+                                  <p:childTnLst>
+                                    <p:set>
+                                      <p:cBhvr>
+                                        <p:cTn id="6" dur="1" fill="hold">
+                                          <p:stCondLst>
+                                            <p:cond delay="0"/>
+                                          </p:stCondLst>
+                                        </p:cTn>
+                                        <p:tgtEl>
+                                          <p:spTgt spid="3">
+                                            <p:txEl>
+                                              <p:pRg st="0" end="0"/>
+                                            </p:txEl>
+                                          </p:spTgt>
+                                        </p:tgtEl>
+                                        <p:attrNameLst>
+                                          <p:attrName>style.visibility</p:attrName>
+                                        </p:attrNameLst>
+                                      </p:cBhvr>
+                                      <p:to>
+                                        <p:strVal val="visible"/>
+                                      </p:to>
+                                    </p:set>
+                                    <p:animEffect transition="in" filter="fade">
+                                      <p:cBhvr>
+                                        <p:cTn id="7" dur="500"/>
+                                        <p:tgtEl>
+                                          <p:spTgt spid="3">
+                                            <p:txEl>
+                                              <p:pRg st="0" end="0"/>
+                                            </p:txEl>
+                                          </p:spTgt>
+                                        </p:tgtEl>
+                                      </p:cBhvr>
+                                    </p:animEffect>
+                                  </p:childTnLst>
+                                </p:cTn>
+                              </p:par>
+                              <p:par>
+                                <p:cTn id="8" presetID="10" presetClass="entr" presetSubtype="0" fill="hold" grpId="0" nodeType="withEffect">
+                                  <p:stCondLst>
+                                    <p:cond delay="0"/>
+                                  </p:stCondLst>
+                                  <p:childTnLst>
+                                    <p:set>
+                                      <p:cBhvr>
+                                        <p:cTn id="9" dur="1" fill="hold">
+                                          <p:stCondLst>
+                                            <p:cond delay="0"/>
+                                          </p:stCondLst>
+                                        </p:cTn>
+                                        <p:tgtEl>
+                                          <p:spTgt spid="3">
+                                            <p:txEl>
+                                              <p:pRg st="1" end="1"/>
+                                            </p:txEl>
+                                          </p:spTgt>
+                                        </p:tgtEl>
+                                        <p:attrNameLst>
+                                          <p:attrName>style.visibility</p:attrName>
+                                        </p:attrNameLst>
+                                      </p:cBhvr>
+                                      <p:to>
+                                        <p:strVal val="visible"/>
+                                      </p:to>
+                                    </p:set>
+                                    <p:animEffect transition="in" filter="fade">
+                                      <p:cBhvr>
+                                        <p:cTn id="10" dur="500"/>
+                                        <p:tgtEl>
+                                          <p:spTgt spid="3">
+                                            <p:txEl>
+                                              <p:pRg st="1" end="1"/>
+                                            </p:txEl>
+                                          </p:spTgt>
+                                        </p:tgtEl>
+                                      </p:cBhvr>
+                                    </p:animEffect>
+                                  </p:childTnLst>
+                                </p:cTn>
+                              </p:par>
+                              <p:par>
+                                <p:cTn id="11" presetID="10" presetClass="entr" presetSubtype="0" fill="hold" grpId="0" nodeType="withEffect">
+                                  <p:stCondLst>
+                                    <p:cond delay="0"/>
+                                  </p:stCondLst>
+                                  <p:childTnLst>
+                                    <p:set>
+                                      <p:cBhvr>
+                                        <p:cTn id="12" dur="1" fill="hold">
+                                          <p:stCondLst>
+                                            <p:cond delay="0"/>
+                                          </p:stCondLst>
+                                        </p:cTn>
+                                        <p:tgtEl>
+                                          <p:spTgt spid="3">
+                                            <p:txEl>
+                                              <p:pRg st="2" end="2"/>
+                                            </p:txEl>
+                                          </p:spTgt>
+                                        </p:tgtEl>
+                                        <p:attrNameLst>
+                                          <p:attrName>style.visibility</p:attrName>
+                                        </p:attrNameLst>
+                                      </p:cBhvr>
+                                      <p:to>
+                                        <p:strVal val="visible"/>
+                                      </p:to>
+                                    </p:set>
+                                    <p:animEffect transition="in" filter="fade">
+                                      <p:cBhvr>
+                                        <p:cTn id="13" dur="500"/>
+                                        <p:tgtEl>
+                                          <p:spTgt spid="3">
+                                            <p:txEl>
+                                              <p:pRg st="2" end="2"/>
+                                            </p:txEl>
+                                          </p:spTgt>
+                                        </p:tgtEl>
+                                      </p:cBhvr>
+                                    </p:animEffect>
+                                  </p:childTnLst>
+                                </p:cTn>
+                              </p:par>
+                              <p:par>
+                                <p:cTn id="14" presetID="10" presetClass="entr" presetSubtype="0" fill="hold" grpId="0" nodeType="withEffect">
+                                  <p:stCondLst>
+                                    <p:cond delay="0"/>
+                                  </p:stCondLst>
+                                  <p:childTnLst>
+                                    <p:set>
+                                      <p:cBhvr>
+                                        <p:cTn id="15" dur="1" fill="hold">
+                                          <p:stCondLst>
+                                            <p:cond delay="0"/>
+                                          </p:stCondLst>
+                                        </p:cTn>
+                                        <p:tgtEl>
+                                          <p:spTgt spid="3">
+                                            <p:txEl>
+                                              <p:pRg st="3" end="3"/>
+                                            </p:txEl>
+                                          </p:spTgt>
+                                        </p:tgtEl>
+                                        <p:attrNameLst>
+                                          <p:attrName>style.visibility</p:attrName>
+                                        </p:attrNameLst>
+                                      </p:cBhvr>
+                                      <p:to>
+                                        <p:strVal val="visible"/>
+                                      </p:to>
+                                    </p:set>
+                                    <p:animEffect transition="in" filter="fade">
+                                      <p:cBhvr>
+                                        <p:cTn id="16" dur="500"/>
+                                        <p:tgtEl>
+                                          <p:spTgt spid="3">
+                                            <p:txEl>
+                                              <p:pRg st="3" end="3"/>
+                                            </p:txEl>
+                                          </p:spTgt>
+                                        </p:tgtEl>
+                                      </p:cBhvr>
+                                    </p:animEffect>
+                                  </p:childTnLst>
+                                </p:cTn>
+                              </p:par>
+                              <p:par>
+                                <p:cTn id="17" presetID="10" presetClass="entr" presetSubtype="0" fill="hold" grpId="0" nodeType="withEffect">
+                                  <p:stCondLst>
+                                    <p:cond delay="0"/>
+                                  </p:stCondLst>
+                                  <p:childTnLst>
+                                    <p:set>
+                                      <p:cBhvr>
+                                        <p:cTn id="18" dur="1" fill="hold">
+                                          <p:stCondLst>
+                                            <p:cond delay="0"/>
+                                          </p:stCondLst>
+                                        </p:cTn>
+                                        <p:tgtEl>
+                                          <p:spTgt spid="3">
+                                            <p:txEl>
+                                              <p:pRg st="5" end="5"/>
+                                            </p:txEl>
+                                          </p:spTgt>
+                                        </p:tgtEl>
+                                        <p:attrNameLst>
+                                          <p:attrName>style.visibility</p:attrName>
+                                        </p:attrNameLst>
+                                      </p:cBhvr>
+                                      <p:to>
+                                        <p:strVal val="visible"/>
+                                      </p:to>
+                                    </p:set>
+                                    <p:animEffect transition="in" filter="fade">
+                                      <p:cBhvr>
+                                        <p:cTn id="19" dur="500"/>
+                                        <p:tgtEl>
+                                          <p:spTgt spid="3">
+                                            <p:txEl>
+                                              <p:pRg st="5" end="5"/>
+                                            </p:txEl>
+                                          </p:spTgt>
+                                        </p:tgtEl>
+                                      </p:cBhvr>
+                                    </p:animEffect>
+                                  </p:childTnLst>
+                                </p:cTn>
+                              </p:par>
+                              <p:par>
+                                <p:cTn id="20" presetID="10" presetClass="entr" presetSubtype="0" fill="hold" grpId="0" nodeType="withEffect">
+                                  <p:stCondLst>
+                                    <p:cond delay="0"/>
+                                  </p:stCondLst>
+                                  <p:childTnLst>
+                                    <p:set>
+                                      <p:cBhvr>
+                                        <p:cTn id="21" dur="1" fill="hold">
+                                          <p:stCondLst>
+                                            <p:cond delay="0"/>
+                                          </p:stCondLst>
+                                        </p:cTn>
+                                        <p:tgtEl>
+                                          <p:spTgt spid="3">
+                                            <p:txEl>
+                                              <p:pRg st="6" end="6"/>
+                                            </p:txEl>
+                                          </p:spTgt>
+                                        </p:tgtEl>
+                                        <p:attrNameLst>
+                                          <p:attrName>style.visibility</p:attrName>
+                                        </p:attrNameLst>
+                                      </p:cBhvr>
+                                      <p:to>
+                                        <p:strVal val="visible"/>
+                                      </p:to>
+                                    </p:set>
+                                    <p:animEffect transition="in" filter="fade">
+                                      <p:cBhvr>
+                                        <p:cTn id="22" dur="500"/>
+                                        <p:tgtEl>
+                                          <p:spTgt spid="3">
+                                            <p:txEl>
+                                              <p:pRg st="6" end="6"/>
+                                            </p:txEl>
+                                          </p:spTgt>
+                                        </p:tgtEl>
+                                      </p:cBhvr>
+                                    </p:animEffect>
+                                  </p:childTnLst>
+                                </p:cTn>
+                              </p:par>
+                              <p:par>
+                                <p:cTn id="23" presetID="10" presetClass="entr" presetSubtype="0" fill="hold" grpId="0" nodeType="withEffect">
+                                  <p:stCondLst>
+                                    <p:cond delay="0"/>
+                                  </p:stCondLst>
+                                  <p:childTnLst>
+                                    <p:set>
+                                      <p:cBhvr>
+                                        <p:cTn id="24" dur="1" fill="hold">
+                                          <p:stCondLst>
+                                            <p:cond delay="0"/>
+                                          </p:stCondLst>
+                                        </p:cTn>
+                                        <p:tgtEl>
+                                          <p:spTgt spid="3">
+                                            <p:txEl>
+                                              <p:pRg st="7" end="7"/>
+                                            </p:txEl>
+                                          </p:spTgt>
+                                        </p:tgtEl>
+                                        <p:attrNameLst>
+                                          <p:attrName>style.visibility</p:attrName>
+                                        </p:attrNameLst>
+                                      </p:cBhvr>
+                                      <p:to>
+                                        <p:strVal val="visible"/>
+                                      </p:to>
+                                    </p:set>
+                                    <p:animEffect transition="in" filter="fade">
+                                      <p:cBhvr>
+                                        <p:cTn id="25" dur="500"/>
+                                        <p:tgtEl>
+                                          <p:spTgt spid="3">
+                                            <p:txEl>
+                                              <p:pRg st="7" end="7"/>
+                                            </p:txEl>
+                                          </p:spTgt>
+                                        </p:tgtEl>
+                                      </p:cBhvr>
+                                    </p:animEffect>
+                                  </p:childTnLst>
+                                </p:cTn>
+                              </p:par>
+                              <p:par>
+                                <p:cTn id="26" presetID="10" presetClass="entr" presetSubtype="0" fill="hold" grpId="0" nodeType="withEffect">
+                                  <p:stCondLst>
+                                    <p:cond delay="0"/>
+                                  </p:stCondLst>
+                                  <p:childTnLst>
+                                    <p:set>
+                                      <p:cBhvr>
+                                        <p:cTn id="27" dur="1" fill="hold">
+                                          <p:stCondLst>
+                                            <p:cond delay="0"/>
+                                          </p:stCondLst>
+                                        </p:cTn>
+                                        <p:tgtEl>
+                                          <p:spTgt spid="3">
+                                            <p:txEl>
+                                              <p:pRg st="8" end="8"/>
+                                            </p:txEl>
+                                          </p:spTgt>
+                                        </p:tgtEl>
+                                        <p:attrNameLst>
+                                          <p:attrName>style.visibility</p:attrName>
+                                        </p:attrNameLst>
+                                      </p:cBhvr>
+                                      <p:to>
+                                        <p:strVal val="visible"/>
+                                      </p:to>
+                                    </p:set>
+                                    <p:animEffect transition="in" filter="fade">
+                                      <p:cBhvr>
+                                        <p:cTn id="28" dur="500"/>
+                                        <p:tgtEl>
+                                          <p:spTgt spid="3">
+                                            <p:txEl>
+                                              <p:pRg st="8" end="8"/>
+                                            </p:txEl>
+                                          </p:spTgt>
+                                        </p:tgtEl>
+                                      </p:cBhvr>
+                                    </p:animEffect>
+                                  </p:childTnLst>
+                                </p:cTn>
+                              </p:par>
+                            </p:childTnLst>
+                          </p:cTn>
+                        </p:par>
+                      </p:childTnLst>
+                    </p:cTn>
+                  </p:par>
+                </p:childTnLst>
+              </p:cTn>
+              <p:prevCondLst>
+                <p:cond evt="onPrev" delay="0">
+                  <p:tgtEl>
+                    <p:sldTgt/>
+                  </p:tgtEl>
+                </p:cond>
+              </p:prevCondLst>
+              <p:nextCondLst>
+                <p:cond evt="onNext" delay="0">
+                  <p:tgtEl>
+                    <p:sldTgt/>
+                  </p:tgtEl>
+                </p:cond>
+              </p:nextCondLst>
+            </p:seq>
+          </p:childTnLst>
+        </p:cTn>
+      </p:par>
+    </p:tnLst>
+    <p:bldLst>
+      <p:bldP spid="3" grpId="0" build="p"/>
+    </p:bldLst>
+  </p:timing>
 </p:sld>
 </file>
 
@@ -7430,6 +14915,401 @@
   <p:clrMapOvr>
     <a:masterClrMapping/>
   </p:clrMapOvr>
+  <p:timing>
+    <p:tnLst>
+      <p:par>
+        <p:cTn id="1" dur="indefinite" restart="never" nodeType="tmRoot">
+          <p:childTnLst>
+            <p:seq concurrent="1" nextAc="seek">
+              <p:cTn id="2" dur="indefinite" nodeType="mainSeq">
+                <p:childTnLst>
+                  <p:par>
+                    <p:cTn id="3" fill="hold">
+                      <p:stCondLst>
+                        <p:cond delay="indefinite"/>
+                      </p:stCondLst>
+                      <p:childTnLst>
+                        <p:par>
+                          <p:cTn id="4" fill="hold">
+                            <p:stCondLst>
+                              <p:cond delay="0"/>
+                            </p:stCondLst>
+                            <p:childTnLst>
+                              <p:par>
+                                <p:cTn id="5" presetID="10" presetClass="entr" presetSubtype="0" fill="hold" grpId="0" nodeType="clickEffect">
+                                  <p:stCondLst>
+                                    <p:cond delay="0"/>
+                                  </p:stCondLst>
+                                  <p:childTnLst>
+                                    <p:set>
+                                      <p:cBhvr>
+                                        <p:cTn id="6" dur="1" fill="hold">
+                                          <p:stCondLst>
+                                            <p:cond delay="0"/>
+                                          </p:stCondLst>
+                                        </p:cTn>
+                                        <p:tgtEl>
+                                          <p:spTgt spid="3">
+                                            <p:txEl>
+                                              <p:pRg st="0" end="0"/>
+                                            </p:txEl>
+                                          </p:spTgt>
+                                        </p:tgtEl>
+                                        <p:attrNameLst>
+                                          <p:attrName>style.visibility</p:attrName>
+                                        </p:attrNameLst>
+                                      </p:cBhvr>
+                                      <p:to>
+                                        <p:strVal val="visible"/>
+                                      </p:to>
+                                    </p:set>
+                                    <p:animEffect transition="in" filter="fade">
+                                      <p:cBhvr>
+                                        <p:cTn id="7" dur="500"/>
+                                        <p:tgtEl>
+                                          <p:spTgt spid="3">
+                                            <p:txEl>
+                                              <p:pRg st="0" end="0"/>
+                                            </p:txEl>
+                                          </p:spTgt>
+                                        </p:tgtEl>
+                                      </p:cBhvr>
+                                    </p:animEffect>
+                                  </p:childTnLst>
+                                </p:cTn>
+                              </p:par>
+                              <p:par>
+                                <p:cTn id="8" presetID="10" presetClass="entr" presetSubtype="0" fill="hold" grpId="0" nodeType="withEffect">
+                                  <p:stCondLst>
+                                    <p:cond delay="0"/>
+                                  </p:stCondLst>
+                                  <p:childTnLst>
+                                    <p:set>
+                                      <p:cBhvr>
+                                        <p:cTn id="9" dur="1" fill="hold">
+                                          <p:stCondLst>
+                                            <p:cond delay="0"/>
+                                          </p:stCondLst>
+                                        </p:cTn>
+                                        <p:tgtEl>
+                                          <p:spTgt spid="3">
+                                            <p:txEl>
+                                              <p:pRg st="1" end="1"/>
+                                            </p:txEl>
+                                          </p:spTgt>
+                                        </p:tgtEl>
+                                        <p:attrNameLst>
+                                          <p:attrName>style.visibility</p:attrName>
+                                        </p:attrNameLst>
+                                      </p:cBhvr>
+                                      <p:to>
+                                        <p:strVal val="visible"/>
+                                      </p:to>
+                                    </p:set>
+                                    <p:animEffect transition="in" filter="fade">
+                                      <p:cBhvr>
+                                        <p:cTn id="10" dur="500"/>
+                                        <p:tgtEl>
+                                          <p:spTgt spid="3">
+                                            <p:txEl>
+                                              <p:pRg st="1" end="1"/>
+                                            </p:txEl>
+                                          </p:spTgt>
+                                        </p:tgtEl>
+                                      </p:cBhvr>
+                                    </p:animEffect>
+                                  </p:childTnLst>
+                                </p:cTn>
+                              </p:par>
+                              <p:par>
+                                <p:cTn id="11" presetID="10" presetClass="entr" presetSubtype="0" fill="hold" grpId="0" nodeType="withEffect">
+                                  <p:stCondLst>
+                                    <p:cond delay="0"/>
+                                  </p:stCondLst>
+                                  <p:childTnLst>
+                                    <p:set>
+                                      <p:cBhvr>
+                                        <p:cTn id="12" dur="1" fill="hold">
+                                          <p:stCondLst>
+                                            <p:cond delay="0"/>
+                                          </p:stCondLst>
+                                        </p:cTn>
+                                        <p:tgtEl>
+                                          <p:spTgt spid="3">
+                                            <p:txEl>
+                                              <p:pRg st="2" end="2"/>
+                                            </p:txEl>
+                                          </p:spTgt>
+                                        </p:tgtEl>
+                                        <p:attrNameLst>
+                                          <p:attrName>style.visibility</p:attrName>
+                                        </p:attrNameLst>
+                                      </p:cBhvr>
+                                      <p:to>
+                                        <p:strVal val="visible"/>
+                                      </p:to>
+                                    </p:set>
+                                    <p:animEffect transition="in" filter="fade">
+                                      <p:cBhvr>
+                                        <p:cTn id="13" dur="500"/>
+                                        <p:tgtEl>
+                                          <p:spTgt spid="3">
+                                            <p:txEl>
+                                              <p:pRg st="2" end="2"/>
+                                            </p:txEl>
+                                          </p:spTgt>
+                                        </p:tgtEl>
+                                      </p:cBhvr>
+                                    </p:animEffect>
+                                  </p:childTnLst>
+                                </p:cTn>
+                              </p:par>
+                              <p:par>
+                                <p:cTn id="14" presetID="10" presetClass="entr" presetSubtype="0" fill="hold" grpId="0" nodeType="withEffect">
+                                  <p:stCondLst>
+                                    <p:cond delay="0"/>
+                                  </p:stCondLst>
+                                  <p:childTnLst>
+                                    <p:set>
+                                      <p:cBhvr>
+                                        <p:cTn id="15" dur="1" fill="hold">
+                                          <p:stCondLst>
+                                            <p:cond delay="0"/>
+                                          </p:stCondLst>
+                                        </p:cTn>
+                                        <p:tgtEl>
+                                          <p:spTgt spid="3">
+                                            <p:txEl>
+                                              <p:pRg st="3" end="3"/>
+                                            </p:txEl>
+                                          </p:spTgt>
+                                        </p:tgtEl>
+                                        <p:attrNameLst>
+                                          <p:attrName>style.visibility</p:attrName>
+                                        </p:attrNameLst>
+                                      </p:cBhvr>
+                                      <p:to>
+                                        <p:strVal val="visible"/>
+                                      </p:to>
+                                    </p:set>
+                                    <p:animEffect transition="in" filter="fade">
+                                      <p:cBhvr>
+                                        <p:cTn id="16" dur="500"/>
+                                        <p:tgtEl>
+                                          <p:spTgt spid="3">
+                                            <p:txEl>
+                                              <p:pRg st="3" end="3"/>
+                                            </p:txEl>
+                                          </p:spTgt>
+                                        </p:tgtEl>
+                                      </p:cBhvr>
+                                    </p:animEffect>
+                                  </p:childTnLst>
+                                </p:cTn>
+                              </p:par>
+                              <p:par>
+                                <p:cTn id="17" presetID="10" presetClass="entr" presetSubtype="0" fill="hold" grpId="0" nodeType="withEffect">
+                                  <p:stCondLst>
+                                    <p:cond delay="0"/>
+                                  </p:stCondLst>
+                                  <p:childTnLst>
+                                    <p:set>
+                                      <p:cBhvr>
+                                        <p:cTn id="18" dur="1" fill="hold">
+                                          <p:stCondLst>
+                                            <p:cond delay="0"/>
+                                          </p:stCondLst>
+                                        </p:cTn>
+                                        <p:tgtEl>
+                                          <p:spTgt spid="3">
+                                            <p:txEl>
+                                              <p:pRg st="5" end="5"/>
+                                            </p:txEl>
+                                          </p:spTgt>
+                                        </p:tgtEl>
+                                        <p:attrNameLst>
+                                          <p:attrName>style.visibility</p:attrName>
+                                        </p:attrNameLst>
+                                      </p:cBhvr>
+                                      <p:to>
+                                        <p:strVal val="visible"/>
+                                      </p:to>
+                                    </p:set>
+                                    <p:animEffect transition="in" filter="fade">
+                                      <p:cBhvr>
+                                        <p:cTn id="19" dur="500"/>
+                                        <p:tgtEl>
+                                          <p:spTgt spid="3">
+                                            <p:txEl>
+                                              <p:pRg st="5" end="5"/>
+                                            </p:txEl>
+                                          </p:spTgt>
+                                        </p:tgtEl>
+                                      </p:cBhvr>
+                                    </p:animEffect>
+                                  </p:childTnLst>
+                                </p:cTn>
+                              </p:par>
+                              <p:par>
+                                <p:cTn id="20" presetID="10" presetClass="entr" presetSubtype="0" fill="hold" grpId="0" nodeType="withEffect">
+                                  <p:stCondLst>
+                                    <p:cond delay="0"/>
+                                  </p:stCondLst>
+                                  <p:childTnLst>
+                                    <p:set>
+                                      <p:cBhvr>
+                                        <p:cTn id="21" dur="1" fill="hold">
+                                          <p:stCondLst>
+                                            <p:cond delay="0"/>
+                                          </p:stCondLst>
+                                        </p:cTn>
+                                        <p:tgtEl>
+                                          <p:spTgt spid="3">
+                                            <p:txEl>
+                                              <p:pRg st="6" end="6"/>
+                                            </p:txEl>
+                                          </p:spTgt>
+                                        </p:tgtEl>
+                                        <p:attrNameLst>
+                                          <p:attrName>style.visibility</p:attrName>
+                                        </p:attrNameLst>
+                                      </p:cBhvr>
+                                      <p:to>
+                                        <p:strVal val="visible"/>
+                                      </p:to>
+                                    </p:set>
+                                    <p:animEffect transition="in" filter="fade">
+                                      <p:cBhvr>
+                                        <p:cTn id="22" dur="500"/>
+                                        <p:tgtEl>
+                                          <p:spTgt spid="3">
+                                            <p:txEl>
+                                              <p:pRg st="6" end="6"/>
+                                            </p:txEl>
+                                          </p:spTgt>
+                                        </p:tgtEl>
+                                      </p:cBhvr>
+                                    </p:animEffect>
+                                  </p:childTnLst>
+                                </p:cTn>
+                              </p:par>
+                              <p:par>
+                                <p:cTn id="23" presetID="10" presetClass="entr" presetSubtype="0" fill="hold" grpId="0" nodeType="withEffect">
+                                  <p:stCondLst>
+                                    <p:cond delay="0"/>
+                                  </p:stCondLst>
+                                  <p:childTnLst>
+                                    <p:set>
+                                      <p:cBhvr>
+                                        <p:cTn id="24" dur="1" fill="hold">
+                                          <p:stCondLst>
+                                            <p:cond delay="0"/>
+                                          </p:stCondLst>
+                                        </p:cTn>
+                                        <p:tgtEl>
+                                          <p:spTgt spid="3">
+                                            <p:txEl>
+                                              <p:pRg st="7" end="7"/>
+                                            </p:txEl>
+                                          </p:spTgt>
+                                        </p:tgtEl>
+                                        <p:attrNameLst>
+                                          <p:attrName>style.visibility</p:attrName>
+                                        </p:attrNameLst>
+                                      </p:cBhvr>
+                                      <p:to>
+                                        <p:strVal val="visible"/>
+                                      </p:to>
+                                    </p:set>
+                                    <p:animEffect transition="in" filter="fade">
+                                      <p:cBhvr>
+                                        <p:cTn id="25" dur="500"/>
+                                        <p:tgtEl>
+                                          <p:spTgt spid="3">
+                                            <p:txEl>
+                                              <p:pRg st="7" end="7"/>
+                                            </p:txEl>
+                                          </p:spTgt>
+                                        </p:tgtEl>
+                                      </p:cBhvr>
+                                    </p:animEffect>
+                                  </p:childTnLst>
+                                </p:cTn>
+                              </p:par>
+                              <p:par>
+                                <p:cTn id="26" presetID="10" presetClass="entr" presetSubtype="0" fill="hold" grpId="0" nodeType="withEffect">
+                                  <p:stCondLst>
+                                    <p:cond delay="0"/>
+                                  </p:stCondLst>
+                                  <p:childTnLst>
+                                    <p:set>
+                                      <p:cBhvr>
+                                        <p:cTn id="27" dur="1" fill="hold">
+                                          <p:stCondLst>
+                                            <p:cond delay="0"/>
+                                          </p:stCondLst>
+                                        </p:cTn>
+                                        <p:tgtEl>
+                                          <p:spTgt spid="3">
+                                            <p:txEl>
+                                              <p:pRg st="8" end="8"/>
+                                            </p:txEl>
+                                          </p:spTgt>
+                                        </p:tgtEl>
+                                        <p:attrNameLst>
+                                          <p:attrName>style.visibility</p:attrName>
+                                        </p:attrNameLst>
+                                      </p:cBhvr>
+                                      <p:to>
+                                        <p:strVal val="visible"/>
+                                      </p:to>
+                                    </p:set>
+                                    <p:animEffect transition="in" filter="fade">
+                                      <p:cBhvr>
+                                        <p:cTn id="28" dur="500"/>
+                                        <p:tgtEl>
+                                          <p:spTgt spid="3">
+                                            <p:txEl>
+                                              <p:pRg st="8" end="8"/>
+                                            </p:txEl>
+                                          </p:spTgt>
+                                        </p:tgtEl>
+                                      </p:cBhvr>
+                                    </p:animEffect>
+                                  </p:childTnLst>
+                                </p:cTn>
+                              </p:par>
+                            </p:childTnLst>
+                          </p:cTn>
+                        </p:par>
+                      </p:childTnLst>
+                    </p:cTn>
+                  </p:par>
+                </p:childTnLst>
+              </p:cTn>
+              <p:prevCondLst>
+                <p:cond evt="onPrev" delay="0">
+                  <p:tgtEl>
+                    <p:sldTgt/>
+                  </p:tgtEl>
+                </p:cond>
+              </p:prevCondLst>
+              <p:nextCondLst>
+                <p:cond evt="onNext" delay="0">
+                  <p:tgtEl>
+                    <p:sldTgt/>
+                  </p:tgtEl>
+                </p:cond>
+              </p:nextCondLst>
+            </p:seq>
+          </p:childTnLst>
+        </p:cTn>
+      </p:par>
+    </p:tnLst>
+    <p:bldLst>
+      <p:bldP spid="3" grpId="0" build="p"/>
+    </p:bldLst>
+  </p:timing>
 </p:sld>
 </file>
 

--- a/RC1/VG101Jigang RC1.pptx
+++ b/RC1/VG101Jigang RC1.pptx
@@ -10424,14 +10424,11 @@
             <a:pPr lvl="1"/>
             <a:r>
               <a:rPr lang="en-US" altLang="zh-CN" dirty="0"/>
-              <a:t>Reverse of an array</a:t>
-            </a:r>
-          </a:p>
-          <a:p>
-            <a:pPr lvl="1"/>
-            <a:r>
-              <a:rPr lang="en-US" altLang="zh-CN" dirty="0"/>
-              <a:t>*Find smallest sum of squares</a:t>
+              <a:t>Reverse of </a:t>
+            </a:r>
+            <a:r>
+              <a:rPr lang="en-US" altLang="zh-CN"/>
+              <a:t>an array</a:t>
             </a:r>
             <a:endParaRPr lang="zh-CN" altLang="en-US" dirty="0"/>
           </a:p>
@@ -10864,49 +10861,6 @@
                                           <p:spTgt spid="3">
                                             <p:txEl>
                                               <p:pRg st="8" end="8"/>
-                                            </p:txEl>
-                                          </p:spTgt>
-                                        </p:tgtEl>
-                                      </p:cBhvr>
-                                    </p:animEffect>
-                                  </p:childTnLst>
-                                </p:cTn>
-                              </p:par>
-                              <p:par>
-                                <p:cTn id="34" presetID="10" presetClass="entr" presetSubtype="0" fill="hold" grpId="0" nodeType="withEffect">
-                                  <p:stCondLst>
-                                    <p:cond delay="0"/>
-                                  </p:stCondLst>
-                                  <p:childTnLst>
-                                    <p:set>
-                                      <p:cBhvr>
-                                        <p:cTn id="35" dur="1" fill="hold">
-                                          <p:stCondLst>
-                                            <p:cond delay="0"/>
-                                          </p:stCondLst>
-                                        </p:cTn>
-                                        <p:tgtEl>
-                                          <p:spTgt spid="3">
-                                            <p:txEl>
-                                              <p:pRg st="9" end="9"/>
-                                            </p:txEl>
-                                          </p:spTgt>
-                                        </p:tgtEl>
-                                        <p:attrNameLst>
-                                          <p:attrName>style.visibility</p:attrName>
-                                        </p:attrNameLst>
-                                      </p:cBhvr>
-                                      <p:to>
-                                        <p:strVal val="visible"/>
-                                      </p:to>
-                                    </p:set>
-                                    <p:animEffect transition="in" filter="fade">
-                                      <p:cBhvr>
-                                        <p:cTn id="36" dur="500"/>
-                                        <p:tgtEl>
-                                          <p:spTgt spid="3">
-                                            <p:txEl>
-                                              <p:pRg st="9" end="9"/>
                                             </p:txEl>
                                           </p:spTgt>
                                         </p:tgtEl>

--- a/RC1/VG101Jigang RC1.pptx
+++ b/RC1/VG101Jigang RC1.pptx
@@ -10424,11 +10424,7 @@
             <a:pPr lvl="1"/>
             <a:r>
               <a:rPr lang="en-US" altLang="zh-CN" dirty="0"/>
-              <a:t>Reverse of </a:t>
-            </a:r>
-            <a:r>
-              <a:rPr lang="en-US" altLang="zh-CN"/>
-              <a:t>an array</a:t>
+              <a:t>Reverse of an array</a:t>
             </a:r>
             <a:endParaRPr lang="zh-CN" altLang="en-US" dirty="0"/>
           </a:p>
@@ -11528,6 +11524,12 @@
               <a:rPr lang="en-US" altLang="zh-CN" dirty="0"/>
               <a:t>Often-used ROM is Hard Disk, it’s slow but stable. Programs and files are stored in this part of storage system.</a:t>
             </a:r>
+          </a:p>
+          <a:p>
+            <a:r>
+              <a:rPr lang="en-US" altLang="zh-CN" dirty="0"/>
+              <a:t>The last phrase of file name after ‘.’ Is called extension, it often represents the type of this file.</a:t>
+            </a:r>
             <a:endParaRPr lang="zh-CN" altLang="en-US" dirty="0"/>
           </a:p>
         </p:txBody>
@@ -11841,6 +11843,67 @@
                                           <p:spTgt spid="3">
                                             <p:txEl>
                                               <p:pRg st="4" end="4"/>
+                                            </p:txEl>
+                                          </p:spTgt>
+                                        </p:tgtEl>
+                                      </p:cBhvr>
+                                    </p:animEffect>
+                                  </p:childTnLst>
+                                </p:cTn>
+                              </p:par>
+                            </p:childTnLst>
+                          </p:cTn>
+                        </p:par>
+                      </p:childTnLst>
+                    </p:cTn>
+                  </p:par>
+                  <p:par>
+                    <p:cTn id="28" fill="hold">
+                      <p:stCondLst>
+                        <p:cond delay="indefinite"/>
+                      </p:stCondLst>
+                      <p:childTnLst>
+                        <p:par>
+                          <p:cTn id="29" fill="hold">
+                            <p:stCondLst>
+                              <p:cond delay="0"/>
+                            </p:stCondLst>
+                            <p:childTnLst>
+                              <p:par>
+                                <p:cTn id="30" presetID="10" presetClass="entr" presetSubtype="0" fill="hold" grpId="0" nodeType="clickEffect">
+                                  <p:stCondLst>
+                                    <p:cond delay="0"/>
+                                  </p:stCondLst>
+                                  <p:childTnLst>
+                                    <p:set>
+                                      <p:cBhvr>
+                                        <p:cTn id="31" dur="1" fill="hold">
+                                          <p:stCondLst>
+                                            <p:cond delay="0"/>
+                                          </p:stCondLst>
+                                        </p:cTn>
+                                        <p:tgtEl>
+                                          <p:spTgt spid="3">
+                                            <p:txEl>
+                                              <p:pRg st="5" end="5"/>
+                                            </p:txEl>
+                                          </p:spTgt>
+                                        </p:tgtEl>
+                                        <p:attrNameLst>
+                                          <p:attrName>style.visibility</p:attrName>
+                                        </p:attrNameLst>
+                                      </p:cBhvr>
+                                      <p:to>
+                                        <p:strVal val="visible"/>
+                                      </p:to>
+                                    </p:set>
+                                    <p:animEffect transition="in" filter="fade">
+                                      <p:cBhvr>
+                                        <p:cTn id="32" dur="500"/>
+                                        <p:tgtEl>
+                                          <p:spTgt spid="3">
+                                            <p:txEl>
+                                              <p:pRg st="5" end="5"/>
                                             </p:txEl>
                                           </p:spTgt>
                                         </p:tgtEl>
